--- a/SMART STENDINO.pptx
+++ b/SMART STENDINO.pptx
@@ -11408,7 +11408,7 @@
 <dgm:dataModel xmlns:dgm="http://schemas.openxmlformats.org/drawingml/2006/diagram" xmlns:a="http://schemas.openxmlformats.org/drawingml/2006/main">
   <dgm:ptLst>
     <dgm:pt modelId="{4104135F-4F7A-4486-8C14-2638D2C63FA3}" type="doc">
-      <dgm:prSet loTypeId="urn:microsoft.com/office/officeart/2005/8/layout/vList2" loCatId="list" qsTypeId="urn:microsoft.com/office/officeart/2005/8/quickstyle/simple1" qsCatId="simple" csTypeId="urn:microsoft.com/office/officeart/2005/8/colors/colorful5" csCatId="colorful"/>
+      <dgm:prSet loTypeId="urn:microsoft.com/office/officeart/2005/8/layout/vList2" loCatId="list" qsTypeId="urn:microsoft.com/office/officeart/2005/8/quickstyle/simple1" qsCatId="simple" csTypeId="urn:microsoft.com/office/officeart/2005/8/colors/colorful5" csCatId="colorful" phldr="1"/>
       <dgm:spPr/>
       <dgm:t>
         <a:bodyPr/>
@@ -11495,10 +11495,86 @@
         <a:lstStyle/>
         <a:p>
           <a:r>
-            <a:rPr lang="it-IT"/>
-            <a:t>It sends messages to notify the user about weather events (rain coming in a few hours)</a:t>
-          </a:r>
-          <a:endParaRPr lang="en-US"/>
+            <a:rPr lang="it-IT" dirty="0" err="1"/>
+            <a:t>It</a:t>
+          </a:r>
+          <a:r>
+            <a:rPr lang="it-IT" dirty="0"/>
+            <a:t> </a:t>
+          </a:r>
+          <a:r>
+            <a:rPr lang="it-IT" dirty="0" err="1"/>
+            <a:t>sends</a:t>
+          </a:r>
+          <a:r>
+            <a:rPr lang="it-IT" dirty="0"/>
+            <a:t> </a:t>
+          </a:r>
+          <a:r>
+            <a:rPr lang="it-IT" dirty="0" err="1"/>
+            <a:t>messages</a:t>
+          </a:r>
+          <a:r>
+            <a:rPr lang="it-IT" dirty="0"/>
+            <a:t> to </a:t>
+          </a:r>
+          <a:r>
+            <a:rPr lang="it-IT" dirty="0" err="1"/>
+            <a:t>notify</a:t>
+          </a:r>
+          <a:r>
+            <a:rPr lang="it-IT" dirty="0"/>
+            <a:t> the user </a:t>
+          </a:r>
+          <a:r>
+            <a:rPr lang="it-IT" dirty="0" err="1"/>
+            <a:t>about</a:t>
+          </a:r>
+          <a:r>
+            <a:rPr lang="it-IT" dirty="0"/>
+            <a:t> </a:t>
+          </a:r>
+          <a:r>
+            <a:rPr lang="it-IT" dirty="0" err="1"/>
+            <a:t>weather</a:t>
+          </a:r>
+          <a:r>
+            <a:rPr lang="it-IT" dirty="0"/>
+            <a:t> events (</a:t>
+          </a:r>
+          <a:r>
+            <a:rPr lang="it-IT" dirty="0" err="1"/>
+            <a:t>rain</a:t>
+          </a:r>
+          <a:r>
+            <a:rPr lang="it-IT" dirty="0"/>
+            <a:t> coming in a </a:t>
+          </a:r>
+          <a:r>
+            <a:rPr lang="it-IT" dirty="0" err="1"/>
+            <a:t>few</a:t>
+          </a:r>
+          <a:r>
+            <a:rPr lang="it-IT" dirty="0"/>
+            <a:t> hours), </a:t>
+          </a:r>
+          <a:r>
+            <a:rPr lang="it-IT" dirty="0" err="1"/>
+            <a:t>actual</a:t>
+          </a:r>
+          <a:r>
+            <a:rPr lang="it-IT" dirty="0"/>
+            <a:t> </a:t>
+          </a:r>
+          <a:r>
+            <a:rPr lang="it-IT" dirty="0" err="1"/>
+            <a:t>rain</a:t>
+          </a:r>
+          <a:r>
+            <a:rPr lang="it-IT" dirty="0"/>
+            <a:t> and community events </a:t>
+          </a:r>
+          <a:endParaRPr lang="en-US" dirty="0"/>
         </a:p>
       </dgm:t>
     </dgm:pt>
@@ -11842,8 +11918,8 @@
         <a:lstStyle/>
         <a:p>
           <a:r>
-            <a:rPr lang="en-US"/>
-            <a:t>New functionalities for the mobile application to give more reliable information and security and privacy of the sensible data</a:t>
+            <a:rPr lang="en-US" dirty="0"/>
+            <a:t>New functionalities for the mobile application to give more reliable information, security and privacy of the sensible data</a:t>
           </a:r>
         </a:p>
       </dgm:t>
@@ -11914,8 +11990,8 @@
         <a:lstStyle/>
         <a:p>
           <a:r>
-            <a:rPr lang="en-US"/>
-            <a:t>Improve scalability and performances of Flask Rest API</a:t>
+            <a:rPr lang="en-US" dirty="0"/>
+            <a:t>Improve scalability and performances of Flask Restful APIs</a:t>
           </a:r>
         </a:p>
       </dgm:t>
@@ -14040,7 +14116,15 @@
           </a:r>
           <a:r>
             <a:rPr lang="it-IT" dirty="0"/>
-            <a:t> to the bridge to the serial port </a:t>
+            <a:t> to the bridge </a:t>
+          </a:r>
+          <a:r>
+            <a:rPr lang="it-IT" dirty="0" err="1"/>
+            <a:t>through</a:t>
+          </a:r>
+          <a:r>
+            <a:rPr lang="it-IT" dirty="0"/>
+            <a:t> the serial port </a:t>
           </a:r>
           <a:r>
             <a:rPr lang="it-IT" dirty="0" err="1"/>
@@ -16145,10 +16229,86 @@
             <a:buNone/>
           </a:pPr>
           <a:r>
-            <a:rPr lang="it-IT" sz="2000" kern="1200"/>
-            <a:t>It sends messages to notify the user about weather events (rain coming in a few hours)</a:t>
-          </a:r>
-          <a:endParaRPr lang="en-US" sz="2000" kern="1200"/>
+            <a:rPr lang="it-IT" sz="2000" kern="1200" dirty="0" err="1"/>
+            <a:t>It</a:t>
+          </a:r>
+          <a:r>
+            <a:rPr lang="it-IT" sz="2000" kern="1200" dirty="0"/>
+            <a:t> </a:t>
+          </a:r>
+          <a:r>
+            <a:rPr lang="it-IT" sz="2000" kern="1200" dirty="0" err="1"/>
+            <a:t>sends</a:t>
+          </a:r>
+          <a:r>
+            <a:rPr lang="it-IT" sz="2000" kern="1200" dirty="0"/>
+            <a:t> </a:t>
+          </a:r>
+          <a:r>
+            <a:rPr lang="it-IT" sz="2000" kern="1200" dirty="0" err="1"/>
+            <a:t>messages</a:t>
+          </a:r>
+          <a:r>
+            <a:rPr lang="it-IT" sz="2000" kern="1200" dirty="0"/>
+            <a:t> to </a:t>
+          </a:r>
+          <a:r>
+            <a:rPr lang="it-IT" sz="2000" kern="1200" dirty="0" err="1"/>
+            <a:t>notify</a:t>
+          </a:r>
+          <a:r>
+            <a:rPr lang="it-IT" sz="2000" kern="1200" dirty="0"/>
+            <a:t> the user </a:t>
+          </a:r>
+          <a:r>
+            <a:rPr lang="it-IT" sz="2000" kern="1200" dirty="0" err="1"/>
+            <a:t>about</a:t>
+          </a:r>
+          <a:r>
+            <a:rPr lang="it-IT" sz="2000" kern="1200" dirty="0"/>
+            <a:t> </a:t>
+          </a:r>
+          <a:r>
+            <a:rPr lang="it-IT" sz="2000" kern="1200" dirty="0" err="1"/>
+            <a:t>weather</a:t>
+          </a:r>
+          <a:r>
+            <a:rPr lang="it-IT" sz="2000" kern="1200" dirty="0"/>
+            <a:t> events (</a:t>
+          </a:r>
+          <a:r>
+            <a:rPr lang="it-IT" sz="2000" kern="1200" dirty="0" err="1"/>
+            <a:t>rain</a:t>
+          </a:r>
+          <a:r>
+            <a:rPr lang="it-IT" sz="2000" kern="1200" dirty="0"/>
+            <a:t> coming in a </a:t>
+          </a:r>
+          <a:r>
+            <a:rPr lang="it-IT" sz="2000" kern="1200" dirty="0" err="1"/>
+            <a:t>few</a:t>
+          </a:r>
+          <a:r>
+            <a:rPr lang="it-IT" sz="2000" kern="1200" dirty="0"/>
+            <a:t> hours), </a:t>
+          </a:r>
+          <a:r>
+            <a:rPr lang="it-IT" sz="2000" kern="1200" dirty="0" err="1"/>
+            <a:t>actual</a:t>
+          </a:r>
+          <a:r>
+            <a:rPr lang="it-IT" sz="2000" kern="1200" dirty="0"/>
+            <a:t> </a:t>
+          </a:r>
+          <a:r>
+            <a:rPr lang="it-IT" sz="2000" kern="1200" dirty="0" err="1"/>
+            <a:t>rain</a:t>
+          </a:r>
+          <a:r>
+            <a:rPr lang="it-IT" sz="2000" kern="1200" dirty="0"/>
+            <a:t> and community events </a:t>
+          </a:r>
+          <a:endParaRPr lang="en-US" sz="2000" kern="1200" dirty="0"/>
         </a:p>
       </dsp:txBody>
       <dsp:txXfrm>
@@ -16409,8 +16569,8 @@
       </dsp:nvSpPr>
       <dsp:spPr>
         <a:xfrm>
-          <a:off x="0" y="117900"/>
-          <a:ext cx="6454987" cy="716040"/>
+          <a:off x="0" y="12689"/>
+          <a:ext cx="6454987" cy="755820"/>
         </a:xfrm>
         <a:prstGeom prst="roundRect">
           <a:avLst/>
@@ -16451,12 +16611,12 @@
         </a:fontRef>
       </dsp:style>
       <dsp:txBody>
-        <a:bodyPr spcFirstLastPara="0" vert="horz" wrap="square" lIns="68580" tIns="68580" rIns="68580" bIns="68580" numCol="1" spcCol="1270" anchor="ctr" anchorCtr="0">
+        <a:bodyPr spcFirstLastPara="0" vert="horz" wrap="square" lIns="72390" tIns="72390" rIns="72390" bIns="72390" numCol="1" spcCol="1270" anchor="ctr" anchorCtr="0">
           <a:noAutofit/>
         </a:bodyPr>
         <a:lstStyle/>
         <a:p>
-          <a:pPr marL="0" lvl="0" indent="0" algn="l" defTabSz="800100">
+          <a:pPr marL="0" lvl="0" indent="0" algn="l" defTabSz="844550">
             <a:lnSpc>
               <a:spcPct val="90000"/>
             </a:lnSpc>
@@ -16469,24 +16629,24 @@
             <a:buNone/>
           </a:pPr>
           <a:r>
-            <a:rPr lang="en-US" sz="1800" kern="1200" dirty="0"/>
+            <a:rPr lang="en-US" sz="1900" kern="1200" dirty="0"/>
             <a:t>AI, ML and DL (Recurrent neural networks) </a:t>
           </a:r>
           <a:r>
-            <a:rPr lang="en-US" sz="1800" kern="1200" dirty="0">
+            <a:rPr lang="en-US" sz="1900" kern="1200" dirty="0">
               <a:sym typeface="Wingdings" panose="05000000000000000000" pitchFamily="2" charset="2"/>
             </a:rPr>
             <a:t></a:t>
           </a:r>
           <a:r>
-            <a:rPr lang="en-US" sz="1800" kern="1200" dirty="0"/>
+            <a:rPr lang="en-US" sz="1900" kern="1200" dirty="0"/>
             <a:t> predict drying times with a correlation to the environment</a:t>
           </a:r>
         </a:p>
       </dsp:txBody>
       <dsp:txXfrm>
-        <a:off x="34954" y="152854"/>
-        <a:ext cx="6385079" cy="646132"/>
+        <a:off x="36896" y="49585"/>
+        <a:ext cx="6381195" cy="682028"/>
       </dsp:txXfrm>
     </dsp:sp>
     <dsp:sp modelId="{8A0EE3E2-5811-46C7-BC08-F94EE98CE209}">
@@ -16496,8 +16656,8 @@
       </dsp:nvSpPr>
       <dsp:spPr>
         <a:xfrm>
-          <a:off x="0" y="885780"/>
-          <a:ext cx="6454987" cy="716040"/>
+          <a:off x="0" y="823230"/>
+          <a:ext cx="6454987" cy="755820"/>
         </a:xfrm>
         <a:prstGeom prst="roundRect">
           <a:avLst/>
@@ -16538,12 +16698,12 @@
         </a:fontRef>
       </dsp:style>
       <dsp:txBody>
-        <a:bodyPr spcFirstLastPara="0" vert="horz" wrap="square" lIns="68580" tIns="68580" rIns="68580" bIns="68580" numCol="1" spcCol="1270" anchor="ctr" anchorCtr="0">
+        <a:bodyPr spcFirstLastPara="0" vert="horz" wrap="square" lIns="72390" tIns="72390" rIns="72390" bIns="72390" numCol="1" spcCol="1270" anchor="ctr" anchorCtr="0">
           <a:noAutofit/>
         </a:bodyPr>
         <a:lstStyle/>
         <a:p>
-          <a:pPr marL="0" lvl="0" indent="0" algn="l" defTabSz="800100">
+          <a:pPr marL="0" lvl="0" indent="0" algn="l" defTabSz="844550">
             <a:lnSpc>
               <a:spcPct val="90000"/>
             </a:lnSpc>
@@ -16556,14 +16716,14 @@
             <a:buNone/>
           </a:pPr>
           <a:r>
-            <a:rPr lang="en-US" sz="1800" kern="1200"/>
+            <a:rPr lang="en-US" sz="1900" kern="1200"/>
             <a:t>Integration of other AWS services for Artificial Intelligence and Internet of Things</a:t>
           </a:r>
         </a:p>
       </dsp:txBody>
       <dsp:txXfrm>
-        <a:off x="34954" y="920734"/>
-        <a:ext cx="6385079" cy="646132"/>
+        <a:off x="36896" y="860126"/>
+        <a:ext cx="6381195" cy="682028"/>
       </dsp:txXfrm>
     </dsp:sp>
     <dsp:sp modelId="{05B0955A-516D-4A9A-AB42-10B91F3DEDE7}">
@@ -16573,8 +16733,8 @@
       </dsp:nvSpPr>
       <dsp:spPr>
         <a:xfrm>
-          <a:off x="0" y="1653660"/>
-          <a:ext cx="6454987" cy="716040"/>
+          <a:off x="0" y="1633770"/>
+          <a:ext cx="6454987" cy="755820"/>
         </a:xfrm>
         <a:prstGeom prst="roundRect">
           <a:avLst/>
@@ -16615,12 +16775,12 @@
         </a:fontRef>
       </dsp:style>
       <dsp:txBody>
-        <a:bodyPr spcFirstLastPara="0" vert="horz" wrap="square" lIns="68580" tIns="68580" rIns="68580" bIns="68580" numCol="1" spcCol="1270" anchor="ctr" anchorCtr="0">
+        <a:bodyPr spcFirstLastPara="0" vert="horz" wrap="square" lIns="72390" tIns="72390" rIns="72390" bIns="72390" numCol="1" spcCol="1270" anchor="ctr" anchorCtr="0">
           <a:noAutofit/>
         </a:bodyPr>
         <a:lstStyle/>
         <a:p>
-          <a:pPr marL="0" lvl="0" indent="0" algn="l" defTabSz="800100">
+          <a:pPr marL="0" lvl="0" indent="0" algn="l" defTabSz="844550">
             <a:lnSpc>
               <a:spcPct val="90000"/>
             </a:lnSpc>
@@ -16633,14 +16793,14 @@
             <a:buNone/>
           </a:pPr>
           <a:r>
-            <a:rPr lang="en-US" sz="1800" kern="1200"/>
-            <a:t>New functionalities for the mobile application to give more reliable information and security and privacy of the sensible data</a:t>
+            <a:rPr lang="en-US" sz="1900" kern="1200" dirty="0"/>
+            <a:t>New functionalities for the mobile application to give more reliable information, security and privacy of the sensible data</a:t>
           </a:r>
         </a:p>
       </dsp:txBody>
       <dsp:txXfrm>
-        <a:off x="34954" y="1688614"/>
-        <a:ext cx="6385079" cy="646132"/>
+        <a:off x="36896" y="1670666"/>
+        <a:ext cx="6381195" cy="682028"/>
       </dsp:txXfrm>
     </dsp:sp>
     <dsp:sp modelId="{E27C790E-A926-4F30-A8D0-9B661315F259}">
@@ -16650,8 +16810,8 @@
       </dsp:nvSpPr>
       <dsp:spPr>
         <a:xfrm>
-          <a:off x="0" y="2421540"/>
-          <a:ext cx="6454987" cy="716040"/>
+          <a:off x="0" y="2444310"/>
+          <a:ext cx="6454987" cy="755820"/>
         </a:xfrm>
         <a:prstGeom prst="roundRect">
           <a:avLst/>
@@ -16692,12 +16852,12 @@
         </a:fontRef>
       </dsp:style>
       <dsp:txBody>
-        <a:bodyPr spcFirstLastPara="0" vert="horz" wrap="square" lIns="68580" tIns="68580" rIns="68580" bIns="68580" numCol="1" spcCol="1270" anchor="ctr" anchorCtr="0">
+        <a:bodyPr spcFirstLastPara="0" vert="horz" wrap="square" lIns="72390" tIns="72390" rIns="72390" bIns="72390" numCol="1" spcCol="1270" anchor="ctr" anchorCtr="0">
           <a:noAutofit/>
         </a:bodyPr>
         <a:lstStyle/>
         <a:p>
-          <a:pPr marL="0" lvl="0" indent="0" algn="l" defTabSz="800100">
+          <a:pPr marL="0" lvl="0" indent="0" algn="l" defTabSz="844550">
             <a:lnSpc>
               <a:spcPct val="90000"/>
             </a:lnSpc>
@@ -16710,14 +16870,14 @@
             <a:buNone/>
           </a:pPr>
           <a:r>
-            <a:rPr lang="en-US" sz="1800" kern="1200"/>
+            <a:rPr lang="en-US" sz="1900" kern="1200"/>
             <a:t>Waterproof system evolution, usage of smart sensors for collecting data and multiple concurrent drying cycles for user</a:t>
           </a:r>
         </a:p>
       </dsp:txBody>
       <dsp:txXfrm>
-        <a:off x="34954" y="2456494"/>
-        <a:ext cx="6385079" cy="646132"/>
+        <a:off x="36896" y="2481206"/>
+        <a:ext cx="6381195" cy="682028"/>
       </dsp:txXfrm>
     </dsp:sp>
     <dsp:sp modelId="{02918C32-07F7-4072-AB64-6C90C4608732}">
@@ -16727,8 +16887,8 @@
       </dsp:nvSpPr>
       <dsp:spPr>
         <a:xfrm>
-          <a:off x="0" y="3189420"/>
-          <a:ext cx="6454987" cy="716040"/>
+          <a:off x="0" y="3254849"/>
+          <a:ext cx="6454987" cy="755820"/>
         </a:xfrm>
         <a:prstGeom prst="roundRect">
           <a:avLst/>
@@ -16769,12 +16929,12 @@
         </a:fontRef>
       </dsp:style>
       <dsp:txBody>
-        <a:bodyPr spcFirstLastPara="0" vert="horz" wrap="square" lIns="68580" tIns="68580" rIns="68580" bIns="68580" numCol="1" spcCol="1270" anchor="ctr" anchorCtr="0">
+        <a:bodyPr spcFirstLastPara="0" vert="horz" wrap="square" lIns="72390" tIns="72390" rIns="72390" bIns="72390" numCol="1" spcCol="1270" anchor="ctr" anchorCtr="0">
           <a:noAutofit/>
         </a:bodyPr>
         <a:lstStyle/>
         <a:p>
-          <a:pPr marL="0" lvl="0" indent="0" algn="l" defTabSz="800100">
+          <a:pPr marL="0" lvl="0" indent="0" algn="l" defTabSz="844550">
             <a:lnSpc>
               <a:spcPct val="90000"/>
             </a:lnSpc>
@@ -16787,14 +16947,14 @@
             <a:buNone/>
           </a:pPr>
           <a:r>
-            <a:rPr lang="en-US" sz="1800" kern="1200"/>
-            <a:t>Improve scalability and performances of Flask Rest API</a:t>
+            <a:rPr lang="en-US" sz="1900" kern="1200" dirty="0"/>
+            <a:t>Improve scalability and performances of Flask Restful APIs</a:t>
           </a:r>
         </a:p>
       </dsp:txBody>
       <dsp:txXfrm>
-        <a:off x="34954" y="3224374"/>
-        <a:ext cx="6385079" cy="646132"/>
+        <a:off x="36896" y="3291745"/>
+        <a:ext cx="6381195" cy="682028"/>
       </dsp:txXfrm>
     </dsp:sp>
   </dsp:spTree>
@@ -19387,7 +19547,15 @@
           </a:r>
           <a:r>
             <a:rPr lang="it-IT" sz="1900" kern="1200" dirty="0"/>
-            <a:t> to the bridge to the serial port </a:t>
+            <a:t> to the bridge </a:t>
+          </a:r>
+          <a:r>
+            <a:rPr lang="it-IT" sz="1900" kern="1200" dirty="0" err="1"/>
+            <a:t>through</a:t>
+          </a:r>
+          <a:r>
+            <a:rPr lang="it-IT" sz="1900" kern="1200" dirty="0"/>
+            <a:t> the serial port </a:t>
           </a:r>
           <a:r>
             <a:rPr lang="it-IT" sz="1900" kern="1200" dirty="0" err="1"/>
@@ -36377,7 +36545,7 @@
           <a:p>
             <a:fld id="{BD24546A-F5BE-4F9E-948C-25747CB9F415}" type="datetimeFigureOut">
               <a:rPr lang="it-IT" smtClean="0"/>
-              <a:t>14/02/2023</a:t>
+              <a:t>15/02/2023</a:t>
             </a:fld>
             <a:endParaRPr lang="it-IT"/>
           </a:p>
@@ -36585,7 +36753,7 @@
           <a:p>
             <a:fld id="{BD24546A-F5BE-4F9E-948C-25747CB9F415}" type="datetimeFigureOut">
               <a:rPr lang="it-IT" smtClean="0"/>
-              <a:t>14/02/2023</a:t>
+              <a:t>15/02/2023</a:t>
             </a:fld>
             <a:endParaRPr lang="it-IT"/>
           </a:p>
@@ -36841,7 +37009,7 @@
           <a:p>
             <a:fld id="{BD24546A-F5BE-4F9E-948C-25747CB9F415}" type="datetimeFigureOut">
               <a:rPr lang="it-IT" smtClean="0"/>
-              <a:t>14/02/2023</a:t>
+              <a:t>15/02/2023</a:t>
             </a:fld>
             <a:endParaRPr lang="it-IT"/>
           </a:p>
@@ -37011,7 +37179,7 @@
           <a:p>
             <a:fld id="{BD24546A-F5BE-4F9E-948C-25747CB9F415}" type="datetimeFigureOut">
               <a:rPr lang="it-IT" smtClean="0"/>
-              <a:t>14/02/2023</a:t>
+              <a:t>15/02/2023</a:t>
             </a:fld>
             <a:endParaRPr lang="it-IT"/>
           </a:p>
@@ -37354,7 +37522,7 @@
           <a:p>
             <a:fld id="{BD24546A-F5BE-4F9E-948C-25747CB9F415}" type="datetimeFigureOut">
               <a:rPr lang="it-IT" smtClean="0"/>
-              <a:t>14/02/2023</a:t>
+              <a:t>15/02/2023</a:t>
             </a:fld>
             <a:endParaRPr lang="it-IT"/>
           </a:p>
@@ -37629,7 +37797,7 @@
           <a:p>
             <a:fld id="{BD24546A-F5BE-4F9E-948C-25747CB9F415}" type="datetimeFigureOut">
               <a:rPr lang="it-IT" smtClean="0"/>
-              <a:t>14/02/2023</a:t>
+              <a:t>15/02/2023</a:t>
             </a:fld>
             <a:endParaRPr lang="it-IT"/>
           </a:p>
@@ -38008,7 +38176,7 @@
           <a:p>
             <a:fld id="{BD24546A-F5BE-4F9E-948C-25747CB9F415}" type="datetimeFigureOut">
               <a:rPr lang="it-IT" smtClean="0"/>
-              <a:t>14/02/2023</a:t>
+              <a:t>15/02/2023</a:t>
             </a:fld>
             <a:endParaRPr lang="it-IT"/>
           </a:p>
@@ -38126,7 +38294,7 @@
           <a:p>
             <a:fld id="{BD24546A-F5BE-4F9E-948C-25747CB9F415}" type="datetimeFigureOut">
               <a:rPr lang="it-IT" smtClean="0"/>
-              <a:t>14/02/2023</a:t>
+              <a:t>15/02/2023</a:t>
             </a:fld>
             <a:endParaRPr lang="it-IT"/>
           </a:p>
@@ -38297,7 +38465,7 @@
           <a:p>
             <a:fld id="{BD24546A-F5BE-4F9E-948C-25747CB9F415}" type="datetimeFigureOut">
               <a:rPr lang="it-IT" smtClean="0"/>
-              <a:t>14/02/2023</a:t>
+              <a:t>15/02/2023</a:t>
             </a:fld>
             <a:endParaRPr lang="it-IT"/>
           </a:p>
@@ -38651,7 +38819,7 @@
           <a:p>
             <a:fld id="{BD24546A-F5BE-4F9E-948C-25747CB9F415}" type="datetimeFigureOut">
               <a:rPr lang="it-IT" smtClean="0"/>
-              <a:t>14/02/2023</a:t>
+              <a:t>15/02/2023</a:t>
             </a:fld>
             <a:endParaRPr lang="it-IT"/>
           </a:p>
@@ -39028,7 +39196,7 @@
           <a:p>
             <a:fld id="{BD24546A-F5BE-4F9E-948C-25747CB9F415}" type="datetimeFigureOut">
               <a:rPr lang="it-IT" smtClean="0"/>
-              <a:t>14/02/2023</a:t>
+              <a:t>15/02/2023</a:t>
             </a:fld>
             <a:endParaRPr lang="it-IT"/>
           </a:p>
@@ -39315,7 +39483,7 @@
           <a:p>
             <a:fld id="{BD24546A-F5BE-4F9E-948C-25747CB9F415}" type="datetimeFigureOut">
               <a:rPr lang="it-IT" smtClean="0"/>
-              <a:t>14/02/2023</a:t>
+              <a:t>15/02/2023</a:t>
             </a:fld>
             <a:endParaRPr lang="it-IT"/>
           </a:p>
@@ -46358,7 +46526,7 @@
         </p:blipFill>
         <p:spPr>
           <a:xfrm>
-            <a:off x="8248217" y="1806538"/>
+            <a:off x="8806797" y="1875716"/>
             <a:ext cx="2469143" cy="1786387"/>
           </a:xfrm>
           <a:prstGeom prst="rect">
@@ -46396,6 +46564,41 @@
           <a:xfrm>
             <a:off x="6126480" y="3857413"/>
             <a:ext cx="3185436" cy="2263336"/>
+          </a:xfrm>
+          <a:prstGeom prst="rect">
+            <a:avLst/>
+          </a:prstGeom>
+        </p:spPr>
+      </p:pic>
+      <p:pic>
+        <p:nvPicPr>
+          <p:cNvPr id="4" name="Immagine 3" descr="Immagine che contiene testo&#10;&#10;Descrizione generata automaticamente">
+            <a:extLst>
+              <a:ext uri="{FF2B5EF4-FFF2-40B4-BE49-F238E27FC236}">
+                <a16:creationId xmlns:a16="http://schemas.microsoft.com/office/drawing/2014/main" id="{A045A860-D2F6-A3AE-1C60-AC8A5D8EE0B4}"/>
+              </a:ext>
+            </a:extLst>
+          </p:cNvPr>
+          <p:cNvPicPr>
+            <a:picLocks noChangeAspect="1"/>
+          </p:cNvPicPr>
+          <p:nvPr/>
+        </p:nvPicPr>
+        <p:blipFill rotWithShape="1">
+          <a:blip r:embed="rId10">
+            <a:extLst>
+              <a:ext uri="{28A0092B-C50C-407E-A947-70E740481C1C}">
+                <a14:useLocalDpi xmlns:a14="http://schemas.microsoft.com/office/drawing/2010/main" val="0"/>
+              </a:ext>
+            </a:extLst>
+          </a:blip>
+          <a:srcRect r="50357"/>
+          <a:stretch/>
+        </p:blipFill>
+        <p:spPr>
+          <a:xfrm rot="19627245">
+            <a:off x="7124788" y="2155467"/>
+            <a:ext cx="830126" cy="1690241"/>
           </a:xfrm>
           <a:prstGeom prst="rect">
             <a:avLst/>
@@ -46867,7 +47070,7 @@
             <p:ph idx="1"/>
             <p:extLst>
               <p:ext uri="{D42A27DB-BD31-4B8C-83A1-F6EECF244321}">
-                <p14:modId xmlns:p14="http://schemas.microsoft.com/office/powerpoint/2010/main" val="1497124701"/>
+                <p14:modId xmlns:p14="http://schemas.microsoft.com/office/powerpoint/2010/main" val="1623814542"/>
               </p:ext>
             </p:extLst>
           </p:nvPr>
@@ -48632,7 +48835,7 @@
             </a:r>
             <a:r>
               <a:rPr lang="it-IT" sz="2400" dirty="0"/>
-              <a:t> the world</a:t>
+              <a:t> the world.</a:t>
             </a:r>
           </a:p>
           <a:p>
@@ -48685,19 +48888,11 @@
             </a:r>
             <a:r>
               <a:rPr lang="it-IT" sz="2400" dirty="0"/>
-              <a:t> so </a:t>
+              <a:t> from API. </a:t>
             </a:r>
             <a:r>
               <a:rPr lang="it-IT" sz="2400" dirty="0" err="1"/>
-              <a:t>that</a:t>
-            </a:r>
-            <a:r>
-              <a:rPr lang="it-IT" sz="2400" dirty="0"/>
-              <a:t> </a:t>
-            </a:r>
-            <a:r>
-              <a:rPr lang="it-IT" sz="2400" dirty="0" err="1"/>
-              <a:t>it</a:t>
+              <a:t>It</a:t>
             </a:r>
             <a:r>
               <a:rPr lang="it-IT" sz="2400" dirty="0"/>
@@ -48725,7 +48920,23 @@
             </a:r>
             <a:r>
               <a:rPr lang="it-IT" sz="2400" dirty="0"/>
-              <a:t> and </a:t>
+              <a:t> </a:t>
+            </a:r>
+            <a:r>
+              <a:rPr lang="it-IT" sz="2400" dirty="0" err="1"/>
+              <a:t>within</a:t>
+            </a:r>
+            <a:r>
+              <a:rPr lang="it-IT" sz="2400" dirty="0"/>
+              <a:t> the </a:t>
+            </a:r>
+            <a:r>
+              <a:rPr lang="it-IT" sz="2400" dirty="0" err="1"/>
+              <a:t>next</a:t>
+            </a:r>
+            <a:r>
+              <a:rPr lang="it-IT" sz="2400" dirty="0"/>
+              <a:t> 48 hours and </a:t>
             </a:r>
             <a:r>
               <a:rPr lang="it-IT" sz="2400" dirty="0" err="1"/>
@@ -48749,7 +48960,7 @@
             </a:r>
             <a:r>
               <a:rPr lang="it-IT" sz="2400" dirty="0"/>
-              <a:t> </a:t>
+              <a:t>.</a:t>
             </a:r>
           </a:p>
           <a:p>
@@ -49144,7 +49355,7 @@
                   <a:srgbClr val="FFFFFF"/>
                 </a:solidFill>
               </a:rPr>
-              <a:t> to the AWS Cloud with Amazon RDS and </a:t>
+              <a:t> to the AWS Cloud with Amazon RDS service and </a:t>
             </a:r>
             <a:r>
               <a:rPr lang="it-IT" sz="2400" dirty="0" err="1">
@@ -49284,10 +49495,10 @@
       </p:sp>
       <p:pic>
         <p:nvPicPr>
-          <p:cNvPr id="5" name="Immagine 4">
+          <p:cNvPr id="6" name="Immagine 5">
             <a:extLst>
               <a:ext uri="{FF2B5EF4-FFF2-40B4-BE49-F238E27FC236}">
-                <a16:creationId xmlns:a16="http://schemas.microsoft.com/office/drawing/2014/main" id="{603D91C5-DC4E-22B5-E7D0-E0665D4F421C}"/>
+                <a16:creationId xmlns:a16="http://schemas.microsoft.com/office/drawing/2014/main" id="{30E51D4D-B937-DC1E-F4AC-ED8118E3EAE7}"/>
               </a:ext>
             </a:extLst>
           </p:cNvPr>
@@ -49310,8 +49521,8 @@
         </p:blipFill>
         <p:spPr>
           <a:xfrm>
-            <a:off x="4742017" y="1321594"/>
-            <a:ext cx="6798082" cy="4214811"/>
+            <a:off x="4513663" y="1265761"/>
+            <a:ext cx="7248525" cy="4486275"/>
           </a:xfrm>
           <a:prstGeom prst="rect">
             <a:avLst/>
@@ -49996,7 +50207,7 @@
             <p:ph sz="half" idx="1"/>
             <p:extLst>
               <p:ext uri="{D42A27DB-BD31-4B8C-83A1-F6EECF244321}">
-                <p14:modId xmlns:p14="http://schemas.microsoft.com/office/powerpoint/2010/main" val="4029938095"/>
+                <p14:modId xmlns:p14="http://schemas.microsoft.com/office/powerpoint/2010/main" val="1015081353"/>
               </p:ext>
             </p:extLst>
           </p:nvPr>
@@ -50027,6 +50238,14 @@
 <file path=ppt/slides/slide35.xml><?xml version="1.0" encoding="utf-8"?>
 <p:sld xmlns:a="http://schemas.openxmlformats.org/drawingml/2006/main" xmlns:r="http://schemas.openxmlformats.org/officeDocument/2006/relationships" xmlns:p="http://schemas.openxmlformats.org/presentationml/2006/main">
   <p:cSld>
+    <p:bg>
+      <p:bgPr>
+        <a:solidFill>
+          <a:schemeClr val="bg1"/>
+        </a:solidFill>
+        <a:effectLst/>
+      </p:bgPr>
+    </p:bg>
     <p:spTree>
       <p:nvGrpSpPr>
         <p:cNvPr id="1" name=""/>
@@ -50041,6 +50260,66 @@
           <a:chExt cx="0" cy="0"/>
         </a:xfrm>
       </p:grpSpPr>
+      <p:sp useBgFill="1">
+        <p:nvSpPr>
+          <p:cNvPr id="13" name="Rectangle 12">
+            <a:extLst>
+              <a:ext uri="{FF2B5EF4-FFF2-40B4-BE49-F238E27FC236}">
+                <a16:creationId xmlns:a16="http://schemas.microsoft.com/office/drawing/2014/main" id="{D40791F6-715D-481A-9C4A-3645AECFD5A0}"/>
+              </a:ext>
+              <a:ext uri="{C183D7F6-B498-43B3-948B-1728B52AA6E4}">
+                <adec:decorative xmlns:adec="http://schemas.microsoft.com/office/drawing/2017/decorative" val="1"/>
+              </a:ext>
+            </a:extLst>
+          </p:cNvPr>
+          <p:cNvSpPr>
+            <a:spLocks noGrp="1" noRot="1" noChangeAspect="1" noMove="1" noResize="1" noEditPoints="1" noAdjustHandles="1" noChangeArrowheads="1" noChangeShapeType="1" noTextEdit="1"/>
+          </p:cNvSpPr>
+          <p:nvPr>
+            <p:extLst>
+              <p:ext uri="{386F3935-93C4-4BCD-93E2-E3B085C9AB24}">
+                <p16:designElem xmlns:p16="http://schemas.microsoft.com/office/powerpoint/2015/main" val="1"/>
+              </p:ext>
+            </p:extLst>
+          </p:nvPr>
+        </p:nvSpPr>
+        <p:spPr>
+          <a:xfrm>
+            <a:off x="0" y="0"/>
+            <a:ext cx="12192001" cy="6334316"/>
+          </a:xfrm>
+          <a:prstGeom prst="rect">
+            <a:avLst/>
+          </a:prstGeom>
+          <a:ln>
+            <a:noFill/>
+          </a:ln>
+        </p:spPr>
+        <p:style>
+          <a:lnRef idx="2">
+            <a:schemeClr val="accent1">
+              <a:shade val="50000"/>
+            </a:schemeClr>
+          </a:lnRef>
+          <a:fillRef idx="1">
+            <a:schemeClr val="accent1"/>
+          </a:fillRef>
+          <a:effectRef idx="0">
+            <a:schemeClr val="accent1"/>
+          </a:effectRef>
+          <a:fontRef idx="minor">
+            <a:schemeClr val="lt1"/>
+          </a:fontRef>
+        </p:style>
+        <p:txBody>
+          <a:bodyPr rtlCol="0" anchor="ctr"/>
+          <a:lstStyle/>
+          <a:p>
+            <a:pPr algn="ctr"/>
+            <a:endParaRPr lang="en-US"/>
+          </a:p>
+        </p:txBody>
+      </p:sp>
       <p:sp>
         <p:nvSpPr>
           <p:cNvPr id="2" name="Titolo 1">
@@ -50057,24 +50336,123 @@
             <p:ph type="title"/>
           </p:nvPr>
         </p:nvSpPr>
-        <p:spPr/>
+        <p:spPr>
+          <a:xfrm>
+            <a:off x="4974771" y="634946"/>
+            <a:ext cx="6574972" cy="1450757"/>
+          </a:xfrm>
+        </p:spPr>
         <p:txBody>
-          <a:bodyPr/>
+          <a:bodyPr>
+            <a:normAutofit/>
+          </a:bodyPr>
           <a:lstStyle/>
           <a:p>
             <a:r>
-              <a:rPr lang="it-IT" dirty="0"/>
-              <a:t>App</a:t>
+              <a:rPr lang="it-IT" sz="5400" b="1" i="1" dirty="0" err="1"/>
+              <a:t>Thunkable</a:t>
             </a:r>
+            <a:endParaRPr lang="it-IT" sz="5400" b="1" i="1" dirty="0"/>
           </a:p>
         </p:txBody>
       </p:sp>
+      <p:pic>
+        <p:nvPicPr>
+          <p:cNvPr id="8" name="Immagine 7">
+            <a:extLst>
+              <a:ext uri="{FF2B5EF4-FFF2-40B4-BE49-F238E27FC236}">
+                <a16:creationId xmlns:a16="http://schemas.microsoft.com/office/drawing/2014/main" id="{A2260176-732F-2383-B072-22B69F1DD9D4}"/>
+              </a:ext>
+            </a:extLst>
+          </p:cNvPr>
+          <p:cNvPicPr>
+            <a:picLocks noChangeAspect="1"/>
+          </p:cNvPicPr>
+          <p:nvPr/>
+        </p:nvPicPr>
+        <p:blipFill rotWithShape="1">
+          <a:blip r:embed="rId2">
+            <a:extLst>
+              <a:ext uri="{28A0092B-C50C-407E-A947-70E740481C1C}">
+                <a14:useLocalDpi xmlns:a14="http://schemas.microsoft.com/office/drawing/2010/main" val="0"/>
+              </a:ext>
+            </a:extLst>
+          </a:blip>
+          <a:srcRect l="1440" r="8999"/>
+          <a:stretch/>
+        </p:blipFill>
+        <p:spPr>
+          <a:xfrm>
+            <a:off x="324106" y="853145"/>
+            <a:ext cx="4165458" cy="4651007"/>
+          </a:xfrm>
+          <a:prstGeom prst="rect">
+            <a:avLst/>
+          </a:prstGeom>
+        </p:spPr>
+      </p:pic>
+      <p:cxnSp>
+        <p:nvCxnSpPr>
+          <p:cNvPr id="15" name="Straight Connector 14">
+            <a:extLst>
+              <a:ext uri="{FF2B5EF4-FFF2-40B4-BE49-F238E27FC236}">
+                <a16:creationId xmlns:a16="http://schemas.microsoft.com/office/drawing/2014/main" id="{740F83A4-FAC4-4867-95A5-BBFD280C7BF5}"/>
+              </a:ext>
+              <a:ext uri="{C183D7F6-B498-43B3-948B-1728B52AA6E4}">
+                <adec:decorative xmlns:adec="http://schemas.microsoft.com/office/drawing/2017/decorative" val="1"/>
+              </a:ext>
+            </a:extLst>
+          </p:cNvPr>
+          <p:cNvCxnSpPr>
+            <a:cxnSpLocks noGrp="1" noRot="1" noChangeAspect="1" noMove="1" noResize="1" noEditPoints="1" noAdjustHandles="1" noChangeArrowheads="1" noChangeShapeType="1"/>
+          </p:cNvCxnSpPr>
+          <p:nvPr>
+            <p:extLst>
+              <p:ext uri="{386F3935-93C4-4BCD-93E2-E3B085C9AB24}">
+                <p16:designElem xmlns:p16="http://schemas.microsoft.com/office/powerpoint/2015/main" val="1"/>
+              </p:ext>
+            </p:extLst>
+          </p:nvPr>
+        </p:nvCxnSpPr>
+        <p:spPr>
+          <a:xfrm>
+            <a:off x="4974770" y="2086188"/>
+            <a:ext cx="6089768" cy="0"/>
+          </a:xfrm>
+          <a:prstGeom prst="line">
+            <a:avLst/>
+          </a:prstGeom>
+          <a:ln w="6350">
+            <a:solidFill>
+              <a:schemeClr val="tx1">
+                <a:lumMod val="50000"/>
+                <a:lumOff val="50000"/>
+                <a:alpha val="90000"/>
+              </a:schemeClr>
+            </a:solidFill>
+          </a:ln>
+        </p:spPr>
+        <p:style>
+          <a:lnRef idx="1">
+            <a:schemeClr val="accent1"/>
+          </a:lnRef>
+          <a:fillRef idx="0">
+            <a:schemeClr val="accent1"/>
+          </a:fillRef>
+          <a:effectRef idx="0">
+            <a:schemeClr val="accent1"/>
+          </a:effectRef>
+          <a:fontRef idx="minor">
+            <a:schemeClr val="tx1"/>
+          </a:fontRef>
+        </p:style>
+      </p:cxnSp>
       <p:sp>
         <p:nvSpPr>
-          <p:cNvPr id="3" name="Segnaposto contenuto 2">
+          <p:cNvPr id="5" name="Segnaposto contenuto 4">
             <a:extLst>
               <a:ext uri="{FF2B5EF4-FFF2-40B4-BE49-F238E27FC236}">
-                <a16:creationId xmlns:a16="http://schemas.microsoft.com/office/drawing/2014/main" id="{35E49CC6-D869-2E18-6755-2E68ED4CF14E}"/>
+                <a16:creationId xmlns:a16="http://schemas.microsoft.com/office/drawing/2014/main" id="{14F2C180-20D5-58CB-2F57-D7976FA015D4}"/>
               </a:ext>
             </a:extLst>
           </p:cNvPr>
@@ -50082,42 +50460,203 @@
             <a:spLocks noGrp="1"/>
           </p:cNvSpPr>
           <p:nvPr>
-            <p:ph sz="half" idx="1"/>
+            <p:ph idx="1"/>
           </p:nvPr>
         </p:nvSpPr>
-        <p:spPr/>
+        <p:spPr>
+          <a:xfrm>
+            <a:off x="4974769" y="2198914"/>
+            <a:ext cx="6574973" cy="3670180"/>
+          </a:xfrm>
+        </p:spPr>
         <p:txBody>
-          <a:bodyPr/>
+          <a:bodyPr>
+            <a:normAutofit/>
+          </a:bodyPr>
           <a:lstStyle/>
           <a:p>
-            <a:endParaRPr lang="it-IT"/>
+            <a:pPr marL="0" indent="0">
+              <a:buNone/>
+            </a:pPr>
+            <a:r>
+              <a:rPr lang="en-US" sz="2400" b="0" i="0" dirty="0" err="1">
+                <a:effectLst/>
+              </a:rPr>
+              <a:t>Thunkable</a:t>
+            </a:r>
+            <a:r>
+              <a:rPr lang="en-US" sz="2400" b="0" i="0" dirty="0">
+                <a:effectLst/>
+              </a:rPr>
+              <a:t> is a no-code platform that allows users to create and publish their own mobile apps</a:t>
+            </a:r>
+          </a:p>
+          <a:p>
+            <a:pPr marL="0" indent="0">
+              <a:buNone/>
+            </a:pPr>
+            <a:r>
+              <a:rPr lang="en-US" sz="2400" b="0" i="0" dirty="0">
+                <a:effectLst/>
+              </a:rPr>
+              <a:t>It has an intuitive drag-and-drop interface and a library of pre-built components that users can use to build their apps (design and blocks)</a:t>
+            </a:r>
+          </a:p>
+          <a:p>
+            <a:pPr marL="0" indent="0">
+              <a:buNone/>
+            </a:pPr>
+            <a:r>
+              <a:rPr lang="en-US" sz="2400" b="0" i="0" dirty="0">
+                <a:effectLst/>
+              </a:rPr>
+              <a:t>Support for both iOS and Android app development</a:t>
+            </a:r>
+          </a:p>
+          <a:p>
+            <a:pPr marL="0" indent="0">
+              <a:buNone/>
+            </a:pPr>
+            <a:r>
+              <a:rPr lang="en-US" sz="2400" b="0" i="0" dirty="0">
+                <a:effectLst/>
+              </a:rPr>
+              <a:t>It allows for integration with a variety of third-party services</a:t>
+            </a:r>
+          </a:p>
+          <a:p>
+            <a:pPr marL="0" indent="0">
+              <a:buNone/>
+            </a:pPr>
+            <a:endParaRPr lang="en-US" b="0" i="0" dirty="0">
+              <a:effectLst/>
+            </a:endParaRPr>
+          </a:p>
+          <a:p>
+            <a:pPr marL="0" indent="0">
+              <a:buNone/>
+            </a:pPr>
+            <a:endParaRPr lang="en-US" dirty="0">
+              <a:latin typeface="Söhne"/>
+            </a:endParaRPr>
+          </a:p>
+          <a:p>
+            <a:pPr marL="0" indent="0">
+              <a:buNone/>
+            </a:pPr>
+            <a:endParaRPr lang="it-IT" dirty="0"/>
           </a:p>
         </p:txBody>
       </p:sp>
       <p:sp>
         <p:nvSpPr>
-          <p:cNvPr id="4" name="Segnaposto contenuto 3">
+          <p:cNvPr id="17" name="Rectangle 16">
             <a:extLst>
               <a:ext uri="{FF2B5EF4-FFF2-40B4-BE49-F238E27FC236}">
-                <a16:creationId xmlns:a16="http://schemas.microsoft.com/office/drawing/2014/main" id="{A5084A37-D7DB-418F-6664-8DE37D760A28}"/>
+                <a16:creationId xmlns:a16="http://schemas.microsoft.com/office/drawing/2014/main" id="{CADA4CA0-9A57-4FBE-A9E5-24DFC23C3F1A}"/>
+              </a:ext>
+              <a:ext uri="{C183D7F6-B498-43B3-948B-1728B52AA6E4}">
+                <adec:decorative xmlns:adec="http://schemas.microsoft.com/office/drawing/2017/decorative" val="1"/>
               </a:ext>
             </a:extLst>
           </p:cNvPr>
           <p:cNvSpPr>
-            <a:spLocks noGrp="1"/>
+            <a:spLocks noGrp="1" noRot="1" noChangeAspect="1" noMove="1" noResize="1" noEditPoints="1" noAdjustHandles="1" noChangeArrowheads="1" noChangeShapeType="1" noTextEdit="1"/>
           </p:cNvSpPr>
           <p:nvPr>
-            <p:ph sz="half" idx="2"/>
+            <p:extLst>
+              <p:ext uri="{386F3935-93C4-4BCD-93E2-E3B085C9AB24}">
+                <p16:designElem xmlns:p16="http://schemas.microsoft.com/office/powerpoint/2015/main" val="1"/>
+              </p:ext>
+            </p:extLst>
           </p:nvPr>
         </p:nvSpPr>
-        <p:spPr/>
-        <p:txBody>
-          <a:bodyPr/>
-          <a:lstStyle/>
-          <a:p>
-            <a:endParaRPr lang="it-IT"/>
-          </a:p>
-        </p:txBody>
+        <p:spPr>
+          <a:xfrm>
+            <a:off x="15" y="6334316"/>
+            <a:ext cx="12191985" cy="66484"/>
+          </a:xfrm>
+          <a:prstGeom prst="rect">
+            <a:avLst/>
+          </a:prstGeom>
+          <a:solidFill>
+            <a:schemeClr val="accent1"/>
+          </a:solidFill>
+          <a:ln>
+            <a:noFill/>
+          </a:ln>
+        </p:spPr>
+        <p:style>
+          <a:lnRef idx="2">
+            <a:schemeClr val="accent1">
+              <a:shade val="50000"/>
+            </a:schemeClr>
+          </a:lnRef>
+          <a:fillRef idx="1">
+            <a:schemeClr val="accent1"/>
+          </a:fillRef>
+          <a:effectRef idx="0">
+            <a:schemeClr val="accent1"/>
+          </a:effectRef>
+          <a:fontRef idx="minor">
+            <a:schemeClr val="lt1"/>
+          </a:fontRef>
+        </p:style>
+      </p:sp>
+      <p:sp>
+        <p:nvSpPr>
+          <p:cNvPr id="19" name="Rectangle 18">
+            <a:extLst>
+              <a:ext uri="{FF2B5EF4-FFF2-40B4-BE49-F238E27FC236}">
+                <a16:creationId xmlns:a16="http://schemas.microsoft.com/office/drawing/2014/main" id="{811CBAFA-D7E0-40A7-BB94-2C05304B407B}"/>
+              </a:ext>
+              <a:ext uri="{C183D7F6-B498-43B3-948B-1728B52AA6E4}">
+                <adec:decorative xmlns:adec="http://schemas.microsoft.com/office/drawing/2017/decorative" val="1"/>
+              </a:ext>
+            </a:extLst>
+          </p:cNvPr>
+          <p:cNvSpPr>
+            <a:spLocks noGrp="1" noRot="1" noChangeAspect="1" noMove="1" noResize="1" noEditPoints="1" noAdjustHandles="1" noChangeArrowheads="1" noChangeShapeType="1" noTextEdit="1"/>
+          </p:cNvSpPr>
+          <p:nvPr>
+            <p:extLst>
+              <p:ext uri="{386F3935-93C4-4BCD-93E2-E3B085C9AB24}">
+                <p16:designElem xmlns:p16="http://schemas.microsoft.com/office/powerpoint/2015/main" val="1"/>
+              </p:ext>
+            </p:extLst>
+          </p:nvPr>
+        </p:nvSpPr>
+        <p:spPr>
+          <a:xfrm>
+            <a:off x="1" y="6400800"/>
+            <a:ext cx="12192000" cy="457200"/>
+          </a:xfrm>
+          <a:prstGeom prst="rect">
+            <a:avLst/>
+          </a:prstGeom>
+          <a:solidFill>
+            <a:schemeClr val="accent2"/>
+          </a:solidFill>
+          <a:ln>
+            <a:noFill/>
+          </a:ln>
+        </p:spPr>
+        <p:style>
+          <a:lnRef idx="2">
+            <a:schemeClr val="accent1">
+              <a:shade val="50000"/>
+            </a:schemeClr>
+          </a:lnRef>
+          <a:fillRef idx="1">
+            <a:schemeClr val="accent1"/>
+          </a:fillRef>
+          <a:effectRef idx="0">
+            <a:schemeClr val="accent1"/>
+          </a:effectRef>
+          <a:fontRef idx="minor">
+            <a:schemeClr val="lt1"/>
+          </a:fontRef>
+        </p:style>
       </p:sp>
     </p:spTree>
     <p:extLst>
@@ -50488,7 +51027,7 @@
             <p:ph sz="half" idx="1"/>
             <p:extLst>
               <p:ext uri="{D42A27DB-BD31-4B8C-83A1-F6EECF244321}">
-                <p14:modId xmlns:p14="http://schemas.microsoft.com/office/powerpoint/2010/main" val="513431165"/>
+                <p14:modId xmlns:p14="http://schemas.microsoft.com/office/powerpoint/2010/main" val="1998632292"/>
               </p:ext>
             </p:extLst>
           </p:nvPr>
@@ -53711,14 +54250,6 @@
 </file>
 
 <file path=customXml/item1.xml><?xml version="1.0" encoding="utf-8"?>
-<p:properties xmlns:p="http://schemas.microsoft.com/office/2006/metadata/properties" xmlns:xsi="http://www.w3.org/2001/XMLSchema-instance" xmlns:pc="http://schemas.microsoft.com/office/infopath/2007/PartnerControls">
-  <documentManagement>
-    <_activity xmlns="2f26ae8e-0534-42ae-9904-0fee2bddd958" xsi:nil="true"/>
-  </documentManagement>
-</p:properties>
-</file>
-
-<file path=customXml/item2.xml><?xml version="1.0" encoding="utf-8"?>
 <ct:contentTypeSchema xmlns:ct="http://schemas.microsoft.com/office/2006/metadata/contentType" xmlns:ma="http://schemas.microsoft.com/office/2006/metadata/properties/metaAttributes" ct:_="" ma:_="" ma:contentTypeName="Documento" ma:contentTypeID="0x010100C66C80353CD69A4285BB938310B65AC7" ma:contentTypeVersion="6" ma:contentTypeDescription="Creare un nuovo documento." ma:contentTypeScope="" ma:versionID="21157b6ce57c0b12a119ce4eabf6170c">
   <xsd:schema xmlns:xsd="http://www.w3.org/2001/XMLSchema" xmlns:xs="http://www.w3.org/2001/XMLSchema" xmlns:p="http://schemas.microsoft.com/office/2006/metadata/properties" xmlns:ns3="2f26ae8e-0534-42ae-9904-0fee2bddd958" xmlns:ns4="9c14b697-c5c0-4139-b5ac-a549821d1603" targetNamespace="http://schemas.microsoft.com/office/2006/metadata/properties" ma:root="true" ma:fieldsID="1652c2dfc8e5e4ef90b559c52be89ffd" ns3:_="" ns4:_="">
     <xsd:import namespace="2f26ae8e-0534-42ae-9904-0fee2bddd958"/>
@@ -53895,6 +54426,14 @@
 </ct:contentTypeSchema>
 </file>
 
+<file path=customXml/item2.xml><?xml version="1.0" encoding="utf-8"?>
+<p:properties xmlns:p="http://schemas.microsoft.com/office/2006/metadata/properties" xmlns:xsi="http://www.w3.org/2001/XMLSchema-instance" xmlns:pc="http://schemas.microsoft.com/office/infopath/2007/PartnerControls">
+  <documentManagement>
+    <_activity xmlns="2f26ae8e-0534-42ae-9904-0fee2bddd958" xsi:nil="true"/>
+  </documentManagement>
+</p:properties>
+</file>
+
 <file path=customXml/item3.xml><?xml version="1.0" encoding="utf-8"?>
 <?mso-contentType ?>
 <FormTemplates xmlns="http://schemas.microsoft.com/sharepoint/v3/contenttype/forms">
@@ -53905,23 +54444,6 @@
 </file>
 
 <file path=customXml/itemProps1.xml><?xml version="1.0" encoding="utf-8"?>
-<ds:datastoreItem xmlns:ds="http://schemas.openxmlformats.org/officeDocument/2006/customXml" ds:itemID="{DB604489-32B6-4CBF-814B-50772DBC895D}">
-  <ds:schemaRefs>
-    <ds:schemaRef ds:uri="http://purl.org/dc/terms/"/>
-    <ds:schemaRef ds:uri="http://schemas.microsoft.com/office/2006/documentManagement/types"/>
-    <ds:schemaRef ds:uri="http://purl.org/dc/dcmitype/"/>
-    <ds:schemaRef ds:uri="http://www.w3.org/XML/1998/namespace"/>
-    <ds:schemaRef ds:uri="http://purl.org/dc/elements/1.1/"/>
-    <ds:schemaRef ds:uri="2f26ae8e-0534-42ae-9904-0fee2bddd958"/>
-    <ds:schemaRef ds:uri="http://schemas.microsoft.com/office/infopath/2007/PartnerControls"/>
-    <ds:schemaRef ds:uri="http://schemas.openxmlformats.org/package/2006/metadata/core-properties"/>
-    <ds:schemaRef ds:uri="9c14b697-c5c0-4139-b5ac-a549821d1603"/>
-    <ds:schemaRef ds:uri="http://schemas.microsoft.com/office/2006/metadata/properties"/>
-  </ds:schemaRefs>
-</ds:datastoreItem>
-</file>
-
-<file path=customXml/itemProps2.xml><?xml version="1.0" encoding="utf-8"?>
 <ds:datastoreItem xmlns:ds="http://schemas.openxmlformats.org/officeDocument/2006/customXml" ds:itemID="{E42A27AE-3F80-406E-81BC-13580A87D7A8}">
   <ds:schemaRefs>
     <ds:schemaRef ds:uri="http://schemas.microsoft.com/office/2006/metadata/contentType"/>
@@ -53940,6 +54462,23 @@
 </ds:datastoreItem>
 </file>
 
+<file path=customXml/itemProps2.xml><?xml version="1.0" encoding="utf-8"?>
+<ds:datastoreItem xmlns:ds="http://schemas.openxmlformats.org/officeDocument/2006/customXml" ds:itemID="{DB604489-32B6-4CBF-814B-50772DBC895D}">
+  <ds:schemaRefs>
+    <ds:schemaRef ds:uri="http://purl.org/dc/terms/"/>
+    <ds:schemaRef ds:uri="http://schemas.microsoft.com/office/2006/documentManagement/types"/>
+    <ds:schemaRef ds:uri="http://purl.org/dc/dcmitype/"/>
+    <ds:schemaRef ds:uri="http://www.w3.org/XML/1998/namespace"/>
+    <ds:schemaRef ds:uri="http://purl.org/dc/elements/1.1/"/>
+    <ds:schemaRef ds:uri="2f26ae8e-0534-42ae-9904-0fee2bddd958"/>
+    <ds:schemaRef ds:uri="http://schemas.microsoft.com/office/infopath/2007/PartnerControls"/>
+    <ds:schemaRef ds:uri="http://schemas.openxmlformats.org/package/2006/metadata/core-properties"/>
+    <ds:schemaRef ds:uri="9c14b697-c5c0-4139-b5ac-a549821d1603"/>
+    <ds:schemaRef ds:uri="http://schemas.microsoft.com/office/2006/metadata/properties"/>
+  </ds:schemaRefs>
+</ds:datastoreItem>
+</file>
+
 <file path=customXml/itemProps3.xml><?xml version="1.0" encoding="utf-8"?>
 <ds:datastoreItem xmlns:ds="http://schemas.openxmlformats.org/officeDocument/2006/customXml" ds:itemID="{E67A05D2-EFB4-4662-9AF8-B74022BDC7DE}">
   <ds:schemaRefs>

--- a/SMART STENDINO.pptx
+++ b/SMART STENDINO.pptx
@@ -34,7 +34,7 @@
     <p:sldId id="293" r:id="rId31"/>
     <p:sldId id="295" r:id="rId32"/>
     <p:sldId id="296" r:id="rId33"/>
-    <p:sldId id="268" r:id="rId34"/>
+    <p:sldId id="304" r:id="rId34"/>
     <p:sldId id="299" r:id="rId35"/>
     <p:sldId id="297" r:id="rId36"/>
     <p:sldId id="298" r:id="rId37"/>
@@ -48228,10 +48228,10 @@
       </p:grpSpPr>
       <p:sp>
         <p:nvSpPr>
-          <p:cNvPr id="21" name="Rectangle 20">
+          <p:cNvPr id="8" name="Rectangle 7">
             <a:extLst>
               <a:ext uri="{FF2B5EF4-FFF2-40B4-BE49-F238E27FC236}">
-                <a16:creationId xmlns:a16="http://schemas.microsoft.com/office/drawing/2014/main" id="{AFF43A89-FF65-44A9-BE4C-DC7389FF9CE1}"/>
+                <a16:creationId xmlns:a16="http://schemas.microsoft.com/office/drawing/2014/main" id="{80BA5665-9598-4383-8F19-52182CBB6585}"/>
               </a:ext>
               <a:ext uri="{C183D7F6-B498-43B3-948B-1728B52AA6E4}">
                 <adec:decorative xmlns:adec="http://schemas.microsoft.com/office/drawing/2017/decorative" val="1"/>
@@ -48291,10 +48291,10 @@
       </p:sp>
       <p:sp>
         <p:nvSpPr>
-          <p:cNvPr id="23" name="Rectangle 22">
+          <p:cNvPr id="10" name="Rectangle 9">
             <a:extLst>
               <a:ext uri="{FF2B5EF4-FFF2-40B4-BE49-F238E27FC236}">
-                <a16:creationId xmlns:a16="http://schemas.microsoft.com/office/drawing/2014/main" id="{3CBC4341-33FB-4D46-A7B4-62039B616233}"/>
+                <a16:creationId xmlns:a16="http://schemas.microsoft.com/office/drawing/2014/main" id="{B4C777A6-9696-47DF-BA90-40895EFCE8AA}"/>
               </a:ext>
               <a:ext uri="{C183D7F6-B498-43B3-948B-1728B52AA6E4}">
                 <adec:decorative xmlns:adec="http://schemas.microsoft.com/office/drawing/2017/decorative" val="1"/>
@@ -48351,10 +48351,10 @@
       </p:sp>
       <p:sp>
         <p:nvSpPr>
-          <p:cNvPr id="25" name="Rectangle 24">
+          <p:cNvPr id="12" name="Rectangle 11">
             <a:extLst>
               <a:ext uri="{FF2B5EF4-FFF2-40B4-BE49-F238E27FC236}">
-                <a16:creationId xmlns:a16="http://schemas.microsoft.com/office/drawing/2014/main" id="{89394C5B-B8DE-4221-8CA4-A30237DB3241}"/>
+                <a16:creationId xmlns:a16="http://schemas.microsoft.com/office/drawing/2014/main" id="{5C05B094-D180-41FA-B209-8388E9F7DF56}"/>
               </a:ext>
               <a:ext uri="{C183D7F6-B498-43B3-948B-1728B52AA6E4}">
                 <adec:decorative xmlns:adec="http://schemas.microsoft.com/office/drawing/2017/decorative" val="1"/>
@@ -48414,10 +48414,10 @@
       </p:sp>
       <p:pic>
         <p:nvPicPr>
-          <p:cNvPr id="7" name="Immagine 6">
+          <p:cNvPr id="2" name="Immagine 1" descr="Immagine che contiene testo&#10;&#10;Descrizione generata automaticamente">
             <a:extLst>
               <a:ext uri="{FF2B5EF4-FFF2-40B4-BE49-F238E27FC236}">
-                <a16:creationId xmlns:a16="http://schemas.microsoft.com/office/drawing/2014/main" id="{C2631CB1-228B-3FAC-B032-37DAC335B6C2}"/>
+                <a16:creationId xmlns:a16="http://schemas.microsoft.com/office/drawing/2014/main" id="{75039374-213C-B027-720B-E9196DAAFE71}"/>
               </a:ext>
             </a:extLst>
           </p:cNvPr>
@@ -48427,20 +48427,43 @@
           <p:nvPr/>
         </p:nvPicPr>
         <p:blipFill rotWithShape="1">
-          <a:blip r:embed="rId2">
-            <a:extLst>
-              <a:ext uri="{28A0092B-C50C-407E-A947-70E740481C1C}">
-                <a14:useLocalDpi xmlns:a14="http://schemas.microsoft.com/office/drawing/2010/main" val="0"/>
-              </a:ext>
-            </a:extLst>
-          </a:blip>
-          <a:srcRect r="22" b="2"/>
+          <a:blip r:embed="rId2"/>
+          <a:srcRect l="1" r="51990"/>
           <a:stretch/>
         </p:blipFill>
         <p:spPr>
           <a:xfrm>
-            <a:off x="842772" y="841248"/>
-            <a:ext cx="10506456" cy="5175504"/>
+            <a:off x="842772" y="870037"/>
+            <a:ext cx="5092361" cy="5117925"/>
+          </a:xfrm>
+          <a:prstGeom prst="rect">
+            <a:avLst/>
+          </a:prstGeom>
+        </p:spPr>
+      </p:pic>
+      <p:pic>
+        <p:nvPicPr>
+          <p:cNvPr id="3" name="Immagine 2">
+            <a:extLst>
+              <a:ext uri="{FF2B5EF4-FFF2-40B4-BE49-F238E27FC236}">
+                <a16:creationId xmlns:a16="http://schemas.microsoft.com/office/drawing/2014/main" id="{42E8AB9A-38FA-418E-5300-1D3464471102}"/>
+              </a:ext>
+            </a:extLst>
+          </p:cNvPr>
+          <p:cNvPicPr>
+            <a:picLocks noChangeAspect="1"/>
+          </p:cNvPicPr>
+          <p:nvPr/>
+        </p:nvPicPr>
+        <p:blipFill rotWithShape="1">
+          <a:blip r:embed="rId3"/>
+          <a:srcRect l="4287" t="-2" r="51279" b="3"/>
+          <a:stretch/>
+        </p:blipFill>
+        <p:spPr>
+          <a:xfrm>
+            <a:off x="6405824" y="841248"/>
+            <a:ext cx="4791058" cy="5175504"/>
           </a:xfrm>
           <a:prstGeom prst="rect">
             <a:avLst/>
@@ -48450,7 +48473,7 @@
     </p:spTree>
     <p:extLst>
       <p:ext uri="{BB962C8B-B14F-4D97-AF65-F5344CB8AC3E}">
-        <p14:creationId xmlns:p14="http://schemas.microsoft.com/office/powerpoint/2010/main" val="225824467"/>
+        <p14:creationId xmlns:p14="http://schemas.microsoft.com/office/powerpoint/2010/main" val="2990960992"/>
       </p:ext>
     </p:extLst>
   </p:cSld>
@@ -54250,6 +54273,14 @@
 </file>
 
 <file path=customXml/item1.xml><?xml version="1.0" encoding="utf-8"?>
+<p:properties xmlns:p="http://schemas.microsoft.com/office/2006/metadata/properties" xmlns:xsi="http://www.w3.org/2001/XMLSchema-instance" xmlns:pc="http://schemas.microsoft.com/office/infopath/2007/PartnerControls">
+  <documentManagement>
+    <_activity xmlns="2f26ae8e-0534-42ae-9904-0fee2bddd958" xsi:nil="true"/>
+  </documentManagement>
+</p:properties>
+</file>
+
+<file path=customXml/item2.xml><?xml version="1.0" encoding="utf-8"?>
 <ct:contentTypeSchema xmlns:ct="http://schemas.microsoft.com/office/2006/metadata/contentType" xmlns:ma="http://schemas.microsoft.com/office/2006/metadata/properties/metaAttributes" ct:_="" ma:_="" ma:contentTypeName="Documento" ma:contentTypeID="0x010100C66C80353CD69A4285BB938310B65AC7" ma:contentTypeVersion="6" ma:contentTypeDescription="Creare un nuovo documento." ma:contentTypeScope="" ma:versionID="21157b6ce57c0b12a119ce4eabf6170c">
   <xsd:schema xmlns:xsd="http://www.w3.org/2001/XMLSchema" xmlns:xs="http://www.w3.org/2001/XMLSchema" xmlns:p="http://schemas.microsoft.com/office/2006/metadata/properties" xmlns:ns3="2f26ae8e-0534-42ae-9904-0fee2bddd958" xmlns:ns4="9c14b697-c5c0-4139-b5ac-a549821d1603" targetNamespace="http://schemas.microsoft.com/office/2006/metadata/properties" ma:root="true" ma:fieldsID="1652c2dfc8e5e4ef90b559c52be89ffd" ns3:_="" ns4:_="">
     <xsd:import namespace="2f26ae8e-0534-42ae-9904-0fee2bddd958"/>
@@ -54426,14 +54457,6 @@
 </ct:contentTypeSchema>
 </file>
 
-<file path=customXml/item2.xml><?xml version="1.0" encoding="utf-8"?>
-<p:properties xmlns:p="http://schemas.microsoft.com/office/2006/metadata/properties" xmlns:xsi="http://www.w3.org/2001/XMLSchema-instance" xmlns:pc="http://schemas.microsoft.com/office/infopath/2007/PartnerControls">
-  <documentManagement>
-    <_activity xmlns="2f26ae8e-0534-42ae-9904-0fee2bddd958" xsi:nil="true"/>
-  </documentManagement>
-</p:properties>
-</file>
-
 <file path=customXml/item3.xml><?xml version="1.0" encoding="utf-8"?>
 <?mso-contentType ?>
 <FormTemplates xmlns="http://schemas.microsoft.com/sharepoint/v3/contenttype/forms">
@@ -54444,6 +54467,23 @@
 </file>
 
 <file path=customXml/itemProps1.xml><?xml version="1.0" encoding="utf-8"?>
+<ds:datastoreItem xmlns:ds="http://schemas.openxmlformats.org/officeDocument/2006/customXml" ds:itemID="{DB604489-32B6-4CBF-814B-50772DBC895D}">
+  <ds:schemaRefs>
+    <ds:schemaRef ds:uri="http://purl.org/dc/terms/"/>
+    <ds:schemaRef ds:uri="http://schemas.microsoft.com/office/2006/documentManagement/types"/>
+    <ds:schemaRef ds:uri="http://purl.org/dc/dcmitype/"/>
+    <ds:schemaRef ds:uri="http://www.w3.org/XML/1998/namespace"/>
+    <ds:schemaRef ds:uri="http://purl.org/dc/elements/1.1/"/>
+    <ds:schemaRef ds:uri="2f26ae8e-0534-42ae-9904-0fee2bddd958"/>
+    <ds:schemaRef ds:uri="http://schemas.microsoft.com/office/infopath/2007/PartnerControls"/>
+    <ds:schemaRef ds:uri="http://schemas.openxmlformats.org/package/2006/metadata/core-properties"/>
+    <ds:schemaRef ds:uri="9c14b697-c5c0-4139-b5ac-a549821d1603"/>
+    <ds:schemaRef ds:uri="http://schemas.microsoft.com/office/2006/metadata/properties"/>
+  </ds:schemaRefs>
+</ds:datastoreItem>
+</file>
+
+<file path=customXml/itemProps2.xml><?xml version="1.0" encoding="utf-8"?>
 <ds:datastoreItem xmlns:ds="http://schemas.openxmlformats.org/officeDocument/2006/customXml" ds:itemID="{E42A27AE-3F80-406E-81BC-13580A87D7A8}">
   <ds:schemaRefs>
     <ds:schemaRef ds:uri="http://schemas.microsoft.com/office/2006/metadata/contentType"/>
@@ -54462,23 +54502,6 @@
 </ds:datastoreItem>
 </file>
 
-<file path=customXml/itemProps2.xml><?xml version="1.0" encoding="utf-8"?>
-<ds:datastoreItem xmlns:ds="http://schemas.openxmlformats.org/officeDocument/2006/customXml" ds:itemID="{DB604489-32B6-4CBF-814B-50772DBC895D}">
-  <ds:schemaRefs>
-    <ds:schemaRef ds:uri="http://purl.org/dc/terms/"/>
-    <ds:schemaRef ds:uri="http://schemas.microsoft.com/office/2006/documentManagement/types"/>
-    <ds:schemaRef ds:uri="http://purl.org/dc/dcmitype/"/>
-    <ds:schemaRef ds:uri="http://www.w3.org/XML/1998/namespace"/>
-    <ds:schemaRef ds:uri="http://purl.org/dc/elements/1.1/"/>
-    <ds:schemaRef ds:uri="2f26ae8e-0534-42ae-9904-0fee2bddd958"/>
-    <ds:schemaRef ds:uri="http://schemas.microsoft.com/office/infopath/2007/PartnerControls"/>
-    <ds:schemaRef ds:uri="http://schemas.openxmlformats.org/package/2006/metadata/core-properties"/>
-    <ds:schemaRef ds:uri="9c14b697-c5c0-4139-b5ac-a549821d1603"/>
-    <ds:schemaRef ds:uri="http://schemas.microsoft.com/office/2006/metadata/properties"/>
-  </ds:schemaRefs>
-</ds:datastoreItem>
-</file>
-
 <file path=customXml/itemProps3.xml><?xml version="1.0" encoding="utf-8"?>
 <ds:datastoreItem xmlns:ds="http://schemas.openxmlformats.org/officeDocument/2006/customXml" ds:itemID="{E67A05D2-EFB4-4662-9AF8-B74022BDC7DE}">
   <ds:schemaRefs>

--- a/SMART STENDINO.pptx
+++ b/SMART STENDINO.pptx
@@ -11954,7 +11954,7 @@
         <a:lstStyle/>
         <a:p>
           <a:r>
-            <a:rPr lang="en-US"/>
+            <a:rPr lang="en-US" dirty="0"/>
             <a:t>Waterproof system evolution, usage of smart sensors for collecting data and multiple concurrent drying cycles for user</a:t>
           </a:r>
         </a:p>
@@ -12018,6 +12018,42 @@
         </a:p>
       </dgm:t>
     </dgm:pt>
+    <dgm:pt modelId="{AF11A9A6-DD1A-4533-8B1E-C36371540A6D}">
+      <dgm:prSet/>
+      <dgm:spPr/>
+      <dgm:t>
+        <a:bodyPr/>
+        <a:lstStyle/>
+        <a:p>
+          <a:r>
+            <a:rPr lang="en-US" dirty="0"/>
+            <a:t>Wireless connections</a:t>
+          </a:r>
+        </a:p>
+      </dgm:t>
+    </dgm:pt>
+    <dgm:pt modelId="{5C7368CC-BD8E-4D9D-8719-3220FB961AA2}" type="parTrans" cxnId="{995EF600-D3F1-4BC2-A6AC-E2B940B80815}">
+      <dgm:prSet/>
+      <dgm:spPr/>
+      <dgm:t>
+        <a:bodyPr/>
+        <a:lstStyle/>
+        <a:p>
+          <a:endParaRPr lang="it-IT"/>
+        </a:p>
+      </dgm:t>
+    </dgm:pt>
+    <dgm:pt modelId="{B8323A81-C6F2-437B-8873-1A37D2E8D444}" type="sibTrans" cxnId="{995EF600-D3F1-4BC2-A6AC-E2B940B80815}">
+      <dgm:prSet/>
+      <dgm:spPr/>
+      <dgm:t>
+        <a:bodyPr/>
+        <a:lstStyle/>
+        <a:p>
+          <a:endParaRPr lang="it-IT"/>
+        </a:p>
+      </dgm:t>
+    </dgm:pt>
     <dgm:pt modelId="{FAA287C1-1BC9-443F-BB83-5E9C96921477}" type="pres">
       <dgm:prSet presAssocID="{806CCEA2-9AB4-4B4E-8669-45AF576BEF58}" presName="linear" presStyleCnt="0">
         <dgm:presLayoutVars>
@@ -12028,7 +12064,7 @@
       <dgm:spPr/>
     </dgm:pt>
     <dgm:pt modelId="{502E6E80-1C73-4BB5-9171-84C961AE9571}" type="pres">
-      <dgm:prSet presAssocID="{D4A84133-66E4-45D8-8708-467E03F74F03}" presName="parentText" presStyleLbl="node1" presStyleIdx="0" presStyleCnt="5">
+      <dgm:prSet presAssocID="{D4A84133-66E4-45D8-8708-467E03F74F03}" presName="parentText" presStyleLbl="node1" presStyleIdx="0" presStyleCnt="6">
         <dgm:presLayoutVars>
           <dgm:chMax val="0"/>
           <dgm:bulletEnabled val="1"/>
@@ -12041,7 +12077,7 @@
       <dgm:spPr/>
     </dgm:pt>
     <dgm:pt modelId="{8A0EE3E2-5811-46C7-BC08-F94EE98CE209}" type="pres">
-      <dgm:prSet presAssocID="{2517557B-9A3D-40EA-B0EF-A67DEF8EB33A}" presName="parentText" presStyleLbl="node1" presStyleIdx="1" presStyleCnt="5">
+      <dgm:prSet presAssocID="{2517557B-9A3D-40EA-B0EF-A67DEF8EB33A}" presName="parentText" presStyleLbl="node1" presStyleIdx="1" presStyleCnt="6">
         <dgm:presLayoutVars>
           <dgm:chMax val="0"/>
           <dgm:bulletEnabled val="1"/>
@@ -12054,7 +12090,7 @@
       <dgm:spPr/>
     </dgm:pt>
     <dgm:pt modelId="{05B0955A-516D-4A9A-AB42-10B91F3DEDE7}" type="pres">
-      <dgm:prSet presAssocID="{EA84678E-DD50-4098-A758-8BC21DF5FD13}" presName="parentText" presStyleLbl="node1" presStyleIdx="2" presStyleCnt="5">
+      <dgm:prSet presAssocID="{EA84678E-DD50-4098-A758-8BC21DF5FD13}" presName="parentText" presStyleLbl="node1" presStyleIdx="2" presStyleCnt="6">
         <dgm:presLayoutVars>
           <dgm:chMax val="0"/>
           <dgm:bulletEnabled val="1"/>
@@ -12067,7 +12103,7 @@
       <dgm:spPr/>
     </dgm:pt>
     <dgm:pt modelId="{E27C790E-A926-4F30-A8D0-9B661315F259}" type="pres">
-      <dgm:prSet presAssocID="{41525171-7499-4B81-9E2B-AAB97782EB40}" presName="parentText" presStyleLbl="node1" presStyleIdx="3" presStyleCnt="5">
+      <dgm:prSet presAssocID="{41525171-7499-4B81-9E2B-AAB97782EB40}" presName="parentText" presStyleLbl="node1" presStyleIdx="3" presStyleCnt="6">
         <dgm:presLayoutVars>
           <dgm:chMax val="0"/>
           <dgm:bulletEnabled val="1"/>
@@ -12079,8 +12115,21 @@
       <dgm:prSet presAssocID="{C4D8A068-26C5-4262-BFF0-D0BE13C828C3}" presName="spacer" presStyleCnt="0"/>
       <dgm:spPr/>
     </dgm:pt>
+    <dgm:pt modelId="{599A2CA6-8FD5-47C7-A505-C1D81C739534}" type="pres">
+      <dgm:prSet presAssocID="{AF11A9A6-DD1A-4533-8B1E-C36371540A6D}" presName="parentText" presStyleLbl="node1" presStyleIdx="4" presStyleCnt="6">
+        <dgm:presLayoutVars>
+          <dgm:chMax val="0"/>
+          <dgm:bulletEnabled val="1"/>
+        </dgm:presLayoutVars>
+      </dgm:prSet>
+      <dgm:spPr/>
+    </dgm:pt>
+    <dgm:pt modelId="{7EB8A5CB-B3DA-4020-B1AE-513E21F5974A}" type="pres">
+      <dgm:prSet presAssocID="{B8323A81-C6F2-437B-8873-1A37D2E8D444}" presName="spacer" presStyleCnt="0"/>
+      <dgm:spPr/>
+    </dgm:pt>
     <dgm:pt modelId="{02918C32-07F7-4072-AB64-6C90C4608732}" type="pres">
-      <dgm:prSet presAssocID="{392737F4-50C0-4EDD-A4B5-735FD259EA4C}" presName="parentText" presStyleLbl="node1" presStyleIdx="4" presStyleCnt="5">
+      <dgm:prSet presAssocID="{392737F4-50C0-4EDD-A4B5-735FD259EA4C}" presName="parentText" presStyleLbl="node1" presStyleIdx="5" presStyleCnt="6">
         <dgm:presLayoutVars>
           <dgm:chMax val="0"/>
           <dgm:bulletEnabled val="1"/>
@@ -12090,7 +12139,9 @@
     </dgm:pt>
   </dgm:ptLst>
   <dgm:cxnLst>
-    <dgm:cxn modelId="{DB7DA219-5AFA-4CA3-9DBB-38827C345C57}" srcId="{806CCEA2-9AB4-4B4E-8669-45AF576BEF58}" destId="{392737F4-50C0-4EDD-A4B5-735FD259EA4C}" srcOrd="4" destOrd="0" parTransId="{BC5DB26B-8BF7-471B-A879-2C51CAB8C906}" sibTransId="{0FAA9A59-260F-4432-8690-8C31FE33C8F2}"/>
+    <dgm:cxn modelId="{995EF600-D3F1-4BC2-A6AC-E2B940B80815}" srcId="{806CCEA2-9AB4-4B4E-8669-45AF576BEF58}" destId="{AF11A9A6-DD1A-4533-8B1E-C36371540A6D}" srcOrd="4" destOrd="0" parTransId="{5C7368CC-BD8E-4D9D-8719-3220FB961AA2}" sibTransId="{B8323A81-C6F2-437B-8873-1A37D2E8D444}"/>
+    <dgm:cxn modelId="{BC95BD09-7052-4007-A7CB-CC7F5FC1FDEA}" type="presOf" srcId="{AF11A9A6-DD1A-4533-8B1E-C36371540A6D}" destId="{599A2CA6-8FD5-47C7-A505-C1D81C739534}" srcOrd="0" destOrd="0" presId="urn:microsoft.com/office/officeart/2005/8/layout/vList2"/>
+    <dgm:cxn modelId="{DB7DA219-5AFA-4CA3-9DBB-38827C345C57}" srcId="{806CCEA2-9AB4-4B4E-8669-45AF576BEF58}" destId="{392737F4-50C0-4EDD-A4B5-735FD259EA4C}" srcOrd="5" destOrd="0" parTransId="{BC5DB26B-8BF7-471B-A879-2C51CAB8C906}" sibTransId="{0FAA9A59-260F-4432-8690-8C31FE33C8F2}"/>
     <dgm:cxn modelId="{DC68D170-0A22-46AD-A264-48B4BAB6CE79}" srcId="{806CCEA2-9AB4-4B4E-8669-45AF576BEF58}" destId="{41525171-7499-4B81-9E2B-AAB97782EB40}" srcOrd="3" destOrd="0" parTransId="{097C3274-96AD-42FE-B708-E3088A69E3BE}" sibTransId="{C4D8A068-26C5-4262-BFF0-D0BE13C828C3}"/>
     <dgm:cxn modelId="{2C76FE59-B7B9-4FD6-A6D7-DDD64AB7476C}" type="presOf" srcId="{392737F4-50C0-4EDD-A4B5-735FD259EA4C}" destId="{02918C32-07F7-4072-AB64-6C90C4608732}" srcOrd="0" destOrd="0" presId="urn:microsoft.com/office/officeart/2005/8/layout/vList2"/>
     <dgm:cxn modelId="{C154B75A-BFB8-4E8D-AD0C-2CA11507D9E8}" type="presOf" srcId="{D4A84133-66E4-45D8-8708-467E03F74F03}" destId="{502E6E80-1C73-4BB5-9171-84C961AE9571}" srcOrd="0" destOrd="0" presId="urn:microsoft.com/office/officeart/2005/8/layout/vList2"/>
@@ -12109,7 +12160,9 @@
     <dgm:cxn modelId="{1C6ECAAE-8683-4FD5-BFB8-F23D86B8A6BD}" type="presParOf" srcId="{FAA287C1-1BC9-443F-BB83-5E9C96921477}" destId="{F3C1FC66-F0BB-47E2-AAFD-FE21AFEAA539}" srcOrd="5" destOrd="0" presId="urn:microsoft.com/office/officeart/2005/8/layout/vList2"/>
     <dgm:cxn modelId="{972C327C-024B-40AE-AFB2-AB3A467838FB}" type="presParOf" srcId="{FAA287C1-1BC9-443F-BB83-5E9C96921477}" destId="{E27C790E-A926-4F30-A8D0-9B661315F259}" srcOrd="6" destOrd="0" presId="urn:microsoft.com/office/officeart/2005/8/layout/vList2"/>
     <dgm:cxn modelId="{866C8934-AEC4-4690-9AB4-CDE085733723}" type="presParOf" srcId="{FAA287C1-1BC9-443F-BB83-5E9C96921477}" destId="{4F6EAD86-0DB6-474F-9F7D-AEF4180A8CD2}" srcOrd="7" destOrd="0" presId="urn:microsoft.com/office/officeart/2005/8/layout/vList2"/>
-    <dgm:cxn modelId="{D7340608-28A5-4CF9-8976-A26A723D0E86}" type="presParOf" srcId="{FAA287C1-1BC9-443F-BB83-5E9C96921477}" destId="{02918C32-07F7-4072-AB64-6C90C4608732}" srcOrd="8" destOrd="0" presId="urn:microsoft.com/office/officeart/2005/8/layout/vList2"/>
+    <dgm:cxn modelId="{E2D8C356-5DF0-4F00-9352-58628AE09257}" type="presParOf" srcId="{FAA287C1-1BC9-443F-BB83-5E9C96921477}" destId="{599A2CA6-8FD5-47C7-A505-C1D81C739534}" srcOrd="8" destOrd="0" presId="urn:microsoft.com/office/officeart/2005/8/layout/vList2"/>
+    <dgm:cxn modelId="{9E5920B4-5BF2-4036-A99B-C18158FBF35D}" type="presParOf" srcId="{FAA287C1-1BC9-443F-BB83-5E9C96921477}" destId="{7EB8A5CB-B3DA-4020-B1AE-513E21F5974A}" srcOrd="9" destOrd="0" presId="urn:microsoft.com/office/officeart/2005/8/layout/vList2"/>
+    <dgm:cxn modelId="{D7340608-28A5-4CF9-8976-A26A723D0E86}" type="presParOf" srcId="{FAA287C1-1BC9-443F-BB83-5E9C96921477}" destId="{02918C32-07F7-4072-AB64-6C90C4608732}" srcOrd="10" destOrd="0" presId="urn:microsoft.com/office/officeart/2005/8/layout/vList2"/>
   </dgm:cxnLst>
   <dgm:bg/>
   <dgm:whole/>
@@ -13985,7 +14038,7 @@
         <a:p>
           <a:r>
             <a:rPr lang="it-IT" dirty="0"/>
-            <a:t>LCD display</a:t>
+            <a:t>LCD display 16 X 2</a:t>
           </a:r>
           <a:endParaRPr lang="en-US" dirty="0"/>
         </a:p>
@@ -16569,8 +16622,8 @@
       </dsp:nvSpPr>
       <dsp:spPr>
         <a:xfrm>
-          <a:off x="0" y="12689"/>
-          <a:ext cx="6454987" cy="755820"/>
+          <a:off x="0" y="113579"/>
+          <a:ext cx="6454987" cy="596700"/>
         </a:xfrm>
         <a:prstGeom prst="roundRect">
           <a:avLst/>
@@ -16611,12 +16664,12 @@
         </a:fontRef>
       </dsp:style>
       <dsp:txBody>
-        <a:bodyPr spcFirstLastPara="0" vert="horz" wrap="square" lIns="72390" tIns="72390" rIns="72390" bIns="72390" numCol="1" spcCol="1270" anchor="ctr" anchorCtr="0">
+        <a:bodyPr spcFirstLastPara="0" vert="horz" wrap="square" lIns="57150" tIns="57150" rIns="57150" bIns="57150" numCol="1" spcCol="1270" anchor="ctr" anchorCtr="0">
           <a:noAutofit/>
         </a:bodyPr>
         <a:lstStyle/>
         <a:p>
-          <a:pPr marL="0" lvl="0" indent="0" algn="l" defTabSz="844550">
+          <a:pPr marL="0" lvl="0" indent="0" algn="l" defTabSz="666750">
             <a:lnSpc>
               <a:spcPct val="90000"/>
             </a:lnSpc>
@@ -16629,24 +16682,24 @@
             <a:buNone/>
           </a:pPr>
           <a:r>
-            <a:rPr lang="en-US" sz="1900" kern="1200" dirty="0"/>
+            <a:rPr lang="en-US" sz="1500" kern="1200" dirty="0"/>
             <a:t>AI, ML and DL (Recurrent neural networks) </a:t>
           </a:r>
           <a:r>
-            <a:rPr lang="en-US" sz="1900" kern="1200" dirty="0">
+            <a:rPr lang="en-US" sz="1500" kern="1200" dirty="0">
               <a:sym typeface="Wingdings" panose="05000000000000000000" pitchFamily="2" charset="2"/>
             </a:rPr>
             <a:t></a:t>
           </a:r>
           <a:r>
-            <a:rPr lang="en-US" sz="1900" kern="1200" dirty="0"/>
+            <a:rPr lang="en-US" sz="1500" kern="1200" dirty="0"/>
             <a:t> predict drying times with a correlation to the environment</a:t>
           </a:r>
         </a:p>
       </dsp:txBody>
       <dsp:txXfrm>
-        <a:off x="36896" y="49585"/>
-        <a:ext cx="6381195" cy="682028"/>
+        <a:off x="29128" y="142707"/>
+        <a:ext cx="6396731" cy="538444"/>
       </dsp:txXfrm>
     </dsp:sp>
     <dsp:sp modelId="{8A0EE3E2-5811-46C7-BC08-F94EE98CE209}">
@@ -16656,8 +16709,8 @@
       </dsp:nvSpPr>
       <dsp:spPr>
         <a:xfrm>
-          <a:off x="0" y="823230"/>
-          <a:ext cx="6454987" cy="755820"/>
+          <a:off x="0" y="753479"/>
+          <a:ext cx="6454987" cy="596700"/>
         </a:xfrm>
         <a:prstGeom prst="roundRect">
           <a:avLst/>
@@ -16698,12 +16751,12 @@
         </a:fontRef>
       </dsp:style>
       <dsp:txBody>
-        <a:bodyPr spcFirstLastPara="0" vert="horz" wrap="square" lIns="72390" tIns="72390" rIns="72390" bIns="72390" numCol="1" spcCol="1270" anchor="ctr" anchorCtr="0">
+        <a:bodyPr spcFirstLastPara="0" vert="horz" wrap="square" lIns="57150" tIns="57150" rIns="57150" bIns="57150" numCol="1" spcCol="1270" anchor="ctr" anchorCtr="0">
           <a:noAutofit/>
         </a:bodyPr>
         <a:lstStyle/>
         <a:p>
-          <a:pPr marL="0" lvl="0" indent="0" algn="l" defTabSz="844550">
+          <a:pPr marL="0" lvl="0" indent="0" algn="l" defTabSz="666750">
             <a:lnSpc>
               <a:spcPct val="90000"/>
             </a:lnSpc>
@@ -16716,14 +16769,14 @@
             <a:buNone/>
           </a:pPr>
           <a:r>
-            <a:rPr lang="en-US" sz="1900" kern="1200"/>
+            <a:rPr lang="en-US" sz="1500" kern="1200"/>
             <a:t>Integration of other AWS services for Artificial Intelligence and Internet of Things</a:t>
           </a:r>
         </a:p>
       </dsp:txBody>
       <dsp:txXfrm>
-        <a:off x="36896" y="860126"/>
-        <a:ext cx="6381195" cy="682028"/>
+        <a:off x="29128" y="782607"/>
+        <a:ext cx="6396731" cy="538444"/>
       </dsp:txXfrm>
     </dsp:sp>
     <dsp:sp modelId="{05B0955A-516D-4A9A-AB42-10B91F3DEDE7}">
@@ -16733,8 +16786,8 @@
       </dsp:nvSpPr>
       <dsp:spPr>
         <a:xfrm>
-          <a:off x="0" y="1633770"/>
-          <a:ext cx="6454987" cy="755820"/>
+          <a:off x="0" y="1393379"/>
+          <a:ext cx="6454987" cy="596700"/>
         </a:xfrm>
         <a:prstGeom prst="roundRect">
           <a:avLst/>
@@ -16775,12 +16828,12 @@
         </a:fontRef>
       </dsp:style>
       <dsp:txBody>
-        <a:bodyPr spcFirstLastPara="0" vert="horz" wrap="square" lIns="72390" tIns="72390" rIns="72390" bIns="72390" numCol="1" spcCol="1270" anchor="ctr" anchorCtr="0">
+        <a:bodyPr spcFirstLastPara="0" vert="horz" wrap="square" lIns="57150" tIns="57150" rIns="57150" bIns="57150" numCol="1" spcCol="1270" anchor="ctr" anchorCtr="0">
           <a:noAutofit/>
         </a:bodyPr>
         <a:lstStyle/>
         <a:p>
-          <a:pPr marL="0" lvl="0" indent="0" algn="l" defTabSz="844550">
+          <a:pPr marL="0" lvl="0" indent="0" algn="l" defTabSz="666750">
             <a:lnSpc>
               <a:spcPct val="90000"/>
             </a:lnSpc>
@@ -16793,14 +16846,14 @@
             <a:buNone/>
           </a:pPr>
           <a:r>
-            <a:rPr lang="en-US" sz="1900" kern="1200" dirty="0"/>
+            <a:rPr lang="en-US" sz="1500" kern="1200" dirty="0"/>
             <a:t>New functionalities for the mobile application to give more reliable information, security and privacy of the sensible data</a:t>
           </a:r>
         </a:p>
       </dsp:txBody>
       <dsp:txXfrm>
-        <a:off x="36896" y="1670666"/>
-        <a:ext cx="6381195" cy="682028"/>
+        <a:off x="29128" y="1422507"/>
+        <a:ext cx="6396731" cy="538444"/>
       </dsp:txXfrm>
     </dsp:sp>
     <dsp:sp modelId="{E27C790E-A926-4F30-A8D0-9B661315F259}">
@@ -16810,8 +16863,8 @@
       </dsp:nvSpPr>
       <dsp:spPr>
         <a:xfrm>
-          <a:off x="0" y="2444310"/>
-          <a:ext cx="6454987" cy="755820"/>
+          <a:off x="0" y="2033280"/>
+          <a:ext cx="6454987" cy="596700"/>
         </a:xfrm>
         <a:prstGeom prst="roundRect">
           <a:avLst/>
@@ -16852,12 +16905,12 @@
         </a:fontRef>
       </dsp:style>
       <dsp:txBody>
-        <a:bodyPr spcFirstLastPara="0" vert="horz" wrap="square" lIns="72390" tIns="72390" rIns="72390" bIns="72390" numCol="1" spcCol="1270" anchor="ctr" anchorCtr="0">
+        <a:bodyPr spcFirstLastPara="0" vert="horz" wrap="square" lIns="57150" tIns="57150" rIns="57150" bIns="57150" numCol="1" spcCol="1270" anchor="ctr" anchorCtr="0">
           <a:noAutofit/>
         </a:bodyPr>
         <a:lstStyle/>
         <a:p>
-          <a:pPr marL="0" lvl="0" indent="0" algn="l" defTabSz="844550">
+          <a:pPr marL="0" lvl="0" indent="0" algn="l" defTabSz="666750">
             <a:lnSpc>
               <a:spcPct val="90000"/>
             </a:lnSpc>
@@ -16870,25 +16923,25 @@
             <a:buNone/>
           </a:pPr>
           <a:r>
-            <a:rPr lang="en-US" sz="1900" kern="1200"/>
+            <a:rPr lang="en-US" sz="1500" kern="1200" dirty="0"/>
             <a:t>Waterproof system evolution, usage of smart sensors for collecting data and multiple concurrent drying cycles for user</a:t>
           </a:r>
         </a:p>
       </dsp:txBody>
       <dsp:txXfrm>
-        <a:off x="36896" y="2481206"/>
-        <a:ext cx="6381195" cy="682028"/>
+        <a:off x="29128" y="2062408"/>
+        <a:ext cx="6396731" cy="538444"/>
       </dsp:txXfrm>
     </dsp:sp>
-    <dsp:sp modelId="{02918C32-07F7-4072-AB64-6C90C4608732}">
+    <dsp:sp modelId="{599A2CA6-8FD5-47C7-A505-C1D81C739534}">
       <dsp:nvSpPr>
         <dsp:cNvPr id="0" name=""/>
         <dsp:cNvSpPr/>
       </dsp:nvSpPr>
       <dsp:spPr>
         <a:xfrm>
-          <a:off x="0" y="3254849"/>
-          <a:ext cx="6454987" cy="755820"/>
+          <a:off x="0" y="2673180"/>
+          <a:ext cx="6454987" cy="596700"/>
         </a:xfrm>
         <a:prstGeom prst="roundRect">
           <a:avLst/>
@@ -16929,12 +16982,12 @@
         </a:fontRef>
       </dsp:style>
       <dsp:txBody>
-        <a:bodyPr spcFirstLastPara="0" vert="horz" wrap="square" lIns="72390" tIns="72390" rIns="72390" bIns="72390" numCol="1" spcCol="1270" anchor="ctr" anchorCtr="0">
+        <a:bodyPr spcFirstLastPara="0" vert="horz" wrap="square" lIns="57150" tIns="57150" rIns="57150" bIns="57150" numCol="1" spcCol="1270" anchor="ctr" anchorCtr="0">
           <a:noAutofit/>
         </a:bodyPr>
         <a:lstStyle/>
         <a:p>
-          <a:pPr marL="0" lvl="0" indent="0" algn="l" defTabSz="844550">
+          <a:pPr marL="0" lvl="0" indent="0" algn="l" defTabSz="666750">
             <a:lnSpc>
               <a:spcPct val="90000"/>
             </a:lnSpc>
@@ -16947,14 +17000,91 @@
             <a:buNone/>
           </a:pPr>
           <a:r>
-            <a:rPr lang="en-US" sz="1900" kern="1200" dirty="0"/>
-            <a:t>Improve scalability and performances of Flask Restful APIs</a:t>
+            <a:rPr lang="en-US" sz="1500" kern="1200" dirty="0"/>
+            <a:t>Wireless connections</a:t>
           </a:r>
         </a:p>
       </dsp:txBody>
       <dsp:txXfrm>
-        <a:off x="36896" y="3291745"/>
-        <a:ext cx="6381195" cy="682028"/>
+        <a:off x="29128" y="2702308"/>
+        <a:ext cx="6396731" cy="538444"/>
+      </dsp:txXfrm>
+    </dsp:sp>
+    <dsp:sp modelId="{02918C32-07F7-4072-AB64-6C90C4608732}">
+      <dsp:nvSpPr>
+        <dsp:cNvPr id="0" name=""/>
+        <dsp:cNvSpPr/>
+      </dsp:nvSpPr>
+      <dsp:spPr>
+        <a:xfrm>
+          <a:off x="0" y="3313080"/>
+          <a:ext cx="6454987" cy="596700"/>
+        </a:xfrm>
+        <a:prstGeom prst="roundRect">
+          <a:avLst/>
+        </a:prstGeom>
+        <a:solidFill>
+          <a:schemeClr val="accent1">
+            <a:hueOff val="0"/>
+            <a:satOff val="0"/>
+            <a:lumOff val="0"/>
+            <a:alphaOff val="0"/>
+          </a:schemeClr>
+        </a:solidFill>
+        <a:ln w="15875" cap="flat" cmpd="sng" algn="ctr">
+          <a:solidFill>
+            <a:schemeClr val="lt1">
+              <a:hueOff val="0"/>
+              <a:satOff val="0"/>
+              <a:lumOff val="0"/>
+              <a:alphaOff val="0"/>
+            </a:schemeClr>
+          </a:solidFill>
+          <a:prstDash val="solid"/>
+        </a:ln>
+        <a:effectLst/>
+      </dsp:spPr>
+      <dsp:style>
+        <a:lnRef idx="2">
+          <a:scrgbClr r="0" g="0" b="0"/>
+        </a:lnRef>
+        <a:fillRef idx="1">
+          <a:scrgbClr r="0" g="0" b="0"/>
+        </a:fillRef>
+        <a:effectRef idx="0">
+          <a:scrgbClr r="0" g="0" b="0"/>
+        </a:effectRef>
+        <a:fontRef idx="minor">
+          <a:schemeClr val="lt1"/>
+        </a:fontRef>
+      </dsp:style>
+      <dsp:txBody>
+        <a:bodyPr spcFirstLastPara="0" vert="horz" wrap="square" lIns="57150" tIns="57150" rIns="57150" bIns="57150" numCol="1" spcCol="1270" anchor="ctr" anchorCtr="0">
+          <a:noAutofit/>
+        </a:bodyPr>
+        <a:lstStyle/>
+        <a:p>
+          <a:pPr marL="0" lvl="0" indent="0" algn="l" defTabSz="666750">
+            <a:lnSpc>
+              <a:spcPct val="90000"/>
+            </a:lnSpc>
+            <a:spcBef>
+              <a:spcPct val="0"/>
+            </a:spcBef>
+            <a:spcAft>
+              <a:spcPct val="35000"/>
+            </a:spcAft>
+            <a:buNone/>
+          </a:pPr>
+          <a:r>
+            <a:rPr lang="en-US" sz="1500" kern="1200" dirty="0"/>
+            <a:t>Improve scalability and performances of Flask Restful APIs</a:t>
+          </a:r>
+        </a:p>
+      </dsp:txBody>
+      <dsp:txXfrm>
+        <a:off x="29128" y="3342208"/>
+        <a:ext cx="6396731" cy="538444"/>
       </dsp:txXfrm>
     </dsp:sp>
   </dsp:spTree>
@@ -19429,7 +19559,7 @@
           </a:pPr>
           <a:r>
             <a:rPr lang="it-IT" sz="3400" kern="1200" dirty="0"/>
-            <a:t>LCD display</a:t>
+            <a:t>LCD display 16 X 2</a:t>
           </a:r>
           <a:endParaRPr lang="en-US" sz="3400" kern="1200" dirty="0"/>
         </a:p>
@@ -46757,7 +46887,7 @@
           <p:nvPr>
             <p:extLst>
               <p:ext uri="{D42A27DB-BD31-4B8C-83A1-F6EECF244321}">
-                <p14:modId xmlns:p14="http://schemas.microsoft.com/office/powerpoint/2010/main" val="759481286"/>
+                <p14:modId xmlns:p14="http://schemas.microsoft.com/office/powerpoint/2010/main" val="2177367905"/>
               </p:ext>
             </p:extLst>
           </p:nvPr>
@@ -51050,7 +51180,7 @@
             <p:ph sz="half" idx="1"/>
             <p:extLst>
               <p:ext uri="{D42A27DB-BD31-4B8C-83A1-F6EECF244321}">
-                <p14:modId xmlns:p14="http://schemas.microsoft.com/office/powerpoint/2010/main" val="1998632292"/>
+                <p14:modId xmlns:p14="http://schemas.microsoft.com/office/powerpoint/2010/main" val="2771825632"/>
               </p:ext>
             </p:extLst>
           </p:nvPr>
@@ -54273,14 +54403,6 @@
 </file>
 
 <file path=customXml/item1.xml><?xml version="1.0" encoding="utf-8"?>
-<p:properties xmlns:p="http://schemas.microsoft.com/office/2006/metadata/properties" xmlns:xsi="http://www.w3.org/2001/XMLSchema-instance" xmlns:pc="http://schemas.microsoft.com/office/infopath/2007/PartnerControls">
-  <documentManagement>
-    <_activity xmlns="2f26ae8e-0534-42ae-9904-0fee2bddd958" xsi:nil="true"/>
-  </documentManagement>
-</p:properties>
-</file>
-
-<file path=customXml/item2.xml><?xml version="1.0" encoding="utf-8"?>
 <ct:contentTypeSchema xmlns:ct="http://schemas.microsoft.com/office/2006/metadata/contentType" xmlns:ma="http://schemas.microsoft.com/office/2006/metadata/properties/metaAttributes" ct:_="" ma:_="" ma:contentTypeName="Documento" ma:contentTypeID="0x010100C66C80353CD69A4285BB938310B65AC7" ma:contentTypeVersion="6" ma:contentTypeDescription="Creare un nuovo documento." ma:contentTypeScope="" ma:versionID="21157b6ce57c0b12a119ce4eabf6170c">
   <xsd:schema xmlns:xsd="http://www.w3.org/2001/XMLSchema" xmlns:xs="http://www.w3.org/2001/XMLSchema" xmlns:p="http://schemas.microsoft.com/office/2006/metadata/properties" xmlns:ns3="2f26ae8e-0534-42ae-9904-0fee2bddd958" xmlns:ns4="9c14b697-c5c0-4139-b5ac-a549821d1603" targetNamespace="http://schemas.microsoft.com/office/2006/metadata/properties" ma:root="true" ma:fieldsID="1652c2dfc8e5e4ef90b559c52be89ffd" ns3:_="" ns4:_="">
     <xsd:import namespace="2f26ae8e-0534-42ae-9904-0fee2bddd958"/>
@@ -54457,6 +54579,14 @@
 </ct:contentTypeSchema>
 </file>
 
+<file path=customXml/item2.xml><?xml version="1.0" encoding="utf-8"?>
+<p:properties xmlns:p="http://schemas.microsoft.com/office/2006/metadata/properties" xmlns:xsi="http://www.w3.org/2001/XMLSchema-instance" xmlns:pc="http://schemas.microsoft.com/office/infopath/2007/PartnerControls">
+  <documentManagement>
+    <_activity xmlns="2f26ae8e-0534-42ae-9904-0fee2bddd958" xsi:nil="true"/>
+  </documentManagement>
+</p:properties>
+</file>
+
 <file path=customXml/item3.xml><?xml version="1.0" encoding="utf-8"?>
 <?mso-contentType ?>
 <FormTemplates xmlns="http://schemas.microsoft.com/sharepoint/v3/contenttype/forms">
@@ -54467,23 +54597,6 @@
 </file>
 
 <file path=customXml/itemProps1.xml><?xml version="1.0" encoding="utf-8"?>
-<ds:datastoreItem xmlns:ds="http://schemas.openxmlformats.org/officeDocument/2006/customXml" ds:itemID="{DB604489-32B6-4CBF-814B-50772DBC895D}">
-  <ds:schemaRefs>
-    <ds:schemaRef ds:uri="http://purl.org/dc/terms/"/>
-    <ds:schemaRef ds:uri="http://schemas.microsoft.com/office/2006/documentManagement/types"/>
-    <ds:schemaRef ds:uri="http://purl.org/dc/dcmitype/"/>
-    <ds:schemaRef ds:uri="http://www.w3.org/XML/1998/namespace"/>
-    <ds:schemaRef ds:uri="http://purl.org/dc/elements/1.1/"/>
-    <ds:schemaRef ds:uri="2f26ae8e-0534-42ae-9904-0fee2bddd958"/>
-    <ds:schemaRef ds:uri="http://schemas.microsoft.com/office/infopath/2007/PartnerControls"/>
-    <ds:schemaRef ds:uri="http://schemas.openxmlformats.org/package/2006/metadata/core-properties"/>
-    <ds:schemaRef ds:uri="9c14b697-c5c0-4139-b5ac-a549821d1603"/>
-    <ds:schemaRef ds:uri="http://schemas.microsoft.com/office/2006/metadata/properties"/>
-  </ds:schemaRefs>
-</ds:datastoreItem>
-</file>
-
-<file path=customXml/itemProps2.xml><?xml version="1.0" encoding="utf-8"?>
 <ds:datastoreItem xmlns:ds="http://schemas.openxmlformats.org/officeDocument/2006/customXml" ds:itemID="{E42A27AE-3F80-406E-81BC-13580A87D7A8}">
   <ds:schemaRefs>
     <ds:schemaRef ds:uri="http://schemas.microsoft.com/office/2006/metadata/contentType"/>
@@ -54502,6 +54615,23 @@
 </ds:datastoreItem>
 </file>
 
+<file path=customXml/itemProps2.xml><?xml version="1.0" encoding="utf-8"?>
+<ds:datastoreItem xmlns:ds="http://schemas.openxmlformats.org/officeDocument/2006/customXml" ds:itemID="{DB604489-32B6-4CBF-814B-50772DBC895D}">
+  <ds:schemaRefs>
+    <ds:schemaRef ds:uri="http://purl.org/dc/terms/"/>
+    <ds:schemaRef ds:uri="http://schemas.microsoft.com/office/2006/documentManagement/types"/>
+    <ds:schemaRef ds:uri="http://purl.org/dc/dcmitype/"/>
+    <ds:schemaRef ds:uri="http://www.w3.org/XML/1998/namespace"/>
+    <ds:schemaRef ds:uri="http://purl.org/dc/elements/1.1/"/>
+    <ds:schemaRef ds:uri="2f26ae8e-0534-42ae-9904-0fee2bddd958"/>
+    <ds:schemaRef ds:uri="http://schemas.microsoft.com/office/infopath/2007/PartnerControls"/>
+    <ds:schemaRef ds:uri="http://schemas.openxmlformats.org/package/2006/metadata/core-properties"/>
+    <ds:schemaRef ds:uri="9c14b697-c5c0-4139-b5ac-a549821d1603"/>
+    <ds:schemaRef ds:uri="http://schemas.microsoft.com/office/2006/metadata/properties"/>
+  </ds:schemaRefs>
+</ds:datastoreItem>
+</file>
+
 <file path=customXml/itemProps3.xml><?xml version="1.0" encoding="utf-8"?>
 <ds:datastoreItem xmlns:ds="http://schemas.openxmlformats.org/officeDocument/2006/customXml" ds:itemID="{E67A05D2-EFB4-4662-9AF8-B74022BDC7DE}">
   <ds:schemaRefs>

--- a/SMART STENDINO.pptx
+++ b/SMART STENDINO.pptx
@@ -36675,7 +36675,7 @@
           <a:p>
             <a:fld id="{BD24546A-F5BE-4F9E-948C-25747CB9F415}" type="datetimeFigureOut">
               <a:rPr lang="it-IT" smtClean="0"/>
-              <a:t>15/02/2023</a:t>
+              <a:t>17/02/2023</a:t>
             </a:fld>
             <a:endParaRPr lang="it-IT"/>
           </a:p>
@@ -36883,7 +36883,7 @@
           <a:p>
             <a:fld id="{BD24546A-F5BE-4F9E-948C-25747CB9F415}" type="datetimeFigureOut">
               <a:rPr lang="it-IT" smtClean="0"/>
-              <a:t>15/02/2023</a:t>
+              <a:t>17/02/2023</a:t>
             </a:fld>
             <a:endParaRPr lang="it-IT"/>
           </a:p>
@@ -37139,7 +37139,7 @@
           <a:p>
             <a:fld id="{BD24546A-F5BE-4F9E-948C-25747CB9F415}" type="datetimeFigureOut">
               <a:rPr lang="it-IT" smtClean="0"/>
-              <a:t>15/02/2023</a:t>
+              <a:t>17/02/2023</a:t>
             </a:fld>
             <a:endParaRPr lang="it-IT"/>
           </a:p>
@@ -37309,7 +37309,7 @@
           <a:p>
             <a:fld id="{BD24546A-F5BE-4F9E-948C-25747CB9F415}" type="datetimeFigureOut">
               <a:rPr lang="it-IT" smtClean="0"/>
-              <a:t>15/02/2023</a:t>
+              <a:t>17/02/2023</a:t>
             </a:fld>
             <a:endParaRPr lang="it-IT"/>
           </a:p>
@@ -37652,7 +37652,7 @@
           <a:p>
             <a:fld id="{BD24546A-F5BE-4F9E-948C-25747CB9F415}" type="datetimeFigureOut">
               <a:rPr lang="it-IT" smtClean="0"/>
-              <a:t>15/02/2023</a:t>
+              <a:t>17/02/2023</a:t>
             </a:fld>
             <a:endParaRPr lang="it-IT"/>
           </a:p>
@@ -37927,7 +37927,7 @@
           <a:p>
             <a:fld id="{BD24546A-F5BE-4F9E-948C-25747CB9F415}" type="datetimeFigureOut">
               <a:rPr lang="it-IT" smtClean="0"/>
-              <a:t>15/02/2023</a:t>
+              <a:t>17/02/2023</a:t>
             </a:fld>
             <a:endParaRPr lang="it-IT"/>
           </a:p>
@@ -38306,7 +38306,7 @@
           <a:p>
             <a:fld id="{BD24546A-F5BE-4F9E-948C-25747CB9F415}" type="datetimeFigureOut">
               <a:rPr lang="it-IT" smtClean="0"/>
-              <a:t>15/02/2023</a:t>
+              <a:t>17/02/2023</a:t>
             </a:fld>
             <a:endParaRPr lang="it-IT"/>
           </a:p>
@@ -38424,7 +38424,7 @@
           <a:p>
             <a:fld id="{BD24546A-F5BE-4F9E-948C-25747CB9F415}" type="datetimeFigureOut">
               <a:rPr lang="it-IT" smtClean="0"/>
-              <a:t>15/02/2023</a:t>
+              <a:t>17/02/2023</a:t>
             </a:fld>
             <a:endParaRPr lang="it-IT"/>
           </a:p>
@@ -38595,7 +38595,7 @@
           <a:p>
             <a:fld id="{BD24546A-F5BE-4F9E-948C-25747CB9F415}" type="datetimeFigureOut">
               <a:rPr lang="it-IT" smtClean="0"/>
-              <a:t>15/02/2023</a:t>
+              <a:t>17/02/2023</a:t>
             </a:fld>
             <a:endParaRPr lang="it-IT"/>
           </a:p>
@@ -38949,7 +38949,7 @@
           <a:p>
             <a:fld id="{BD24546A-F5BE-4F9E-948C-25747CB9F415}" type="datetimeFigureOut">
               <a:rPr lang="it-IT" smtClean="0"/>
-              <a:t>15/02/2023</a:t>
+              <a:t>17/02/2023</a:t>
             </a:fld>
             <a:endParaRPr lang="it-IT"/>
           </a:p>
@@ -39326,7 +39326,7 @@
           <a:p>
             <a:fld id="{BD24546A-F5BE-4F9E-948C-25747CB9F415}" type="datetimeFigureOut">
               <a:rPr lang="it-IT" smtClean="0"/>
-              <a:t>15/02/2023</a:t>
+              <a:t>17/02/2023</a:t>
             </a:fld>
             <a:endParaRPr lang="it-IT"/>
           </a:p>
@@ -39613,7 +39613,7 @@
           <a:p>
             <a:fld id="{BD24546A-F5BE-4F9E-948C-25747CB9F415}" type="datetimeFigureOut">
               <a:rPr lang="it-IT" smtClean="0"/>
-              <a:t>15/02/2023</a:t>
+              <a:t>17/02/2023</a:t>
             </a:fld>
             <a:endParaRPr lang="it-IT"/>
           </a:p>
@@ -43996,7 +43996,7 @@
             </a:r>
             <a:r>
               <a:rPr lang="it-IT" sz="2400" dirty="0" err="1"/>
-              <a:t>actuators</a:t>
+              <a:t>microcontroller</a:t>
             </a:r>
             <a:r>
               <a:rPr lang="it-IT" sz="2400" dirty="0"/>
@@ -44008,19 +44008,15 @@
             </a:r>
             <a:r>
               <a:rPr lang="it-IT" sz="2400" dirty="0"/>
-              <a:t> to control </a:t>
+              <a:t> to control the </a:t>
             </a:r>
             <a:r>
               <a:rPr lang="it-IT" sz="2400" dirty="0" err="1"/>
-              <a:t>their</a:t>
+              <a:t>actuators</a:t>
             </a:r>
             <a:r>
-              <a:rPr lang="it-IT" sz="2400" dirty="0"/>
-              <a:t> </a:t>
-            </a:r>
-            <a:r>
-              <a:rPr lang="it-IT" sz="2400" dirty="0" err="1"/>
-              <a:t>behaviour</a:t>
+              <a:rPr lang="it-IT" sz="2400"/>
+              <a:t> behaviour</a:t>
             </a:r>
             <a:endParaRPr lang="it-IT" sz="2400" dirty="0"/>
           </a:p>
@@ -54403,6 +54399,14 @@
 </file>
 
 <file path=customXml/item1.xml><?xml version="1.0" encoding="utf-8"?>
+<p:properties xmlns:p="http://schemas.microsoft.com/office/2006/metadata/properties" xmlns:xsi="http://www.w3.org/2001/XMLSchema-instance" xmlns:pc="http://schemas.microsoft.com/office/infopath/2007/PartnerControls">
+  <documentManagement>
+    <_activity xmlns="2f26ae8e-0534-42ae-9904-0fee2bddd958" xsi:nil="true"/>
+  </documentManagement>
+</p:properties>
+</file>
+
+<file path=customXml/item2.xml><?xml version="1.0" encoding="utf-8"?>
 <ct:contentTypeSchema xmlns:ct="http://schemas.microsoft.com/office/2006/metadata/contentType" xmlns:ma="http://schemas.microsoft.com/office/2006/metadata/properties/metaAttributes" ct:_="" ma:_="" ma:contentTypeName="Documento" ma:contentTypeID="0x010100C66C80353CD69A4285BB938310B65AC7" ma:contentTypeVersion="6" ma:contentTypeDescription="Creare un nuovo documento." ma:contentTypeScope="" ma:versionID="21157b6ce57c0b12a119ce4eabf6170c">
   <xsd:schema xmlns:xsd="http://www.w3.org/2001/XMLSchema" xmlns:xs="http://www.w3.org/2001/XMLSchema" xmlns:p="http://schemas.microsoft.com/office/2006/metadata/properties" xmlns:ns3="2f26ae8e-0534-42ae-9904-0fee2bddd958" xmlns:ns4="9c14b697-c5c0-4139-b5ac-a549821d1603" targetNamespace="http://schemas.microsoft.com/office/2006/metadata/properties" ma:root="true" ma:fieldsID="1652c2dfc8e5e4ef90b559c52be89ffd" ns3:_="" ns4:_="">
     <xsd:import namespace="2f26ae8e-0534-42ae-9904-0fee2bddd958"/>
@@ -54579,14 +54583,6 @@
 </ct:contentTypeSchema>
 </file>
 
-<file path=customXml/item2.xml><?xml version="1.0" encoding="utf-8"?>
-<p:properties xmlns:p="http://schemas.microsoft.com/office/2006/metadata/properties" xmlns:xsi="http://www.w3.org/2001/XMLSchema-instance" xmlns:pc="http://schemas.microsoft.com/office/infopath/2007/PartnerControls">
-  <documentManagement>
-    <_activity xmlns="2f26ae8e-0534-42ae-9904-0fee2bddd958" xsi:nil="true"/>
-  </documentManagement>
-</p:properties>
-</file>
-
 <file path=customXml/item3.xml><?xml version="1.0" encoding="utf-8"?>
 <?mso-contentType ?>
 <FormTemplates xmlns="http://schemas.microsoft.com/sharepoint/v3/contenttype/forms">
@@ -54597,6 +54593,23 @@
 </file>
 
 <file path=customXml/itemProps1.xml><?xml version="1.0" encoding="utf-8"?>
+<ds:datastoreItem xmlns:ds="http://schemas.openxmlformats.org/officeDocument/2006/customXml" ds:itemID="{DB604489-32B6-4CBF-814B-50772DBC895D}">
+  <ds:schemaRefs>
+    <ds:schemaRef ds:uri="http://purl.org/dc/terms/"/>
+    <ds:schemaRef ds:uri="http://schemas.microsoft.com/office/2006/documentManagement/types"/>
+    <ds:schemaRef ds:uri="http://purl.org/dc/dcmitype/"/>
+    <ds:schemaRef ds:uri="http://www.w3.org/XML/1998/namespace"/>
+    <ds:schemaRef ds:uri="http://purl.org/dc/elements/1.1/"/>
+    <ds:schemaRef ds:uri="2f26ae8e-0534-42ae-9904-0fee2bddd958"/>
+    <ds:schemaRef ds:uri="http://schemas.microsoft.com/office/infopath/2007/PartnerControls"/>
+    <ds:schemaRef ds:uri="http://schemas.openxmlformats.org/package/2006/metadata/core-properties"/>
+    <ds:schemaRef ds:uri="9c14b697-c5c0-4139-b5ac-a549821d1603"/>
+    <ds:schemaRef ds:uri="http://schemas.microsoft.com/office/2006/metadata/properties"/>
+  </ds:schemaRefs>
+</ds:datastoreItem>
+</file>
+
+<file path=customXml/itemProps2.xml><?xml version="1.0" encoding="utf-8"?>
 <ds:datastoreItem xmlns:ds="http://schemas.openxmlformats.org/officeDocument/2006/customXml" ds:itemID="{E42A27AE-3F80-406E-81BC-13580A87D7A8}">
   <ds:schemaRefs>
     <ds:schemaRef ds:uri="http://schemas.microsoft.com/office/2006/metadata/contentType"/>
@@ -54615,23 +54628,6 @@
 </ds:datastoreItem>
 </file>
 
-<file path=customXml/itemProps2.xml><?xml version="1.0" encoding="utf-8"?>
-<ds:datastoreItem xmlns:ds="http://schemas.openxmlformats.org/officeDocument/2006/customXml" ds:itemID="{DB604489-32B6-4CBF-814B-50772DBC895D}">
-  <ds:schemaRefs>
-    <ds:schemaRef ds:uri="http://purl.org/dc/terms/"/>
-    <ds:schemaRef ds:uri="http://schemas.microsoft.com/office/2006/documentManagement/types"/>
-    <ds:schemaRef ds:uri="http://purl.org/dc/dcmitype/"/>
-    <ds:schemaRef ds:uri="http://www.w3.org/XML/1998/namespace"/>
-    <ds:schemaRef ds:uri="http://purl.org/dc/elements/1.1/"/>
-    <ds:schemaRef ds:uri="2f26ae8e-0534-42ae-9904-0fee2bddd958"/>
-    <ds:schemaRef ds:uri="http://schemas.microsoft.com/office/infopath/2007/PartnerControls"/>
-    <ds:schemaRef ds:uri="http://schemas.openxmlformats.org/package/2006/metadata/core-properties"/>
-    <ds:schemaRef ds:uri="9c14b697-c5c0-4139-b5ac-a549821d1603"/>
-    <ds:schemaRef ds:uri="http://schemas.microsoft.com/office/2006/metadata/properties"/>
-  </ds:schemaRefs>
-</ds:datastoreItem>
-</file>
-
 <file path=customXml/itemProps3.xml><?xml version="1.0" encoding="utf-8"?>
 <ds:datastoreItem xmlns:ds="http://schemas.openxmlformats.org/officeDocument/2006/customXml" ds:itemID="{E67A05D2-EFB4-4662-9AF8-B74022BDC7DE}">
   <ds:schemaRefs>

--- a/SMART STENDINO.pptx
+++ b/SMART STENDINO.pptx
@@ -41,7 +41,8 @@
     <p:sldId id="269" r:id="rId38"/>
     <p:sldId id="302" r:id="rId39"/>
     <p:sldId id="274" r:id="rId40"/>
-    <p:sldId id="301" r:id="rId41"/>
+    <p:sldId id="305" r:id="rId41"/>
+    <p:sldId id="301" r:id="rId42"/>
   </p:sldIdLst>
   <p:sldSz cx="12192000" cy="6858000"/>
   <p:notesSz cx="6858000" cy="9144000"/>
@@ -3422,6 +3423,753 @@
 </file>
 
 <file path=ppt/diagrams/colors13.xml><?xml version="1.0" encoding="utf-8"?>
+<dgm:colorsDef xmlns:dgm="http://schemas.openxmlformats.org/drawingml/2006/diagram" xmlns:a="http://schemas.openxmlformats.org/drawingml/2006/main" uniqueId="urn:microsoft.com/office/officeart/2005/8/colors/accent1_2">
+  <dgm:title val=""/>
+  <dgm:desc val=""/>
+  <dgm:catLst>
+    <dgm:cat type="accent1" pri="11200"/>
+  </dgm:catLst>
+  <dgm:styleLbl name="node0">
+    <dgm:fillClrLst meth="repeat">
+      <a:schemeClr val="accent1"/>
+    </dgm:fillClrLst>
+    <dgm:linClrLst meth="repeat">
+      <a:schemeClr val="lt1"/>
+    </dgm:linClrLst>
+    <dgm:effectClrLst/>
+    <dgm:txLinClrLst/>
+    <dgm:txFillClrLst/>
+    <dgm:txEffectClrLst/>
+  </dgm:styleLbl>
+  <dgm:styleLbl name="alignNode1">
+    <dgm:fillClrLst meth="repeat">
+      <a:schemeClr val="accent1"/>
+    </dgm:fillClrLst>
+    <dgm:linClrLst meth="repeat">
+      <a:schemeClr val="accent1"/>
+    </dgm:linClrLst>
+    <dgm:effectClrLst/>
+    <dgm:txLinClrLst/>
+    <dgm:txFillClrLst/>
+    <dgm:txEffectClrLst/>
+  </dgm:styleLbl>
+  <dgm:styleLbl name="node1">
+    <dgm:fillClrLst meth="repeat">
+      <a:schemeClr val="accent1"/>
+    </dgm:fillClrLst>
+    <dgm:linClrLst meth="repeat">
+      <a:schemeClr val="lt1"/>
+    </dgm:linClrLst>
+    <dgm:effectClrLst/>
+    <dgm:txLinClrLst/>
+    <dgm:txFillClrLst/>
+    <dgm:txEffectClrLst/>
+  </dgm:styleLbl>
+  <dgm:styleLbl name="lnNode1">
+    <dgm:fillClrLst meth="repeat">
+      <a:schemeClr val="accent1"/>
+    </dgm:fillClrLst>
+    <dgm:linClrLst meth="repeat">
+      <a:schemeClr val="lt1"/>
+    </dgm:linClrLst>
+    <dgm:effectClrLst/>
+    <dgm:txLinClrLst/>
+    <dgm:txFillClrLst/>
+    <dgm:txEffectClrLst/>
+  </dgm:styleLbl>
+  <dgm:styleLbl name="vennNode1">
+    <dgm:fillClrLst meth="repeat">
+      <a:schemeClr val="accent1">
+        <a:alpha val="50000"/>
+      </a:schemeClr>
+    </dgm:fillClrLst>
+    <dgm:linClrLst meth="repeat">
+      <a:schemeClr val="lt1"/>
+    </dgm:linClrLst>
+    <dgm:effectClrLst/>
+    <dgm:txLinClrLst/>
+    <dgm:txFillClrLst/>
+    <dgm:txEffectClrLst/>
+  </dgm:styleLbl>
+  <dgm:styleLbl name="node2">
+    <dgm:fillClrLst meth="repeat">
+      <a:schemeClr val="accent1"/>
+    </dgm:fillClrLst>
+    <dgm:linClrLst meth="repeat">
+      <a:schemeClr val="lt1"/>
+    </dgm:linClrLst>
+    <dgm:effectClrLst/>
+    <dgm:txLinClrLst/>
+    <dgm:txFillClrLst/>
+    <dgm:txEffectClrLst/>
+  </dgm:styleLbl>
+  <dgm:styleLbl name="node3">
+    <dgm:fillClrLst meth="repeat">
+      <a:schemeClr val="accent1"/>
+    </dgm:fillClrLst>
+    <dgm:linClrLst meth="repeat">
+      <a:schemeClr val="lt1"/>
+    </dgm:linClrLst>
+    <dgm:effectClrLst/>
+    <dgm:txLinClrLst/>
+    <dgm:txFillClrLst/>
+    <dgm:txEffectClrLst/>
+  </dgm:styleLbl>
+  <dgm:styleLbl name="node4">
+    <dgm:fillClrLst meth="repeat">
+      <a:schemeClr val="accent1"/>
+    </dgm:fillClrLst>
+    <dgm:linClrLst meth="repeat">
+      <a:schemeClr val="lt1"/>
+    </dgm:linClrLst>
+    <dgm:effectClrLst/>
+    <dgm:txLinClrLst/>
+    <dgm:txFillClrLst/>
+    <dgm:txEffectClrLst/>
+  </dgm:styleLbl>
+  <dgm:styleLbl name="fgImgPlace1">
+    <dgm:fillClrLst meth="repeat">
+      <a:schemeClr val="accent1">
+        <a:tint val="50000"/>
+      </a:schemeClr>
+    </dgm:fillClrLst>
+    <dgm:linClrLst meth="repeat">
+      <a:schemeClr val="lt1"/>
+    </dgm:linClrLst>
+    <dgm:effectClrLst/>
+    <dgm:txLinClrLst/>
+    <dgm:txFillClrLst meth="repeat">
+      <a:schemeClr val="lt1"/>
+    </dgm:txFillClrLst>
+    <dgm:txEffectClrLst/>
+  </dgm:styleLbl>
+  <dgm:styleLbl name="alignImgPlace1">
+    <dgm:fillClrLst meth="repeat">
+      <a:schemeClr val="accent1">
+        <a:tint val="50000"/>
+      </a:schemeClr>
+    </dgm:fillClrLst>
+    <dgm:linClrLst meth="repeat">
+      <a:schemeClr val="lt1"/>
+    </dgm:linClrLst>
+    <dgm:effectClrLst/>
+    <dgm:txLinClrLst/>
+    <dgm:txFillClrLst meth="repeat">
+      <a:schemeClr val="lt1"/>
+    </dgm:txFillClrLst>
+    <dgm:txEffectClrLst/>
+  </dgm:styleLbl>
+  <dgm:styleLbl name="bgImgPlace1">
+    <dgm:fillClrLst meth="repeat">
+      <a:schemeClr val="accent1">
+        <a:tint val="50000"/>
+      </a:schemeClr>
+    </dgm:fillClrLst>
+    <dgm:linClrLst meth="repeat">
+      <a:schemeClr val="lt1"/>
+    </dgm:linClrLst>
+    <dgm:effectClrLst/>
+    <dgm:txLinClrLst/>
+    <dgm:txFillClrLst meth="repeat">
+      <a:schemeClr val="lt1"/>
+    </dgm:txFillClrLst>
+    <dgm:txEffectClrLst/>
+  </dgm:styleLbl>
+  <dgm:styleLbl name="sibTrans2D1">
+    <dgm:fillClrLst meth="repeat">
+      <a:schemeClr val="accent1">
+        <a:tint val="60000"/>
+      </a:schemeClr>
+    </dgm:fillClrLst>
+    <dgm:linClrLst meth="repeat">
+      <a:schemeClr val="accent1">
+        <a:tint val="60000"/>
+      </a:schemeClr>
+    </dgm:linClrLst>
+    <dgm:effectClrLst/>
+    <dgm:txLinClrLst/>
+    <dgm:txFillClrLst/>
+    <dgm:txEffectClrLst/>
+  </dgm:styleLbl>
+  <dgm:styleLbl name="fgSibTrans2D1">
+    <dgm:fillClrLst meth="repeat">
+      <a:schemeClr val="accent1">
+        <a:tint val="60000"/>
+      </a:schemeClr>
+    </dgm:fillClrLst>
+    <dgm:linClrLst meth="repeat">
+      <a:schemeClr val="accent1">
+        <a:tint val="60000"/>
+      </a:schemeClr>
+    </dgm:linClrLst>
+    <dgm:effectClrLst/>
+    <dgm:txLinClrLst/>
+    <dgm:txFillClrLst/>
+    <dgm:txEffectClrLst/>
+  </dgm:styleLbl>
+  <dgm:styleLbl name="bgSibTrans2D1">
+    <dgm:fillClrLst meth="repeat">
+      <a:schemeClr val="accent1">
+        <a:tint val="60000"/>
+      </a:schemeClr>
+    </dgm:fillClrLst>
+    <dgm:linClrLst meth="repeat">
+      <a:schemeClr val="accent1">
+        <a:tint val="60000"/>
+      </a:schemeClr>
+    </dgm:linClrLst>
+    <dgm:effectClrLst/>
+    <dgm:txLinClrLst/>
+    <dgm:txFillClrLst/>
+    <dgm:txEffectClrLst/>
+  </dgm:styleLbl>
+  <dgm:styleLbl name="sibTrans1D1">
+    <dgm:fillClrLst meth="repeat">
+      <a:schemeClr val="accent1"/>
+    </dgm:fillClrLst>
+    <dgm:linClrLst meth="repeat">
+      <a:schemeClr val="accent1"/>
+    </dgm:linClrLst>
+    <dgm:effectClrLst/>
+    <dgm:txLinClrLst/>
+    <dgm:txFillClrLst meth="repeat">
+      <a:schemeClr val="tx1"/>
+    </dgm:txFillClrLst>
+    <dgm:txEffectClrLst/>
+  </dgm:styleLbl>
+  <dgm:styleLbl name="callout">
+    <dgm:fillClrLst meth="repeat">
+      <a:schemeClr val="accent1"/>
+    </dgm:fillClrLst>
+    <dgm:linClrLst meth="repeat">
+      <a:schemeClr val="accent1">
+        <a:tint val="50000"/>
+      </a:schemeClr>
+    </dgm:linClrLst>
+    <dgm:effectClrLst/>
+    <dgm:txLinClrLst/>
+    <dgm:txFillClrLst meth="repeat">
+      <a:schemeClr val="tx1"/>
+    </dgm:txFillClrLst>
+    <dgm:txEffectClrLst/>
+  </dgm:styleLbl>
+  <dgm:styleLbl name="asst0">
+    <dgm:fillClrLst meth="repeat">
+      <a:schemeClr val="accent1"/>
+    </dgm:fillClrLst>
+    <dgm:linClrLst meth="repeat">
+      <a:schemeClr val="lt1"/>
+    </dgm:linClrLst>
+    <dgm:effectClrLst/>
+    <dgm:txLinClrLst/>
+    <dgm:txFillClrLst/>
+    <dgm:txEffectClrLst/>
+  </dgm:styleLbl>
+  <dgm:styleLbl name="asst1">
+    <dgm:fillClrLst meth="repeat">
+      <a:schemeClr val="accent1"/>
+    </dgm:fillClrLst>
+    <dgm:linClrLst meth="repeat">
+      <a:schemeClr val="lt1"/>
+    </dgm:linClrLst>
+    <dgm:effectClrLst/>
+    <dgm:txLinClrLst/>
+    <dgm:txFillClrLst/>
+    <dgm:txEffectClrLst/>
+  </dgm:styleLbl>
+  <dgm:styleLbl name="asst2">
+    <dgm:fillClrLst meth="repeat">
+      <a:schemeClr val="accent1"/>
+    </dgm:fillClrLst>
+    <dgm:linClrLst meth="repeat">
+      <a:schemeClr val="lt1"/>
+    </dgm:linClrLst>
+    <dgm:effectClrLst/>
+    <dgm:txLinClrLst/>
+    <dgm:txFillClrLst/>
+    <dgm:txEffectClrLst/>
+  </dgm:styleLbl>
+  <dgm:styleLbl name="asst3">
+    <dgm:fillClrLst meth="repeat">
+      <a:schemeClr val="accent1"/>
+    </dgm:fillClrLst>
+    <dgm:linClrLst meth="repeat">
+      <a:schemeClr val="lt1"/>
+    </dgm:linClrLst>
+    <dgm:effectClrLst/>
+    <dgm:txLinClrLst/>
+    <dgm:txFillClrLst/>
+    <dgm:txEffectClrLst/>
+  </dgm:styleLbl>
+  <dgm:styleLbl name="asst4">
+    <dgm:fillClrLst meth="repeat">
+      <a:schemeClr val="accent1"/>
+    </dgm:fillClrLst>
+    <dgm:linClrLst meth="repeat">
+      <a:schemeClr val="lt1"/>
+    </dgm:linClrLst>
+    <dgm:effectClrLst/>
+    <dgm:txLinClrLst/>
+    <dgm:txFillClrLst/>
+    <dgm:txEffectClrLst/>
+  </dgm:styleLbl>
+  <dgm:styleLbl name="parChTrans2D1">
+    <dgm:fillClrLst meth="repeat">
+      <a:schemeClr val="accent1">
+        <a:tint val="60000"/>
+      </a:schemeClr>
+    </dgm:fillClrLst>
+    <dgm:linClrLst meth="repeat">
+      <a:schemeClr val="accent1">
+        <a:tint val="60000"/>
+      </a:schemeClr>
+    </dgm:linClrLst>
+    <dgm:effectClrLst/>
+    <dgm:txLinClrLst/>
+    <dgm:txFillClrLst meth="repeat">
+      <a:schemeClr val="lt1"/>
+    </dgm:txFillClrLst>
+    <dgm:txEffectClrLst/>
+  </dgm:styleLbl>
+  <dgm:styleLbl name="parChTrans2D2">
+    <dgm:fillClrLst meth="repeat">
+      <a:schemeClr val="accent1"/>
+    </dgm:fillClrLst>
+    <dgm:linClrLst meth="repeat">
+      <a:schemeClr val="accent1"/>
+    </dgm:linClrLst>
+    <dgm:effectClrLst/>
+    <dgm:txLinClrLst/>
+    <dgm:txFillClrLst meth="repeat">
+      <a:schemeClr val="lt1"/>
+    </dgm:txFillClrLst>
+    <dgm:txEffectClrLst/>
+  </dgm:styleLbl>
+  <dgm:styleLbl name="parChTrans2D3">
+    <dgm:fillClrLst meth="repeat">
+      <a:schemeClr val="accent1"/>
+    </dgm:fillClrLst>
+    <dgm:linClrLst meth="repeat">
+      <a:schemeClr val="accent1"/>
+    </dgm:linClrLst>
+    <dgm:effectClrLst/>
+    <dgm:txLinClrLst/>
+    <dgm:txFillClrLst meth="repeat">
+      <a:schemeClr val="lt1"/>
+    </dgm:txFillClrLst>
+    <dgm:txEffectClrLst/>
+  </dgm:styleLbl>
+  <dgm:styleLbl name="parChTrans2D4">
+    <dgm:fillClrLst meth="repeat">
+      <a:schemeClr val="accent1"/>
+    </dgm:fillClrLst>
+    <dgm:linClrLst meth="repeat">
+      <a:schemeClr val="accent1"/>
+    </dgm:linClrLst>
+    <dgm:effectClrLst/>
+    <dgm:txLinClrLst/>
+    <dgm:txFillClrLst meth="repeat">
+      <a:schemeClr val="lt1"/>
+    </dgm:txFillClrLst>
+    <dgm:txEffectClrLst/>
+  </dgm:styleLbl>
+  <dgm:styleLbl name="parChTrans1D1">
+    <dgm:fillClrLst meth="repeat">
+      <a:schemeClr val="accent1"/>
+    </dgm:fillClrLst>
+    <dgm:linClrLst meth="repeat">
+      <a:schemeClr val="accent1">
+        <a:shade val="60000"/>
+      </a:schemeClr>
+    </dgm:linClrLst>
+    <dgm:effectClrLst/>
+    <dgm:txLinClrLst/>
+    <dgm:txFillClrLst meth="repeat">
+      <a:schemeClr val="tx1"/>
+    </dgm:txFillClrLst>
+    <dgm:txEffectClrLst/>
+  </dgm:styleLbl>
+  <dgm:styleLbl name="parChTrans1D2">
+    <dgm:fillClrLst meth="repeat">
+      <a:schemeClr val="accent1"/>
+    </dgm:fillClrLst>
+    <dgm:linClrLst meth="repeat">
+      <a:schemeClr val="accent1">
+        <a:shade val="60000"/>
+      </a:schemeClr>
+    </dgm:linClrLst>
+    <dgm:effectClrLst/>
+    <dgm:txLinClrLst/>
+    <dgm:txFillClrLst meth="repeat">
+      <a:schemeClr val="tx1"/>
+    </dgm:txFillClrLst>
+    <dgm:txEffectClrLst/>
+  </dgm:styleLbl>
+  <dgm:styleLbl name="parChTrans1D3">
+    <dgm:fillClrLst meth="repeat">
+      <a:schemeClr val="accent1"/>
+    </dgm:fillClrLst>
+    <dgm:linClrLst meth="repeat">
+      <a:schemeClr val="accent1">
+        <a:shade val="80000"/>
+      </a:schemeClr>
+    </dgm:linClrLst>
+    <dgm:effectClrLst/>
+    <dgm:txLinClrLst/>
+    <dgm:txFillClrLst meth="repeat">
+      <a:schemeClr val="tx1"/>
+    </dgm:txFillClrLst>
+    <dgm:txEffectClrLst/>
+  </dgm:styleLbl>
+  <dgm:styleLbl name="parChTrans1D4">
+    <dgm:fillClrLst meth="repeat">
+      <a:schemeClr val="accent1"/>
+    </dgm:fillClrLst>
+    <dgm:linClrLst meth="repeat">
+      <a:schemeClr val="accent1">
+        <a:shade val="80000"/>
+      </a:schemeClr>
+    </dgm:linClrLst>
+    <dgm:effectClrLst/>
+    <dgm:txLinClrLst/>
+    <dgm:txFillClrLst meth="repeat">
+      <a:schemeClr val="tx1"/>
+    </dgm:txFillClrLst>
+    <dgm:txEffectClrLst/>
+  </dgm:styleLbl>
+  <dgm:styleLbl name="fgAcc1">
+    <dgm:fillClrLst meth="repeat">
+      <a:schemeClr val="lt1">
+        <a:alpha val="90000"/>
+      </a:schemeClr>
+    </dgm:fillClrLst>
+    <dgm:linClrLst meth="repeat">
+      <a:schemeClr val="accent1"/>
+    </dgm:linClrLst>
+    <dgm:effectClrLst/>
+    <dgm:txLinClrLst/>
+    <dgm:txFillClrLst meth="repeat">
+      <a:schemeClr val="dk1"/>
+    </dgm:txFillClrLst>
+    <dgm:txEffectClrLst/>
+  </dgm:styleLbl>
+  <dgm:styleLbl name="conFgAcc1">
+    <dgm:fillClrLst meth="repeat">
+      <a:schemeClr val="lt1">
+        <a:alpha val="90000"/>
+      </a:schemeClr>
+    </dgm:fillClrLst>
+    <dgm:linClrLst meth="repeat">
+      <a:schemeClr val="accent1"/>
+    </dgm:linClrLst>
+    <dgm:effectClrLst/>
+    <dgm:txLinClrLst/>
+    <dgm:txFillClrLst meth="repeat">
+      <a:schemeClr val="dk1"/>
+    </dgm:txFillClrLst>
+    <dgm:txEffectClrLst/>
+  </dgm:styleLbl>
+  <dgm:styleLbl name="alignAcc1">
+    <dgm:fillClrLst meth="repeat">
+      <a:schemeClr val="lt1">
+        <a:alpha val="90000"/>
+      </a:schemeClr>
+    </dgm:fillClrLst>
+    <dgm:linClrLst meth="repeat">
+      <a:schemeClr val="accent1"/>
+    </dgm:linClrLst>
+    <dgm:effectClrLst/>
+    <dgm:txLinClrLst/>
+    <dgm:txFillClrLst meth="repeat">
+      <a:schemeClr val="dk1"/>
+    </dgm:txFillClrLst>
+    <dgm:txEffectClrLst/>
+  </dgm:styleLbl>
+  <dgm:styleLbl name="trAlignAcc1">
+    <dgm:fillClrLst meth="repeat">
+      <a:schemeClr val="lt1">
+        <a:alpha val="40000"/>
+      </a:schemeClr>
+    </dgm:fillClrLst>
+    <dgm:linClrLst meth="repeat">
+      <a:schemeClr val="accent1"/>
+    </dgm:linClrLst>
+    <dgm:effectClrLst/>
+    <dgm:txLinClrLst/>
+    <dgm:txFillClrLst meth="repeat">
+      <a:schemeClr val="dk1"/>
+    </dgm:txFillClrLst>
+    <dgm:txEffectClrLst/>
+  </dgm:styleLbl>
+  <dgm:styleLbl name="bgAcc1">
+    <dgm:fillClrLst meth="repeat">
+      <a:schemeClr val="lt1">
+        <a:alpha val="90000"/>
+      </a:schemeClr>
+    </dgm:fillClrLst>
+    <dgm:linClrLst meth="repeat">
+      <a:schemeClr val="accent1"/>
+    </dgm:linClrLst>
+    <dgm:effectClrLst/>
+    <dgm:txLinClrLst/>
+    <dgm:txFillClrLst meth="repeat">
+      <a:schemeClr val="dk1"/>
+    </dgm:txFillClrLst>
+    <dgm:txEffectClrLst/>
+  </dgm:styleLbl>
+  <dgm:styleLbl name="solidFgAcc1">
+    <dgm:fillClrLst meth="repeat">
+      <a:schemeClr val="lt1"/>
+    </dgm:fillClrLst>
+    <dgm:linClrLst meth="repeat">
+      <a:schemeClr val="accent1"/>
+    </dgm:linClrLst>
+    <dgm:effectClrLst/>
+    <dgm:txLinClrLst/>
+    <dgm:txFillClrLst meth="repeat">
+      <a:schemeClr val="dk1"/>
+    </dgm:txFillClrLst>
+    <dgm:txEffectClrLst/>
+  </dgm:styleLbl>
+  <dgm:styleLbl name="solidAlignAcc1">
+    <dgm:fillClrLst meth="repeat">
+      <a:schemeClr val="lt1"/>
+    </dgm:fillClrLst>
+    <dgm:linClrLst meth="repeat">
+      <a:schemeClr val="accent1"/>
+    </dgm:linClrLst>
+    <dgm:effectClrLst/>
+    <dgm:txLinClrLst/>
+    <dgm:txFillClrLst meth="repeat">
+      <a:schemeClr val="dk1"/>
+    </dgm:txFillClrLst>
+    <dgm:txEffectClrLst/>
+  </dgm:styleLbl>
+  <dgm:styleLbl name="solidBgAcc1">
+    <dgm:fillClrLst meth="repeat">
+      <a:schemeClr val="lt1"/>
+    </dgm:fillClrLst>
+    <dgm:linClrLst meth="repeat">
+      <a:schemeClr val="accent1"/>
+    </dgm:linClrLst>
+    <dgm:effectClrLst/>
+    <dgm:txLinClrLst/>
+    <dgm:txFillClrLst meth="repeat">
+      <a:schemeClr val="dk1"/>
+    </dgm:txFillClrLst>
+    <dgm:txEffectClrLst/>
+  </dgm:styleLbl>
+  <dgm:styleLbl name="fgAccFollowNode1">
+    <dgm:fillClrLst meth="repeat">
+      <a:schemeClr val="accent1">
+        <a:alpha val="90000"/>
+        <a:tint val="40000"/>
+      </a:schemeClr>
+    </dgm:fillClrLst>
+    <dgm:linClrLst meth="repeat">
+      <a:schemeClr val="accent1">
+        <a:alpha val="90000"/>
+        <a:tint val="40000"/>
+      </a:schemeClr>
+    </dgm:linClrLst>
+    <dgm:effectClrLst/>
+    <dgm:txLinClrLst/>
+    <dgm:txFillClrLst meth="repeat">
+      <a:schemeClr val="dk1"/>
+    </dgm:txFillClrLst>
+    <dgm:txEffectClrLst/>
+  </dgm:styleLbl>
+  <dgm:styleLbl name="alignAccFollowNode1">
+    <dgm:fillClrLst meth="repeat">
+      <a:schemeClr val="accent1">
+        <a:alpha val="90000"/>
+        <a:tint val="40000"/>
+      </a:schemeClr>
+    </dgm:fillClrLst>
+    <dgm:linClrLst meth="repeat">
+      <a:schemeClr val="accent1">
+        <a:alpha val="90000"/>
+        <a:tint val="40000"/>
+      </a:schemeClr>
+    </dgm:linClrLst>
+    <dgm:effectClrLst/>
+    <dgm:txLinClrLst/>
+    <dgm:txFillClrLst meth="repeat">
+      <a:schemeClr val="dk1"/>
+    </dgm:txFillClrLst>
+    <dgm:txEffectClrLst/>
+  </dgm:styleLbl>
+  <dgm:styleLbl name="bgAccFollowNode1">
+    <dgm:fillClrLst meth="repeat">
+      <a:schemeClr val="accent1">
+        <a:alpha val="90000"/>
+        <a:tint val="40000"/>
+      </a:schemeClr>
+    </dgm:fillClrLst>
+    <dgm:linClrLst meth="repeat">
+      <a:schemeClr val="accent1">
+        <a:alpha val="90000"/>
+        <a:tint val="40000"/>
+      </a:schemeClr>
+    </dgm:linClrLst>
+    <dgm:effectClrLst/>
+    <dgm:txLinClrLst/>
+    <dgm:txFillClrLst meth="repeat">
+      <a:schemeClr val="dk1"/>
+    </dgm:txFillClrLst>
+    <dgm:txEffectClrLst/>
+  </dgm:styleLbl>
+  <dgm:styleLbl name="fgAcc0">
+    <dgm:fillClrLst meth="repeat">
+      <a:schemeClr val="lt1">
+        <a:alpha val="90000"/>
+      </a:schemeClr>
+    </dgm:fillClrLst>
+    <dgm:linClrLst meth="repeat">
+      <a:schemeClr val="accent1"/>
+    </dgm:linClrLst>
+    <dgm:effectClrLst/>
+    <dgm:txLinClrLst/>
+    <dgm:txFillClrLst meth="repeat">
+      <a:schemeClr val="dk1"/>
+    </dgm:txFillClrLst>
+    <dgm:txEffectClrLst/>
+  </dgm:styleLbl>
+  <dgm:styleLbl name="fgAcc2">
+    <dgm:fillClrLst meth="repeat">
+      <a:schemeClr val="lt1">
+        <a:alpha val="90000"/>
+      </a:schemeClr>
+    </dgm:fillClrLst>
+    <dgm:linClrLst meth="repeat">
+      <a:schemeClr val="accent1"/>
+    </dgm:linClrLst>
+    <dgm:effectClrLst/>
+    <dgm:txLinClrLst/>
+    <dgm:txFillClrLst meth="repeat">
+      <a:schemeClr val="dk1"/>
+    </dgm:txFillClrLst>
+    <dgm:txEffectClrLst/>
+  </dgm:styleLbl>
+  <dgm:styleLbl name="fgAcc3">
+    <dgm:fillClrLst meth="repeat">
+      <a:schemeClr val="lt1">
+        <a:alpha val="90000"/>
+      </a:schemeClr>
+    </dgm:fillClrLst>
+    <dgm:linClrLst meth="repeat">
+      <a:schemeClr val="accent1"/>
+    </dgm:linClrLst>
+    <dgm:effectClrLst/>
+    <dgm:txLinClrLst/>
+    <dgm:txFillClrLst meth="repeat">
+      <a:schemeClr val="dk1"/>
+    </dgm:txFillClrLst>
+    <dgm:txEffectClrLst/>
+  </dgm:styleLbl>
+  <dgm:styleLbl name="fgAcc4">
+    <dgm:fillClrLst meth="repeat">
+      <a:schemeClr val="lt1">
+        <a:alpha val="90000"/>
+      </a:schemeClr>
+    </dgm:fillClrLst>
+    <dgm:linClrLst meth="repeat">
+      <a:schemeClr val="accent1"/>
+    </dgm:linClrLst>
+    <dgm:effectClrLst/>
+    <dgm:txLinClrLst/>
+    <dgm:txFillClrLst meth="repeat">
+      <a:schemeClr val="dk1"/>
+    </dgm:txFillClrLst>
+    <dgm:txEffectClrLst/>
+  </dgm:styleLbl>
+  <dgm:styleLbl name="bgShp">
+    <dgm:fillClrLst meth="repeat">
+      <a:schemeClr val="accent1">
+        <a:tint val="40000"/>
+      </a:schemeClr>
+    </dgm:fillClrLst>
+    <dgm:linClrLst meth="repeat">
+      <a:schemeClr val="accent1"/>
+    </dgm:linClrLst>
+    <dgm:effectClrLst/>
+    <dgm:txLinClrLst/>
+    <dgm:txFillClrLst meth="repeat">
+      <a:schemeClr val="dk1"/>
+    </dgm:txFillClrLst>
+    <dgm:txEffectClrLst/>
+  </dgm:styleLbl>
+  <dgm:styleLbl name="dkBgShp">
+    <dgm:fillClrLst meth="repeat">
+      <a:schemeClr val="accent1">
+        <a:shade val="80000"/>
+      </a:schemeClr>
+    </dgm:fillClrLst>
+    <dgm:linClrLst meth="repeat">
+      <a:schemeClr val="accent1"/>
+    </dgm:linClrLst>
+    <dgm:effectClrLst/>
+    <dgm:txLinClrLst/>
+    <dgm:txFillClrLst meth="repeat">
+      <a:schemeClr val="lt1"/>
+    </dgm:txFillClrLst>
+    <dgm:txEffectClrLst/>
+  </dgm:styleLbl>
+  <dgm:styleLbl name="trBgShp">
+    <dgm:fillClrLst meth="repeat">
+      <a:schemeClr val="accent1">
+        <a:tint val="50000"/>
+        <a:alpha val="40000"/>
+      </a:schemeClr>
+    </dgm:fillClrLst>
+    <dgm:linClrLst meth="repeat">
+      <a:schemeClr val="accent1"/>
+    </dgm:linClrLst>
+    <dgm:effectClrLst/>
+    <dgm:txLinClrLst/>
+    <dgm:txFillClrLst meth="repeat">
+      <a:schemeClr val="lt1"/>
+    </dgm:txFillClrLst>
+    <dgm:txEffectClrLst/>
+  </dgm:styleLbl>
+  <dgm:styleLbl name="fgShp">
+    <dgm:fillClrLst meth="repeat">
+      <a:schemeClr val="accent1">
+        <a:tint val="60000"/>
+      </a:schemeClr>
+    </dgm:fillClrLst>
+    <dgm:linClrLst meth="repeat">
+      <a:schemeClr val="lt1"/>
+    </dgm:linClrLst>
+    <dgm:effectClrLst/>
+    <dgm:txLinClrLst/>
+    <dgm:txFillClrLst meth="repeat">
+      <a:schemeClr val="dk1"/>
+    </dgm:txFillClrLst>
+    <dgm:txEffectClrLst/>
+  </dgm:styleLbl>
+  <dgm:styleLbl name="revTx">
+    <dgm:fillClrLst meth="repeat">
+      <a:schemeClr val="lt1">
+        <a:alpha val="0"/>
+      </a:schemeClr>
+    </dgm:fillClrLst>
+    <dgm:linClrLst meth="repeat">
+      <a:schemeClr val="dk1">
+        <a:alpha val="0"/>
+      </a:schemeClr>
+    </dgm:linClrLst>
+    <dgm:effectClrLst/>
+    <dgm:txLinClrLst/>
+    <dgm:txFillClrLst meth="repeat">
+      <a:schemeClr val="tx1"/>
+    </dgm:txFillClrLst>
+    <dgm:txEffectClrLst/>
+  </dgm:styleLbl>
+</dgm:colorsDef>
+</file>
+
+<file path=ppt/diagrams/colors14.xml><?xml version="1.0" encoding="utf-8"?>
 <dgm:colorsDef xmlns:dgm="http://schemas.openxmlformats.org/drawingml/2006/diagram" xmlns:a="http://schemas.openxmlformats.org/drawingml/2006/main" uniqueId="urn:microsoft.com/office/officeart/2005/8/colors/accent1_2">
   <dgm:title val=""/>
   <dgm:desc val=""/>
@@ -11946,6 +12694,89 @@
         </a:p>
       </dgm:t>
     </dgm:pt>
+    <dgm:pt modelId="{FAA287C1-1BC9-443F-BB83-5E9C96921477}" type="pres">
+      <dgm:prSet presAssocID="{806CCEA2-9AB4-4B4E-8669-45AF576BEF58}" presName="linear" presStyleCnt="0">
+        <dgm:presLayoutVars>
+          <dgm:animLvl val="lvl"/>
+          <dgm:resizeHandles val="exact"/>
+        </dgm:presLayoutVars>
+      </dgm:prSet>
+      <dgm:spPr/>
+    </dgm:pt>
+    <dgm:pt modelId="{502E6E80-1C73-4BB5-9171-84C961AE9571}" type="pres">
+      <dgm:prSet presAssocID="{D4A84133-66E4-45D8-8708-467E03F74F03}" presName="parentText" presStyleLbl="node1" presStyleIdx="0" presStyleCnt="3">
+        <dgm:presLayoutVars>
+          <dgm:chMax val="0"/>
+          <dgm:bulletEnabled val="1"/>
+        </dgm:presLayoutVars>
+      </dgm:prSet>
+      <dgm:spPr/>
+    </dgm:pt>
+    <dgm:pt modelId="{BF4E5D5E-424F-4399-BF5D-4A5F1CB34DA6}" type="pres">
+      <dgm:prSet presAssocID="{83B50A68-CD61-434C-8089-364C0E6A451D}" presName="spacer" presStyleCnt="0"/>
+      <dgm:spPr/>
+    </dgm:pt>
+    <dgm:pt modelId="{8A0EE3E2-5811-46C7-BC08-F94EE98CE209}" type="pres">
+      <dgm:prSet presAssocID="{2517557B-9A3D-40EA-B0EF-A67DEF8EB33A}" presName="parentText" presStyleLbl="node1" presStyleIdx="1" presStyleCnt="3">
+        <dgm:presLayoutVars>
+          <dgm:chMax val="0"/>
+          <dgm:bulletEnabled val="1"/>
+        </dgm:presLayoutVars>
+      </dgm:prSet>
+      <dgm:spPr/>
+    </dgm:pt>
+    <dgm:pt modelId="{5158565F-5473-47BF-8840-EBF2C513F492}" type="pres">
+      <dgm:prSet presAssocID="{C62FDA37-6C45-4D81-B286-D08B70AA52DE}" presName="spacer" presStyleCnt="0"/>
+      <dgm:spPr/>
+    </dgm:pt>
+    <dgm:pt modelId="{05B0955A-516D-4A9A-AB42-10B91F3DEDE7}" type="pres">
+      <dgm:prSet presAssocID="{EA84678E-DD50-4098-A758-8BC21DF5FD13}" presName="parentText" presStyleLbl="node1" presStyleIdx="2" presStyleCnt="3">
+        <dgm:presLayoutVars>
+          <dgm:chMax val="0"/>
+          <dgm:bulletEnabled val="1"/>
+        </dgm:presLayoutVars>
+      </dgm:prSet>
+      <dgm:spPr/>
+    </dgm:pt>
+  </dgm:ptLst>
+  <dgm:cxnLst>
+    <dgm:cxn modelId="{C154B75A-BFB8-4E8D-AD0C-2CA11507D9E8}" type="presOf" srcId="{D4A84133-66E4-45D8-8708-467E03F74F03}" destId="{502E6E80-1C73-4BB5-9171-84C961AE9571}" srcOrd="0" destOrd="0" presId="urn:microsoft.com/office/officeart/2005/8/layout/vList2"/>
+    <dgm:cxn modelId="{DA035B83-BE0E-418C-AEA5-817267452CE5}" type="presOf" srcId="{806CCEA2-9AB4-4B4E-8669-45AF576BEF58}" destId="{FAA287C1-1BC9-443F-BB83-5E9C96921477}" srcOrd="0" destOrd="0" presId="urn:microsoft.com/office/officeart/2005/8/layout/vList2"/>
+    <dgm:cxn modelId="{2BB6E18A-6E09-4173-A86B-690B14BA8192}" type="presOf" srcId="{2517557B-9A3D-40EA-B0EF-A67DEF8EB33A}" destId="{8A0EE3E2-5811-46C7-BC08-F94EE98CE209}" srcOrd="0" destOrd="0" presId="urn:microsoft.com/office/officeart/2005/8/layout/vList2"/>
+    <dgm:cxn modelId="{03EFC78C-093E-4B80-879D-93CF61DFCB9C}" srcId="{806CCEA2-9AB4-4B4E-8669-45AF576BEF58}" destId="{2517557B-9A3D-40EA-B0EF-A67DEF8EB33A}" srcOrd="1" destOrd="0" parTransId="{4A37514F-CFF1-4E8F-8F6A-D8F9315F1C50}" sibTransId="{C62FDA37-6C45-4D81-B286-D08B70AA52DE}"/>
+    <dgm:cxn modelId="{736D719A-D58E-4F60-8D83-96E49AADE177}" type="presOf" srcId="{EA84678E-DD50-4098-A758-8BC21DF5FD13}" destId="{05B0955A-516D-4A9A-AB42-10B91F3DEDE7}" srcOrd="0" destOrd="0" presId="urn:microsoft.com/office/officeart/2005/8/layout/vList2"/>
+    <dgm:cxn modelId="{2E0235AA-6F77-4979-BD8A-0CC822A5E5B6}" srcId="{806CCEA2-9AB4-4B4E-8669-45AF576BEF58}" destId="{D4A84133-66E4-45D8-8708-467E03F74F03}" srcOrd="0" destOrd="0" parTransId="{2E42CCB7-14DA-46F9-BCED-53C6CEBD7F2F}" sibTransId="{83B50A68-CD61-434C-8089-364C0E6A451D}"/>
+    <dgm:cxn modelId="{86142CF2-0FAF-4601-BEC8-4A25B595BA76}" srcId="{806CCEA2-9AB4-4B4E-8669-45AF576BEF58}" destId="{EA84678E-DD50-4098-A758-8BC21DF5FD13}" srcOrd="2" destOrd="0" parTransId="{11AC7296-523E-43AA-9416-507F968D7BC2}" sibTransId="{C71D5BC9-A5DB-4F53-A2E8-A1F6C1CF4F06}"/>
+    <dgm:cxn modelId="{2C3E3AF4-B1F4-49F4-97D8-C5D805EFE312}" type="presParOf" srcId="{FAA287C1-1BC9-443F-BB83-5E9C96921477}" destId="{502E6E80-1C73-4BB5-9171-84C961AE9571}" srcOrd="0" destOrd="0" presId="urn:microsoft.com/office/officeart/2005/8/layout/vList2"/>
+    <dgm:cxn modelId="{9F99CD18-E0C3-45F2-A44A-A449D7080C91}" type="presParOf" srcId="{FAA287C1-1BC9-443F-BB83-5E9C96921477}" destId="{BF4E5D5E-424F-4399-BF5D-4A5F1CB34DA6}" srcOrd="1" destOrd="0" presId="urn:microsoft.com/office/officeart/2005/8/layout/vList2"/>
+    <dgm:cxn modelId="{B3E18790-6A28-4AA7-8550-DCF7DAF5C769}" type="presParOf" srcId="{FAA287C1-1BC9-443F-BB83-5E9C96921477}" destId="{8A0EE3E2-5811-46C7-BC08-F94EE98CE209}" srcOrd="2" destOrd="0" presId="urn:microsoft.com/office/officeart/2005/8/layout/vList2"/>
+    <dgm:cxn modelId="{F478F037-7482-40C3-83F7-5D53BFAFB07F}" type="presParOf" srcId="{FAA287C1-1BC9-443F-BB83-5E9C96921477}" destId="{5158565F-5473-47BF-8840-EBF2C513F492}" srcOrd="3" destOrd="0" presId="urn:microsoft.com/office/officeart/2005/8/layout/vList2"/>
+    <dgm:cxn modelId="{83204A82-CA6F-42AF-89A3-4964A21042AA}" type="presParOf" srcId="{FAA287C1-1BC9-443F-BB83-5E9C96921477}" destId="{05B0955A-516D-4A9A-AB42-10B91F3DEDE7}" srcOrd="4" destOrd="0" presId="urn:microsoft.com/office/officeart/2005/8/layout/vList2"/>
+  </dgm:cxnLst>
+  <dgm:bg/>
+  <dgm:whole/>
+  <dgm:extLst>
+    <a:ext uri="http://schemas.microsoft.com/office/drawing/2008/diagram">
+      <dsp:dataModelExt xmlns:dsp="http://schemas.microsoft.com/office/drawing/2008/diagram" relId="rId6" minVer="http://schemas.openxmlformats.org/drawingml/2006/diagram"/>
+    </a:ext>
+  </dgm:extLst>
+</dgm:dataModel>
+</file>
+
+<file path=ppt/diagrams/data14.xml><?xml version="1.0" encoding="utf-8"?>
+<dgm:dataModel xmlns:dgm="http://schemas.openxmlformats.org/drawingml/2006/diagram" xmlns:a="http://schemas.openxmlformats.org/drawingml/2006/main">
+  <dgm:ptLst>
+    <dgm:pt modelId="{806CCEA2-9AB4-4B4E-8669-45AF576BEF58}" type="doc">
+      <dgm:prSet loTypeId="urn:microsoft.com/office/officeart/2005/8/layout/vList2" loCatId="list" qsTypeId="urn:microsoft.com/office/officeart/2005/8/quickstyle/simple1" qsCatId="simple" csTypeId="urn:microsoft.com/office/officeart/2005/8/colors/accent1_2" csCatId="accent1" phldr="1"/>
+      <dgm:spPr/>
+      <dgm:t>
+        <a:bodyPr/>
+        <a:lstStyle/>
+        <a:p>
+          <a:endParaRPr lang="en-US"/>
+        </a:p>
+      </dgm:t>
+    </dgm:pt>
     <dgm:pt modelId="{41525171-7499-4B81-9E2B-AAB97782EB40}">
       <dgm:prSet/>
       <dgm:spPr/>
@@ -12054,6 +12885,42 @@
         </a:p>
       </dgm:t>
     </dgm:pt>
+    <dgm:pt modelId="{66F3F24E-2502-4475-B31F-31DBB694BEFA}">
+      <dgm:prSet/>
+      <dgm:spPr/>
+      <dgm:t>
+        <a:bodyPr/>
+        <a:lstStyle/>
+        <a:p>
+          <a:r>
+            <a:rPr lang="en-US" dirty="0"/>
+            <a:t>Predictions based on the type of clothing item</a:t>
+          </a:r>
+        </a:p>
+      </dgm:t>
+    </dgm:pt>
+    <dgm:pt modelId="{335E3C9C-611C-4221-A994-059FC04183D8}" type="parTrans" cxnId="{BF7BD919-56E7-4090-86E2-31C9E178C9E9}">
+      <dgm:prSet/>
+      <dgm:spPr/>
+      <dgm:t>
+        <a:bodyPr/>
+        <a:lstStyle/>
+        <a:p>
+          <a:endParaRPr lang="it-IT"/>
+        </a:p>
+      </dgm:t>
+    </dgm:pt>
+    <dgm:pt modelId="{803F8129-47DE-4DCB-925A-46B35B2EC28C}" type="sibTrans" cxnId="{BF7BD919-56E7-4090-86E2-31C9E178C9E9}">
+      <dgm:prSet/>
+      <dgm:spPr/>
+      <dgm:t>
+        <a:bodyPr/>
+        <a:lstStyle/>
+        <a:p>
+          <a:endParaRPr lang="it-IT"/>
+        </a:p>
+      </dgm:t>
+    </dgm:pt>
     <dgm:pt modelId="{FAA287C1-1BC9-443F-BB83-5E9C96921477}" type="pres">
       <dgm:prSet presAssocID="{806CCEA2-9AB4-4B4E-8669-45AF576BEF58}" presName="linear" presStyleCnt="0">
         <dgm:presLayoutVars>
@@ -12063,47 +12930,8 @@
       </dgm:prSet>
       <dgm:spPr/>
     </dgm:pt>
-    <dgm:pt modelId="{502E6E80-1C73-4BB5-9171-84C961AE9571}" type="pres">
-      <dgm:prSet presAssocID="{D4A84133-66E4-45D8-8708-467E03F74F03}" presName="parentText" presStyleLbl="node1" presStyleIdx="0" presStyleCnt="6">
-        <dgm:presLayoutVars>
-          <dgm:chMax val="0"/>
-          <dgm:bulletEnabled val="1"/>
-        </dgm:presLayoutVars>
-      </dgm:prSet>
-      <dgm:spPr/>
-    </dgm:pt>
-    <dgm:pt modelId="{BF4E5D5E-424F-4399-BF5D-4A5F1CB34DA6}" type="pres">
-      <dgm:prSet presAssocID="{83B50A68-CD61-434C-8089-364C0E6A451D}" presName="spacer" presStyleCnt="0"/>
-      <dgm:spPr/>
-    </dgm:pt>
-    <dgm:pt modelId="{8A0EE3E2-5811-46C7-BC08-F94EE98CE209}" type="pres">
-      <dgm:prSet presAssocID="{2517557B-9A3D-40EA-B0EF-A67DEF8EB33A}" presName="parentText" presStyleLbl="node1" presStyleIdx="1" presStyleCnt="6">
-        <dgm:presLayoutVars>
-          <dgm:chMax val="0"/>
-          <dgm:bulletEnabled val="1"/>
-        </dgm:presLayoutVars>
-      </dgm:prSet>
-      <dgm:spPr/>
-    </dgm:pt>
-    <dgm:pt modelId="{5158565F-5473-47BF-8840-EBF2C513F492}" type="pres">
-      <dgm:prSet presAssocID="{C62FDA37-6C45-4D81-B286-D08B70AA52DE}" presName="spacer" presStyleCnt="0"/>
-      <dgm:spPr/>
-    </dgm:pt>
-    <dgm:pt modelId="{05B0955A-516D-4A9A-AB42-10B91F3DEDE7}" type="pres">
-      <dgm:prSet presAssocID="{EA84678E-DD50-4098-A758-8BC21DF5FD13}" presName="parentText" presStyleLbl="node1" presStyleIdx="2" presStyleCnt="6">
-        <dgm:presLayoutVars>
-          <dgm:chMax val="0"/>
-          <dgm:bulletEnabled val="1"/>
-        </dgm:presLayoutVars>
-      </dgm:prSet>
-      <dgm:spPr/>
-    </dgm:pt>
-    <dgm:pt modelId="{F3C1FC66-F0BB-47E2-AAFD-FE21AFEAA539}" type="pres">
-      <dgm:prSet presAssocID="{C71D5BC9-A5DB-4F53-A2E8-A1F6C1CF4F06}" presName="spacer" presStyleCnt="0"/>
-      <dgm:spPr/>
-    </dgm:pt>
     <dgm:pt modelId="{E27C790E-A926-4F30-A8D0-9B661315F259}" type="pres">
-      <dgm:prSet presAssocID="{41525171-7499-4B81-9E2B-AAB97782EB40}" presName="parentText" presStyleLbl="node1" presStyleIdx="3" presStyleCnt="6">
+      <dgm:prSet presAssocID="{41525171-7499-4B81-9E2B-AAB97782EB40}" presName="parentText" presStyleLbl="node1" presStyleIdx="0" presStyleCnt="4">
         <dgm:presLayoutVars>
           <dgm:chMax val="0"/>
           <dgm:bulletEnabled val="1"/>
@@ -12116,7 +12944,7 @@
       <dgm:spPr/>
     </dgm:pt>
     <dgm:pt modelId="{599A2CA6-8FD5-47C7-A505-C1D81C739534}" type="pres">
-      <dgm:prSet presAssocID="{AF11A9A6-DD1A-4533-8B1E-C36371540A6D}" presName="parentText" presStyleLbl="node1" presStyleIdx="4" presStyleCnt="6">
+      <dgm:prSet presAssocID="{AF11A9A6-DD1A-4533-8B1E-C36371540A6D}" presName="parentText" presStyleLbl="node1" presStyleIdx="1" presStyleCnt="4">
         <dgm:presLayoutVars>
           <dgm:chMax val="0"/>
           <dgm:bulletEnabled val="1"/>
@@ -12129,7 +12957,20 @@
       <dgm:spPr/>
     </dgm:pt>
     <dgm:pt modelId="{02918C32-07F7-4072-AB64-6C90C4608732}" type="pres">
-      <dgm:prSet presAssocID="{392737F4-50C0-4EDD-A4B5-735FD259EA4C}" presName="parentText" presStyleLbl="node1" presStyleIdx="5" presStyleCnt="6">
+      <dgm:prSet presAssocID="{392737F4-50C0-4EDD-A4B5-735FD259EA4C}" presName="parentText" presStyleLbl="node1" presStyleIdx="2" presStyleCnt="4" custLinFactNeighborX="-300">
+        <dgm:presLayoutVars>
+          <dgm:chMax val="0"/>
+          <dgm:bulletEnabled val="1"/>
+        </dgm:presLayoutVars>
+      </dgm:prSet>
+      <dgm:spPr/>
+    </dgm:pt>
+    <dgm:pt modelId="{F3C69EC6-5005-4928-A0AA-4EA6601ED6C5}" type="pres">
+      <dgm:prSet presAssocID="{0FAA9A59-260F-4432-8690-8C31FE33C8F2}" presName="spacer" presStyleCnt="0"/>
+      <dgm:spPr/>
+    </dgm:pt>
+    <dgm:pt modelId="{34E455B3-7606-41AC-8B27-C1A87E5994F3}" type="pres">
+      <dgm:prSet presAssocID="{66F3F24E-2502-4475-B31F-31DBB694BEFA}" presName="parentText" presStyleLbl="node1" presStyleIdx="3" presStyleCnt="4">
         <dgm:presLayoutVars>
           <dgm:chMax val="0"/>
           <dgm:bulletEnabled val="1"/>
@@ -12139,30 +12980,22 @@
     </dgm:pt>
   </dgm:ptLst>
   <dgm:cxnLst>
-    <dgm:cxn modelId="{995EF600-D3F1-4BC2-A6AC-E2B940B80815}" srcId="{806CCEA2-9AB4-4B4E-8669-45AF576BEF58}" destId="{AF11A9A6-DD1A-4533-8B1E-C36371540A6D}" srcOrd="4" destOrd="0" parTransId="{5C7368CC-BD8E-4D9D-8719-3220FB961AA2}" sibTransId="{B8323A81-C6F2-437B-8873-1A37D2E8D444}"/>
+    <dgm:cxn modelId="{995EF600-D3F1-4BC2-A6AC-E2B940B80815}" srcId="{806CCEA2-9AB4-4B4E-8669-45AF576BEF58}" destId="{AF11A9A6-DD1A-4533-8B1E-C36371540A6D}" srcOrd="1" destOrd="0" parTransId="{5C7368CC-BD8E-4D9D-8719-3220FB961AA2}" sibTransId="{B8323A81-C6F2-437B-8873-1A37D2E8D444}"/>
     <dgm:cxn modelId="{BC95BD09-7052-4007-A7CB-CC7F5FC1FDEA}" type="presOf" srcId="{AF11A9A6-DD1A-4533-8B1E-C36371540A6D}" destId="{599A2CA6-8FD5-47C7-A505-C1D81C739534}" srcOrd="0" destOrd="0" presId="urn:microsoft.com/office/officeart/2005/8/layout/vList2"/>
-    <dgm:cxn modelId="{DB7DA219-5AFA-4CA3-9DBB-38827C345C57}" srcId="{806CCEA2-9AB4-4B4E-8669-45AF576BEF58}" destId="{392737F4-50C0-4EDD-A4B5-735FD259EA4C}" srcOrd="5" destOrd="0" parTransId="{BC5DB26B-8BF7-471B-A879-2C51CAB8C906}" sibTransId="{0FAA9A59-260F-4432-8690-8C31FE33C8F2}"/>
-    <dgm:cxn modelId="{DC68D170-0A22-46AD-A264-48B4BAB6CE79}" srcId="{806CCEA2-9AB4-4B4E-8669-45AF576BEF58}" destId="{41525171-7499-4B81-9E2B-AAB97782EB40}" srcOrd="3" destOrd="0" parTransId="{097C3274-96AD-42FE-B708-E3088A69E3BE}" sibTransId="{C4D8A068-26C5-4262-BFF0-D0BE13C828C3}"/>
+    <dgm:cxn modelId="{DB7DA219-5AFA-4CA3-9DBB-38827C345C57}" srcId="{806CCEA2-9AB4-4B4E-8669-45AF576BEF58}" destId="{392737F4-50C0-4EDD-A4B5-735FD259EA4C}" srcOrd="2" destOrd="0" parTransId="{BC5DB26B-8BF7-471B-A879-2C51CAB8C906}" sibTransId="{0FAA9A59-260F-4432-8690-8C31FE33C8F2}"/>
+    <dgm:cxn modelId="{BF7BD919-56E7-4090-86E2-31C9E178C9E9}" srcId="{806CCEA2-9AB4-4B4E-8669-45AF576BEF58}" destId="{66F3F24E-2502-4475-B31F-31DBB694BEFA}" srcOrd="3" destOrd="0" parTransId="{335E3C9C-611C-4221-A994-059FC04183D8}" sibTransId="{803F8129-47DE-4DCB-925A-46B35B2EC28C}"/>
+    <dgm:cxn modelId="{DC68D170-0A22-46AD-A264-48B4BAB6CE79}" srcId="{806CCEA2-9AB4-4B4E-8669-45AF576BEF58}" destId="{41525171-7499-4B81-9E2B-AAB97782EB40}" srcOrd="0" destOrd="0" parTransId="{097C3274-96AD-42FE-B708-E3088A69E3BE}" sibTransId="{C4D8A068-26C5-4262-BFF0-D0BE13C828C3}"/>
     <dgm:cxn modelId="{2C76FE59-B7B9-4FD6-A6D7-DDD64AB7476C}" type="presOf" srcId="{392737F4-50C0-4EDD-A4B5-735FD259EA4C}" destId="{02918C32-07F7-4072-AB64-6C90C4608732}" srcOrd="0" destOrd="0" presId="urn:microsoft.com/office/officeart/2005/8/layout/vList2"/>
-    <dgm:cxn modelId="{C154B75A-BFB8-4E8D-AD0C-2CA11507D9E8}" type="presOf" srcId="{D4A84133-66E4-45D8-8708-467E03F74F03}" destId="{502E6E80-1C73-4BB5-9171-84C961AE9571}" srcOrd="0" destOrd="0" presId="urn:microsoft.com/office/officeart/2005/8/layout/vList2"/>
     <dgm:cxn modelId="{DA035B83-BE0E-418C-AEA5-817267452CE5}" type="presOf" srcId="{806CCEA2-9AB4-4B4E-8669-45AF576BEF58}" destId="{FAA287C1-1BC9-443F-BB83-5E9C96921477}" srcOrd="0" destOrd="0" presId="urn:microsoft.com/office/officeart/2005/8/layout/vList2"/>
-    <dgm:cxn modelId="{2BB6E18A-6E09-4173-A86B-690B14BA8192}" type="presOf" srcId="{2517557B-9A3D-40EA-B0EF-A67DEF8EB33A}" destId="{8A0EE3E2-5811-46C7-BC08-F94EE98CE209}" srcOrd="0" destOrd="0" presId="urn:microsoft.com/office/officeart/2005/8/layout/vList2"/>
-    <dgm:cxn modelId="{03EFC78C-093E-4B80-879D-93CF61DFCB9C}" srcId="{806CCEA2-9AB4-4B4E-8669-45AF576BEF58}" destId="{2517557B-9A3D-40EA-B0EF-A67DEF8EB33A}" srcOrd="1" destOrd="0" parTransId="{4A37514F-CFF1-4E8F-8F6A-D8F9315F1C50}" sibTransId="{C62FDA37-6C45-4D81-B286-D08B70AA52DE}"/>
-    <dgm:cxn modelId="{736D719A-D58E-4F60-8D83-96E49AADE177}" type="presOf" srcId="{EA84678E-DD50-4098-A758-8BC21DF5FD13}" destId="{05B0955A-516D-4A9A-AB42-10B91F3DEDE7}" srcOrd="0" destOrd="0" presId="urn:microsoft.com/office/officeart/2005/8/layout/vList2"/>
     <dgm:cxn modelId="{8790A5A4-497E-4DB1-AE7F-9207BA8A0B33}" type="presOf" srcId="{41525171-7499-4B81-9E2B-AAB97782EB40}" destId="{E27C790E-A926-4F30-A8D0-9B661315F259}" srcOrd="0" destOrd="0" presId="urn:microsoft.com/office/officeart/2005/8/layout/vList2"/>
-    <dgm:cxn modelId="{2E0235AA-6F77-4979-BD8A-0CC822A5E5B6}" srcId="{806CCEA2-9AB4-4B4E-8669-45AF576BEF58}" destId="{D4A84133-66E4-45D8-8708-467E03F74F03}" srcOrd="0" destOrd="0" parTransId="{2E42CCB7-14DA-46F9-BCED-53C6CEBD7F2F}" sibTransId="{83B50A68-CD61-434C-8089-364C0E6A451D}"/>
-    <dgm:cxn modelId="{86142CF2-0FAF-4601-BEC8-4A25B595BA76}" srcId="{806CCEA2-9AB4-4B4E-8669-45AF576BEF58}" destId="{EA84678E-DD50-4098-A758-8BC21DF5FD13}" srcOrd="2" destOrd="0" parTransId="{11AC7296-523E-43AA-9416-507F968D7BC2}" sibTransId="{C71D5BC9-A5DB-4F53-A2E8-A1F6C1CF4F06}"/>
-    <dgm:cxn modelId="{2C3E3AF4-B1F4-49F4-97D8-C5D805EFE312}" type="presParOf" srcId="{FAA287C1-1BC9-443F-BB83-5E9C96921477}" destId="{502E6E80-1C73-4BB5-9171-84C961AE9571}" srcOrd="0" destOrd="0" presId="urn:microsoft.com/office/officeart/2005/8/layout/vList2"/>
-    <dgm:cxn modelId="{9F99CD18-E0C3-45F2-A44A-A449D7080C91}" type="presParOf" srcId="{FAA287C1-1BC9-443F-BB83-5E9C96921477}" destId="{BF4E5D5E-424F-4399-BF5D-4A5F1CB34DA6}" srcOrd="1" destOrd="0" presId="urn:microsoft.com/office/officeart/2005/8/layout/vList2"/>
-    <dgm:cxn modelId="{B3E18790-6A28-4AA7-8550-DCF7DAF5C769}" type="presParOf" srcId="{FAA287C1-1BC9-443F-BB83-5E9C96921477}" destId="{8A0EE3E2-5811-46C7-BC08-F94EE98CE209}" srcOrd="2" destOrd="0" presId="urn:microsoft.com/office/officeart/2005/8/layout/vList2"/>
-    <dgm:cxn modelId="{F478F037-7482-40C3-83F7-5D53BFAFB07F}" type="presParOf" srcId="{FAA287C1-1BC9-443F-BB83-5E9C96921477}" destId="{5158565F-5473-47BF-8840-EBF2C513F492}" srcOrd="3" destOrd="0" presId="urn:microsoft.com/office/officeart/2005/8/layout/vList2"/>
-    <dgm:cxn modelId="{83204A82-CA6F-42AF-89A3-4964A21042AA}" type="presParOf" srcId="{FAA287C1-1BC9-443F-BB83-5E9C96921477}" destId="{05B0955A-516D-4A9A-AB42-10B91F3DEDE7}" srcOrd="4" destOrd="0" presId="urn:microsoft.com/office/officeart/2005/8/layout/vList2"/>
-    <dgm:cxn modelId="{1C6ECAAE-8683-4FD5-BFB8-F23D86B8A6BD}" type="presParOf" srcId="{FAA287C1-1BC9-443F-BB83-5E9C96921477}" destId="{F3C1FC66-F0BB-47E2-AAFD-FE21AFEAA539}" srcOrd="5" destOrd="0" presId="urn:microsoft.com/office/officeart/2005/8/layout/vList2"/>
-    <dgm:cxn modelId="{972C327C-024B-40AE-AFB2-AB3A467838FB}" type="presParOf" srcId="{FAA287C1-1BC9-443F-BB83-5E9C96921477}" destId="{E27C790E-A926-4F30-A8D0-9B661315F259}" srcOrd="6" destOrd="0" presId="urn:microsoft.com/office/officeart/2005/8/layout/vList2"/>
-    <dgm:cxn modelId="{866C8934-AEC4-4690-9AB4-CDE085733723}" type="presParOf" srcId="{FAA287C1-1BC9-443F-BB83-5E9C96921477}" destId="{4F6EAD86-0DB6-474F-9F7D-AEF4180A8CD2}" srcOrd="7" destOrd="0" presId="urn:microsoft.com/office/officeart/2005/8/layout/vList2"/>
-    <dgm:cxn modelId="{E2D8C356-5DF0-4F00-9352-58628AE09257}" type="presParOf" srcId="{FAA287C1-1BC9-443F-BB83-5E9C96921477}" destId="{599A2CA6-8FD5-47C7-A505-C1D81C739534}" srcOrd="8" destOrd="0" presId="urn:microsoft.com/office/officeart/2005/8/layout/vList2"/>
-    <dgm:cxn modelId="{9E5920B4-5BF2-4036-A99B-C18158FBF35D}" type="presParOf" srcId="{FAA287C1-1BC9-443F-BB83-5E9C96921477}" destId="{7EB8A5CB-B3DA-4020-B1AE-513E21F5974A}" srcOrd="9" destOrd="0" presId="urn:microsoft.com/office/officeart/2005/8/layout/vList2"/>
-    <dgm:cxn modelId="{D7340608-28A5-4CF9-8976-A26A723D0E86}" type="presParOf" srcId="{FAA287C1-1BC9-443F-BB83-5E9C96921477}" destId="{02918C32-07F7-4072-AB64-6C90C4608732}" srcOrd="10" destOrd="0" presId="urn:microsoft.com/office/officeart/2005/8/layout/vList2"/>
+    <dgm:cxn modelId="{B81285DE-D6B2-481D-8953-AABDC19B1FD0}" type="presOf" srcId="{66F3F24E-2502-4475-B31F-31DBB694BEFA}" destId="{34E455B3-7606-41AC-8B27-C1A87E5994F3}" srcOrd="0" destOrd="0" presId="urn:microsoft.com/office/officeart/2005/8/layout/vList2"/>
+    <dgm:cxn modelId="{972C327C-024B-40AE-AFB2-AB3A467838FB}" type="presParOf" srcId="{FAA287C1-1BC9-443F-BB83-5E9C96921477}" destId="{E27C790E-A926-4F30-A8D0-9B661315F259}" srcOrd="0" destOrd="0" presId="urn:microsoft.com/office/officeart/2005/8/layout/vList2"/>
+    <dgm:cxn modelId="{866C8934-AEC4-4690-9AB4-CDE085733723}" type="presParOf" srcId="{FAA287C1-1BC9-443F-BB83-5E9C96921477}" destId="{4F6EAD86-0DB6-474F-9F7D-AEF4180A8CD2}" srcOrd="1" destOrd="0" presId="urn:microsoft.com/office/officeart/2005/8/layout/vList2"/>
+    <dgm:cxn modelId="{E2D8C356-5DF0-4F00-9352-58628AE09257}" type="presParOf" srcId="{FAA287C1-1BC9-443F-BB83-5E9C96921477}" destId="{599A2CA6-8FD5-47C7-A505-C1D81C739534}" srcOrd="2" destOrd="0" presId="urn:microsoft.com/office/officeart/2005/8/layout/vList2"/>
+    <dgm:cxn modelId="{9E5920B4-5BF2-4036-A99B-C18158FBF35D}" type="presParOf" srcId="{FAA287C1-1BC9-443F-BB83-5E9C96921477}" destId="{7EB8A5CB-B3DA-4020-B1AE-513E21F5974A}" srcOrd="3" destOrd="0" presId="urn:microsoft.com/office/officeart/2005/8/layout/vList2"/>
+    <dgm:cxn modelId="{D7340608-28A5-4CF9-8976-A26A723D0E86}" type="presParOf" srcId="{FAA287C1-1BC9-443F-BB83-5E9C96921477}" destId="{02918C32-07F7-4072-AB64-6C90C4608732}" srcOrd="4" destOrd="0" presId="urn:microsoft.com/office/officeart/2005/8/layout/vList2"/>
+    <dgm:cxn modelId="{7130BD47-01E3-4AEB-A38D-9AC170A25FA5}" type="presParOf" srcId="{FAA287C1-1BC9-443F-BB83-5E9C96921477}" destId="{F3C69EC6-5005-4928-A0AA-4EA6601ED6C5}" srcOrd="5" destOrd="0" presId="urn:microsoft.com/office/officeart/2005/8/layout/vList2"/>
+    <dgm:cxn modelId="{B5FF950E-3F9D-4774-AEBB-4FAE4FA01DA3}" type="presParOf" srcId="{FAA287C1-1BC9-443F-BB83-5E9C96921477}" destId="{34E455B3-7606-41AC-8B27-C1A87E5994F3}" srcOrd="6" destOrd="0" presId="urn:microsoft.com/office/officeart/2005/8/layout/vList2"/>
   </dgm:cxnLst>
   <dgm:bg/>
   <dgm:whole/>
@@ -16622,8 +17455,8 @@
       </dsp:nvSpPr>
       <dsp:spPr>
         <a:xfrm>
-          <a:off x="0" y="113579"/>
-          <a:ext cx="6454987" cy="596700"/>
+          <a:off x="0" y="48284"/>
+          <a:ext cx="6454987" cy="1264770"/>
         </a:xfrm>
         <a:prstGeom prst="roundRect">
           <a:avLst/>
@@ -16664,12 +17497,12 @@
         </a:fontRef>
       </dsp:style>
       <dsp:txBody>
-        <a:bodyPr spcFirstLastPara="0" vert="horz" wrap="square" lIns="57150" tIns="57150" rIns="57150" bIns="57150" numCol="1" spcCol="1270" anchor="ctr" anchorCtr="0">
+        <a:bodyPr spcFirstLastPara="0" vert="horz" wrap="square" lIns="87630" tIns="87630" rIns="87630" bIns="87630" numCol="1" spcCol="1270" anchor="ctr" anchorCtr="0">
           <a:noAutofit/>
         </a:bodyPr>
         <a:lstStyle/>
         <a:p>
-          <a:pPr marL="0" lvl="0" indent="0" algn="l" defTabSz="666750">
+          <a:pPr marL="0" lvl="0" indent="0" algn="l" defTabSz="1022350">
             <a:lnSpc>
               <a:spcPct val="90000"/>
             </a:lnSpc>
@@ -16682,24 +17515,24 @@
             <a:buNone/>
           </a:pPr>
           <a:r>
-            <a:rPr lang="en-US" sz="1500" kern="1200" dirty="0"/>
+            <a:rPr lang="en-US" sz="2300" kern="1200" dirty="0"/>
             <a:t>AI, ML and DL (Recurrent neural networks) </a:t>
           </a:r>
           <a:r>
-            <a:rPr lang="en-US" sz="1500" kern="1200" dirty="0">
+            <a:rPr lang="en-US" sz="2300" kern="1200" dirty="0">
               <a:sym typeface="Wingdings" panose="05000000000000000000" pitchFamily="2" charset="2"/>
             </a:rPr>
             <a:t></a:t>
           </a:r>
           <a:r>
-            <a:rPr lang="en-US" sz="1500" kern="1200" dirty="0"/>
+            <a:rPr lang="en-US" sz="2300" kern="1200" dirty="0"/>
             <a:t> predict drying times with a correlation to the environment</a:t>
           </a:r>
         </a:p>
       </dsp:txBody>
       <dsp:txXfrm>
-        <a:off x="29128" y="142707"/>
-        <a:ext cx="6396731" cy="538444"/>
+        <a:off x="61741" y="110025"/>
+        <a:ext cx="6331505" cy="1141288"/>
       </dsp:txXfrm>
     </dsp:sp>
     <dsp:sp modelId="{8A0EE3E2-5811-46C7-BC08-F94EE98CE209}">
@@ -16709,8 +17542,8 @@
       </dsp:nvSpPr>
       <dsp:spPr>
         <a:xfrm>
-          <a:off x="0" y="753479"/>
-          <a:ext cx="6454987" cy="596700"/>
+          <a:off x="0" y="1379295"/>
+          <a:ext cx="6454987" cy="1264770"/>
         </a:xfrm>
         <a:prstGeom prst="roundRect">
           <a:avLst/>
@@ -16751,12 +17584,12 @@
         </a:fontRef>
       </dsp:style>
       <dsp:txBody>
-        <a:bodyPr spcFirstLastPara="0" vert="horz" wrap="square" lIns="57150" tIns="57150" rIns="57150" bIns="57150" numCol="1" spcCol="1270" anchor="ctr" anchorCtr="0">
+        <a:bodyPr spcFirstLastPara="0" vert="horz" wrap="square" lIns="87630" tIns="87630" rIns="87630" bIns="87630" numCol="1" spcCol="1270" anchor="ctr" anchorCtr="0">
           <a:noAutofit/>
         </a:bodyPr>
         <a:lstStyle/>
         <a:p>
-          <a:pPr marL="0" lvl="0" indent="0" algn="l" defTabSz="666750">
+          <a:pPr marL="0" lvl="0" indent="0" algn="l" defTabSz="1022350">
             <a:lnSpc>
               <a:spcPct val="90000"/>
             </a:lnSpc>
@@ -16769,14 +17602,14 @@
             <a:buNone/>
           </a:pPr>
           <a:r>
-            <a:rPr lang="en-US" sz="1500" kern="1200"/>
+            <a:rPr lang="en-US" sz="2300" kern="1200"/>
             <a:t>Integration of other AWS services for Artificial Intelligence and Internet of Things</a:t>
           </a:r>
         </a:p>
       </dsp:txBody>
       <dsp:txXfrm>
-        <a:off x="29128" y="782607"/>
-        <a:ext cx="6396731" cy="538444"/>
+        <a:off x="61741" y="1441036"/>
+        <a:ext cx="6331505" cy="1141288"/>
       </dsp:txXfrm>
     </dsp:sp>
     <dsp:sp modelId="{05B0955A-516D-4A9A-AB42-10B91F3DEDE7}">
@@ -16786,8 +17619,8 @@
       </dsp:nvSpPr>
       <dsp:spPr>
         <a:xfrm>
-          <a:off x="0" y="1393379"/>
-          <a:ext cx="6454987" cy="596700"/>
+          <a:off x="0" y="2710305"/>
+          <a:ext cx="6454987" cy="1264770"/>
         </a:xfrm>
         <a:prstGeom prst="roundRect">
           <a:avLst/>
@@ -16828,12 +17661,12 @@
         </a:fontRef>
       </dsp:style>
       <dsp:txBody>
-        <a:bodyPr spcFirstLastPara="0" vert="horz" wrap="square" lIns="57150" tIns="57150" rIns="57150" bIns="57150" numCol="1" spcCol="1270" anchor="ctr" anchorCtr="0">
+        <a:bodyPr spcFirstLastPara="0" vert="horz" wrap="square" lIns="87630" tIns="87630" rIns="87630" bIns="87630" numCol="1" spcCol="1270" anchor="ctr" anchorCtr="0">
           <a:noAutofit/>
         </a:bodyPr>
         <a:lstStyle/>
         <a:p>
-          <a:pPr marL="0" lvl="0" indent="0" algn="l" defTabSz="666750">
+          <a:pPr marL="0" lvl="0" indent="0" algn="l" defTabSz="1022350">
             <a:lnSpc>
               <a:spcPct val="90000"/>
             </a:lnSpc>
@@ -16846,16 +17679,28 @@
             <a:buNone/>
           </a:pPr>
           <a:r>
-            <a:rPr lang="en-US" sz="1500" kern="1200" dirty="0"/>
+            <a:rPr lang="en-US" sz="2300" kern="1200" dirty="0"/>
             <a:t>New functionalities for the mobile application to give more reliable information, security and privacy of the sensible data</a:t>
           </a:r>
         </a:p>
       </dsp:txBody>
       <dsp:txXfrm>
-        <a:off x="29128" y="1422507"/>
-        <a:ext cx="6396731" cy="538444"/>
+        <a:off x="61741" y="2772046"/>
+        <a:ext cx="6331505" cy="1141288"/>
       </dsp:txXfrm>
     </dsp:sp>
+  </dsp:spTree>
+</dsp:drawing>
+</file>
+
+<file path=ppt/diagrams/drawing14.xml><?xml version="1.0" encoding="utf-8"?>
+<dsp:drawing xmlns:dgm="http://schemas.openxmlformats.org/drawingml/2006/diagram" xmlns:dsp="http://schemas.microsoft.com/office/drawing/2008/diagram" xmlns:a="http://schemas.openxmlformats.org/drawingml/2006/main">
+  <dsp:spTree>
+    <dsp:nvGrpSpPr>
+      <dsp:cNvPr id="0" name=""/>
+      <dsp:cNvGrpSpPr/>
+    </dsp:nvGrpSpPr>
+    <dsp:grpSpPr/>
     <dsp:sp modelId="{E27C790E-A926-4F30-A8D0-9B661315F259}">
       <dsp:nvSpPr>
         <dsp:cNvPr id="0" name=""/>
@@ -16863,8 +17708,8 @@
       </dsp:nvSpPr>
       <dsp:spPr>
         <a:xfrm>
-          <a:off x="0" y="2033280"/>
-          <a:ext cx="6454987" cy="596700"/>
+          <a:off x="0" y="417642"/>
+          <a:ext cx="6440179" cy="755820"/>
         </a:xfrm>
         <a:prstGeom prst="roundRect">
           <a:avLst/>
@@ -16905,12 +17750,12 @@
         </a:fontRef>
       </dsp:style>
       <dsp:txBody>
-        <a:bodyPr spcFirstLastPara="0" vert="horz" wrap="square" lIns="57150" tIns="57150" rIns="57150" bIns="57150" numCol="1" spcCol="1270" anchor="ctr" anchorCtr="0">
+        <a:bodyPr spcFirstLastPara="0" vert="horz" wrap="square" lIns="72390" tIns="72390" rIns="72390" bIns="72390" numCol="1" spcCol="1270" anchor="ctr" anchorCtr="0">
           <a:noAutofit/>
         </a:bodyPr>
         <a:lstStyle/>
         <a:p>
-          <a:pPr marL="0" lvl="0" indent="0" algn="l" defTabSz="666750">
+          <a:pPr marL="0" lvl="0" indent="0" algn="l" defTabSz="844550">
             <a:lnSpc>
               <a:spcPct val="90000"/>
             </a:lnSpc>
@@ -16923,14 +17768,14 @@
             <a:buNone/>
           </a:pPr>
           <a:r>
-            <a:rPr lang="en-US" sz="1500" kern="1200" dirty="0"/>
+            <a:rPr lang="en-US" sz="1900" kern="1200" dirty="0"/>
             <a:t>Waterproof system evolution, usage of smart sensors for collecting data and multiple concurrent drying cycles for user</a:t>
           </a:r>
         </a:p>
       </dsp:txBody>
       <dsp:txXfrm>
-        <a:off x="29128" y="2062408"/>
-        <a:ext cx="6396731" cy="538444"/>
+        <a:off x="36896" y="454538"/>
+        <a:ext cx="6366387" cy="682028"/>
       </dsp:txXfrm>
     </dsp:sp>
     <dsp:sp modelId="{599A2CA6-8FD5-47C7-A505-C1D81C739534}">
@@ -16940,8 +17785,8 @@
       </dsp:nvSpPr>
       <dsp:spPr>
         <a:xfrm>
-          <a:off x="0" y="2673180"/>
-          <a:ext cx="6454987" cy="596700"/>
+          <a:off x="0" y="1228182"/>
+          <a:ext cx="6440179" cy="755820"/>
         </a:xfrm>
         <a:prstGeom prst="roundRect">
           <a:avLst/>
@@ -16982,12 +17827,12 @@
         </a:fontRef>
       </dsp:style>
       <dsp:txBody>
-        <a:bodyPr spcFirstLastPara="0" vert="horz" wrap="square" lIns="57150" tIns="57150" rIns="57150" bIns="57150" numCol="1" spcCol="1270" anchor="ctr" anchorCtr="0">
+        <a:bodyPr spcFirstLastPara="0" vert="horz" wrap="square" lIns="72390" tIns="72390" rIns="72390" bIns="72390" numCol="1" spcCol="1270" anchor="ctr" anchorCtr="0">
           <a:noAutofit/>
         </a:bodyPr>
         <a:lstStyle/>
         <a:p>
-          <a:pPr marL="0" lvl="0" indent="0" algn="l" defTabSz="666750">
+          <a:pPr marL="0" lvl="0" indent="0" algn="l" defTabSz="844550">
             <a:lnSpc>
               <a:spcPct val="90000"/>
             </a:lnSpc>
@@ -17000,14 +17845,14 @@
             <a:buNone/>
           </a:pPr>
           <a:r>
-            <a:rPr lang="en-US" sz="1500" kern="1200" dirty="0"/>
+            <a:rPr lang="en-US" sz="1900" kern="1200" dirty="0"/>
             <a:t>Wireless connections</a:t>
           </a:r>
         </a:p>
       </dsp:txBody>
       <dsp:txXfrm>
-        <a:off x="29128" y="2702308"/>
-        <a:ext cx="6396731" cy="538444"/>
+        <a:off x="36896" y="1265078"/>
+        <a:ext cx="6366387" cy="682028"/>
       </dsp:txXfrm>
     </dsp:sp>
     <dsp:sp modelId="{02918C32-07F7-4072-AB64-6C90C4608732}">
@@ -17017,8 +17862,8 @@
       </dsp:nvSpPr>
       <dsp:spPr>
         <a:xfrm>
-          <a:off x="0" y="3313080"/>
-          <a:ext cx="6454987" cy="596700"/>
+          <a:off x="0" y="2038722"/>
+          <a:ext cx="6440179" cy="755820"/>
         </a:xfrm>
         <a:prstGeom prst="roundRect">
           <a:avLst/>
@@ -17059,12 +17904,12 @@
         </a:fontRef>
       </dsp:style>
       <dsp:txBody>
-        <a:bodyPr spcFirstLastPara="0" vert="horz" wrap="square" lIns="57150" tIns="57150" rIns="57150" bIns="57150" numCol="1" spcCol="1270" anchor="ctr" anchorCtr="0">
+        <a:bodyPr spcFirstLastPara="0" vert="horz" wrap="square" lIns="72390" tIns="72390" rIns="72390" bIns="72390" numCol="1" spcCol="1270" anchor="ctr" anchorCtr="0">
           <a:noAutofit/>
         </a:bodyPr>
         <a:lstStyle/>
         <a:p>
-          <a:pPr marL="0" lvl="0" indent="0" algn="l" defTabSz="666750">
+          <a:pPr marL="0" lvl="0" indent="0" algn="l" defTabSz="844550">
             <a:lnSpc>
               <a:spcPct val="90000"/>
             </a:lnSpc>
@@ -17077,14 +17922,91 @@
             <a:buNone/>
           </a:pPr>
           <a:r>
-            <a:rPr lang="en-US" sz="1500" kern="1200" dirty="0"/>
+            <a:rPr lang="en-US" sz="1900" kern="1200" dirty="0"/>
             <a:t>Improve scalability and performances of Flask Restful APIs</a:t>
           </a:r>
         </a:p>
       </dsp:txBody>
       <dsp:txXfrm>
-        <a:off x="29128" y="3342208"/>
-        <a:ext cx="6396731" cy="538444"/>
+        <a:off x="36896" y="2075618"/>
+        <a:ext cx="6366387" cy="682028"/>
+      </dsp:txXfrm>
+    </dsp:sp>
+    <dsp:sp modelId="{34E455B3-7606-41AC-8B27-C1A87E5994F3}">
+      <dsp:nvSpPr>
+        <dsp:cNvPr id="0" name=""/>
+        <dsp:cNvSpPr/>
+      </dsp:nvSpPr>
+      <dsp:spPr>
+        <a:xfrm>
+          <a:off x="0" y="2849262"/>
+          <a:ext cx="6440179" cy="755820"/>
+        </a:xfrm>
+        <a:prstGeom prst="roundRect">
+          <a:avLst/>
+        </a:prstGeom>
+        <a:solidFill>
+          <a:schemeClr val="accent1">
+            <a:hueOff val="0"/>
+            <a:satOff val="0"/>
+            <a:lumOff val="0"/>
+            <a:alphaOff val="0"/>
+          </a:schemeClr>
+        </a:solidFill>
+        <a:ln w="15875" cap="flat" cmpd="sng" algn="ctr">
+          <a:solidFill>
+            <a:schemeClr val="lt1">
+              <a:hueOff val="0"/>
+              <a:satOff val="0"/>
+              <a:lumOff val="0"/>
+              <a:alphaOff val="0"/>
+            </a:schemeClr>
+          </a:solidFill>
+          <a:prstDash val="solid"/>
+        </a:ln>
+        <a:effectLst/>
+      </dsp:spPr>
+      <dsp:style>
+        <a:lnRef idx="2">
+          <a:scrgbClr r="0" g="0" b="0"/>
+        </a:lnRef>
+        <a:fillRef idx="1">
+          <a:scrgbClr r="0" g="0" b="0"/>
+        </a:fillRef>
+        <a:effectRef idx="0">
+          <a:scrgbClr r="0" g="0" b="0"/>
+        </a:effectRef>
+        <a:fontRef idx="minor">
+          <a:schemeClr val="lt1"/>
+        </a:fontRef>
+      </dsp:style>
+      <dsp:txBody>
+        <a:bodyPr spcFirstLastPara="0" vert="horz" wrap="square" lIns="72390" tIns="72390" rIns="72390" bIns="72390" numCol="1" spcCol="1270" anchor="ctr" anchorCtr="0">
+          <a:noAutofit/>
+        </a:bodyPr>
+        <a:lstStyle/>
+        <a:p>
+          <a:pPr marL="0" lvl="0" indent="0" algn="l" defTabSz="844550">
+            <a:lnSpc>
+              <a:spcPct val="90000"/>
+            </a:lnSpc>
+            <a:spcBef>
+              <a:spcPct val="0"/>
+            </a:spcBef>
+            <a:spcAft>
+              <a:spcPct val="35000"/>
+            </a:spcAft>
+            <a:buNone/>
+          </a:pPr>
+          <a:r>
+            <a:rPr lang="en-US" sz="1900" kern="1200" dirty="0"/>
+            <a:t>Predictions based on the type of clothing item</a:t>
+          </a:r>
+        </a:p>
+      </dsp:txBody>
+      <dsp:txXfrm>
+        <a:off x="36896" y="2886158"/>
+        <a:ext cx="6366387" cy="682028"/>
       </dsp:txXfrm>
     </dsp:sp>
   </dsp:spTree>
@@ -21102,6 +22024,173 @@
 </dgm:layoutDef>
 </file>
 
+<file path=ppt/diagrams/layout14.xml><?xml version="1.0" encoding="utf-8"?>
+<dgm:layoutDef xmlns:dgm="http://schemas.openxmlformats.org/drawingml/2006/diagram" xmlns:a="http://schemas.openxmlformats.org/drawingml/2006/main" uniqueId="urn:microsoft.com/office/officeart/2005/8/layout/vList2">
+  <dgm:title val=""/>
+  <dgm:desc val=""/>
+  <dgm:catLst>
+    <dgm:cat type="list" pri="3000"/>
+    <dgm:cat type="convert" pri="1000"/>
+  </dgm:catLst>
+  <dgm:sampData>
+    <dgm:dataModel>
+      <dgm:ptLst>
+        <dgm:pt modelId="0" type="doc"/>
+        <dgm:pt modelId="1">
+          <dgm:prSet phldr="1"/>
+        </dgm:pt>
+        <dgm:pt modelId="11">
+          <dgm:prSet phldr="1"/>
+        </dgm:pt>
+        <dgm:pt modelId="2">
+          <dgm:prSet phldr="1"/>
+        </dgm:pt>
+        <dgm:pt modelId="21">
+          <dgm:prSet phldr="1"/>
+        </dgm:pt>
+      </dgm:ptLst>
+      <dgm:cxnLst>
+        <dgm:cxn modelId="4" srcId="0" destId="1" srcOrd="0" destOrd="0"/>
+        <dgm:cxn modelId="5" srcId="0" destId="2" srcOrd="1" destOrd="0"/>
+        <dgm:cxn modelId="12" srcId="1" destId="11" srcOrd="0" destOrd="0"/>
+        <dgm:cxn modelId="23" srcId="2" destId="21" srcOrd="0" destOrd="0"/>
+      </dgm:cxnLst>
+      <dgm:bg/>
+      <dgm:whole/>
+    </dgm:dataModel>
+  </dgm:sampData>
+  <dgm:styleData>
+    <dgm:dataModel>
+      <dgm:ptLst>
+        <dgm:pt modelId="0" type="doc"/>
+        <dgm:pt modelId="1"/>
+        <dgm:pt modelId="2"/>
+      </dgm:ptLst>
+      <dgm:cxnLst>
+        <dgm:cxn modelId="3" srcId="0" destId="1" srcOrd="0" destOrd="0"/>
+        <dgm:cxn modelId="4" srcId="0" destId="2" srcOrd="1" destOrd="0"/>
+      </dgm:cxnLst>
+      <dgm:bg/>
+      <dgm:whole/>
+    </dgm:dataModel>
+  </dgm:styleData>
+  <dgm:clrData>
+    <dgm:dataModel>
+      <dgm:ptLst>
+        <dgm:pt modelId="0" type="doc"/>
+        <dgm:pt modelId="1"/>
+        <dgm:pt modelId="2"/>
+        <dgm:pt modelId="3"/>
+        <dgm:pt modelId="4"/>
+      </dgm:ptLst>
+      <dgm:cxnLst>
+        <dgm:cxn modelId="5" srcId="0" destId="1" srcOrd="0" destOrd="0"/>
+        <dgm:cxn modelId="6" srcId="0" destId="2" srcOrd="1" destOrd="0"/>
+        <dgm:cxn modelId="7" srcId="0" destId="3" srcOrd="2" destOrd="0"/>
+        <dgm:cxn modelId="8" srcId="0" destId="4" srcOrd="3" destOrd="0"/>
+      </dgm:cxnLst>
+      <dgm:bg/>
+      <dgm:whole/>
+    </dgm:dataModel>
+  </dgm:clrData>
+  <dgm:layoutNode name="linear">
+    <dgm:varLst>
+      <dgm:animLvl val="lvl"/>
+      <dgm:resizeHandles val="exact"/>
+    </dgm:varLst>
+    <dgm:alg type="lin">
+      <dgm:param type="linDir" val="fromT"/>
+      <dgm:param type="vertAlign" val="mid"/>
+    </dgm:alg>
+    <dgm:shape xmlns:r="http://schemas.openxmlformats.org/officeDocument/2006/relationships" r:blip="">
+      <dgm:adjLst/>
+    </dgm:shape>
+    <dgm:presOf/>
+    <dgm:constrLst>
+      <dgm:constr type="w" for="ch" forName="parentText" refType="w"/>
+      <dgm:constr type="h" for="ch" forName="parentText" refType="primFontSz" refFor="ch" refForName="parentText" fact="0.52"/>
+      <dgm:constr type="w" for="ch" forName="childText" refType="w"/>
+      <dgm:constr type="h" for="ch" forName="childText" refType="primFontSz" refFor="ch" refForName="parentText" fact="0.46"/>
+      <dgm:constr type="h" for="ch" forName="parentText" op="equ"/>
+      <dgm:constr type="primFontSz" for="ch" forName="parentText" op="equ" val="65"/>
+      <dgm:constr type="primFontSz" for="ch" forName="childText" refType="primFontSz" refFor="ch" refForName="parentText" op="equ"/>
+      <dgm:constr type="h" for="ch" forName="spacer" refType="primFontSz" refFor="ch" refForName="parentText" fact="0.08"/>
+    </dgm:constrLst>
+    <dgm:ruleLst>
+      <dgm:rule type="primFontSz" for="ch" forName="parentText" val="5" fact="NaN" max="NaN"/>
+    </dgm:ruleLst>
+    <dgm:forEach name="Name0" axis="ch" ptType="node">
+      <dgm:layoutNode name="parentText" styleLbl="node1">
+        <dgm:varLst>
+          <dgm:chMax val="0"/>
+          <dgm:bulletEnabled val="1"/>
+        </dgm:varLst>
+        <dgm:alg type="tx">
+          <dgm:param type="parTxLTRAlign" val="l"/>
+          <dgm:param type="parTxRTLAlign" val="r"/>
+        </dgm:alg>
+        <dgm:shape xmlns:r="http://schemas.openxmlformats.org/officeDocument/2006/relationships" type="roundRect" r:blip="">
+          <dgm:adjLst/>
+        </dgm:shape>
+        <dgm:presOf axis="self"/>
+        <dgm:constrLst>
+          <dgm:constr type="tMarg" refType="primFontSz" fact="0.3"/>
+          <dgm:constr type="bMarg" refType="primFontSz" fact="0.3"/>
+          <dgm:constr type="lMarg" refType="primFontSz" fact="0.3"/>
+          <dgm:constr type="rMarg" refType="primFontSz" fact="0.3"/>
+        </dgm:constrLst>
+        <dgm:ruleLst>
+          <dgm:rule type="h" val="INF" fact="NaN" max="NaN"/>
+        </dgm:ruleLst>
+      </dgm:layoutNode>
+      <dgm:choose name="Name1">
+        <dgm:if name="Name2" axis="ch" ptType="node" func="cnt" op="gte" val="1">
+          <dgm:layoutNode name="childText" styleLbl="revTx">
+            <dgm:varLst>
+              <dgm:bulletEnabled val="1"/>
+            </dgm:varLst>
+            <dgm:alg type="tx">
+              <dgm:param type="stBulletLvl" val="1"/>
+              <dgm:param type="lnSpAfChP" val="20"/>
+            </dgm:alg>
+            <dgm:shape xmlns:r="http://schemas.openxmlformats.org/officeDocument/2006/relationships" type="rect" r:blip="">
+              <dgm:adjLst/>
+            </dgm:shape>
+            <dgm:presOf axis="des" ptType="node"/>
+            <dgm:constrLst>
+              <dgm:constr type="tMarg" refType="primFontSz" fact="0.1"/>
+              <dgm:constr type="bMarg" refType="primFontSz" fact="0.1"/>
+              <dgm:constr type="lMarg" refType="w" fact="0.09"/>
+            </dgm:constrLst>
+            <dgm:ruleLst>
+              <dgm:rule type="h" val="INF" fact="NaN" max="NaN"/>
+            </dgm:ruleLst>
+          </dgm:layoutNode>
+        </dgm:if>
+        <dgm:else name="Name3">
+          <dgm:choose name="Name4">
+            <dgm:if name="Name5" axis="par ch" ptType="doc node" func="cnt" op="gte" val="2">
+              <dgm:forEach name="Name6" axis="followSib" ptType="sibTrans" cnt="1">
+                <dgm:layoutNode name="spacer">
+                  <dgm:alg type="sp"/>
+                  <dgm:shape xmlns:r="http://schemas.openxmlformats.org/officeDocument/2006/relationships" r:blip="">
+                    <dgm:adjLst/>
+                  </dgm:shape>
+                  <dgm:presOf/>
+                  <dgm:constrLst/>
+                  <dgm:ruleLst/>
+                </dgm:layoutNode>
+              </dgm:forEach>
+            </dgm:if>
+            <dgm:else name="Name7"/>
+          </dgm:choose>
+        </dgm:else>
+      </dgm:choose>
+    </dgm:forEach>
+  </dgm:layoutNode>
+</dgm:layoutDef>
+</file>
+
 <file path=ppt/diagrams/layout2.xml><?xml version="1.0" encoding="utf-8"?>
 <dgm:layoutDef xmlns:dgm="http://schemas.openxmlformats.org/drawingml/2006/diagram" xmlns:a="http://schemas.openxmlformats.org/drawingml/2006/main" uniqueId="urn:microsoft.com/office/officeart/2005/8/layout/hierarchy1">
   <dgm:title val=""/>
@@ -27144,6 +28233,1040 @@
 </file>
 
 <file path=ppt/diagrams/quickStyle13.xml><?xml version="1.0" encoding="utf-8"?>
+<dgm:styleDef xmlns:dgm="http://schemas.openxmlformats.org/drawingml/2006/diagram" xmlns:a="http://schemas.openxmlformats.org/drawingml/2006/main" uniqueId="urn:microsoft.com/office/officeart/2005/8/quickstyle/simple1">
+  <dgm:title val=""/>
+  <dgm:desc val=""/>
+  <dgm:catLst>
+    <dgm:cat type="simple" pri="10100"/>
+  </dgm:catLst>
+  <dgm:scene3d>
+    <a:camera prst="orthographicFront"/>
+    <a:lightRig rig="threePt" dir="t"/>
+  </dgm:scene3d>
+  <dgm:styleLbl name="node0">
+    <dgm:scene3d>
+      <a:camera prst="orthographicFront"/>
+      <a:lightRig rig="threePt" dir="t"/>
+    </dgm:scene3d>
+    <dgm:sp3d/>
+    <dgm:txPr/>
+    <dgm:style>
+      <a:lnRef idx="2">
+        <a:scrgbClr r="0" g="0" b="0"/>
+      </a:lnRef>
+      <a:fillRef idx="1">
+        <a:scrgbClr r="0" g="0" b="0"/>
+      </a:fillRef>
+      <a:effectRef idx="0">
+        <a:scrgbClr r="0" g="0" b="0"/>
+      </a:effectRef>
+      <a:fontRef idx="minor">
+        <a:schemeClr val="lt1"/>
+      </a:fontRef>
+    </dgm:style>
+  </dgm:styleLbl>
+  <dgm:styleLbl name="lnNode1">
+    <dgm:scene3d>
+      <a:camera prst="orthographicFront"/>
+      <a:lightRig rig="threePt" dir="t"/>
+    </dgm:scene3d>
+    <dgm:sp3d/>
+    <dgm:txPr/>
+    <dgm:style>
+      <a:lnRef idx="2">
+        <a:scrgbClr r="0" g="0" b="0"/>
+      </a:lnRef>
+      <a:fillRef idx="1">
+        <a:scrgbClr r="0" g="0" b="0"/>
+      </a:fillRef>
+      <a:effectRef idx="0">
+        <a:scrgbClr r="0" g="0" b="0"/>
+      </a:effectRef>
+      <a:fontRef idx="minor">
+        <a:schemeClr val="lt1"/>
+      </a:fontRef>
+    </dgm:style>
+  </dgm:styleLbl>
+  <dgm:styleLbl name="vennNode1">
+    <dgm:scene3d>
+      <a:camera prst="orthographicFront"/>
+      <a:lightRig rig="threePt" dir="t"/>
+    </dgm:scene3d>
+    <dgm:sp3d/>
+    <dgm:txPr/>
+    <dgm:style>
+      <a:lnRef idx="2">
+        <a:scrgbClr r="0" g="0" b="0"/>
+      </a:lnRef>
+      <a:fillRef idx="1">
+        <a:scrgbClr r="0" g="0" b="0"/>
+      </a:fillRef>
+      <a:effectRef idx="0">
+        <a:scrgbClr r="0" g="0" b="0"/>
+      </a:effectRef>
+      <a:fontRef idx="minor">
+        <a:schemeClr val="tx1"/>
+      </a:fontRef>
+    </dgm:style>
+  </dgm:styleLbl>
+  <dgm:styleLbl name="alignNode1">
+    <dgm:scene3d>
+      <a:camera prst="orthographicFront"/>
+      <a:lightRig rig="threePt" dir="t"/>
+    </dgm:scene3d>
+    <dgm:sp3d/>
+    <dgm:txPr/>
+    <dgm:style>
+      <a:lnRef idx="2">
+        <a:scrgbClr r="0" g="0" b="0"/>
+      </a:lnRef>
+      <a:fillRef idx="1">
+        <a:scrgbClr r="0" g="0" b="0"/>
+      </a:fillRef>
+      <a:effectRef idx="0">
+        <a:scrgbClr r="0" g="0" b="0"/>
+      </a:effectRef>
+      <a:fontRef idx="minor">
+        <a:schemeClr val="lt1"/>
+      </a:fontRef>
+    </dgm:style>
+  </dgm:styleLbl>
+  <dgm:styleLbl name="node1">
+    <dgm:scene3d>
+      <a:camera prst="orthographicFront"/>
+      <a:lightRig rig="threePt" dir="t"/>
+    </dgm:scene3d>
+    <dgm:sp3d/>
+    <dgm:txPr/>
+    <dgm:style>
+      <a:lnRef idx="2">
+        <a:scrgbClr r="0" g="0" b="0"/>
+      </a:lnRef>
+      <a:fillRef idx="1">
+        <a:scrgbClr r="0" g="0" b="0"/>
+      </a:fillRef>
+      <a:effectRef idx="0">
+        <a:scrgbClr r="0" g="0" b="0"/>
+      </a:effectRef>
+      <a:fontRef idx="minor">
+        <a:schemeClr val="lt1"/>
+      </a:fontRef>
+    </dgm:style>
+  </dgm:styleLbl>
+  <dgm:styleLbl name="node2">
+    <dgm:scene3d>
+      <a:camera prst="orthographicFront"/>
+      <a:lightRig rig="threePt" dir="t"/>
+    </dgm:scene3d>
+    <dgm:sp3d/>
+    <dgm:txPr/>
+    <dgm:style>
+      <a:lnRef idx="2">
+        <a:scrgbClr r="0" g="0" b="0"/>
+      </a:lnRef>
+      <a:fillRef idx="1">
+        <a:scrgbClr r="0" g="0" b="0"/>
+      </a:fillRef>
+      <a:effectRef idx="0">
+        <a:scrgbClr r="0" g="0" b="0"/>
+      </a:effectRef>
+      <a:fontRef idx="minor">
+        <a:schemeClr val="lt1"/>
+      </a:fontRef>
+    </dgm:style>
+  </dgm:styleLbl>
+  <dgm:styleLbl name="node3">
+    <dgm:scene3d>
+      <a:camera prst="orthographicFront"/>
+      <a:lightRig rig="threePt" dir="t"/>
+    </dgm:scene3d>
+    <dgm:sp3d/>
+    <dgm:txPr/>
+    <dgm:style>
+      <a:lnRef idx="2">
+        <a:scrgbClr r="0" g="0" b="0"/>
+      </a:lnRef>
+      <a:fillRef idx="1">
+        <a:scrgbClr r="0" g="0" b="0"/>
+      </a:fillRef>
+      <a:effectRef idx="0">
+        <a:scrgbClr r="0" g="0" b="0"/>
+      </a:effectRef>
+      <a:fontRef idx="minor">
+        <a:schemeClr val="lt1"/>
+      </a:fontRef>
+    </dgm:style>
+  </dgm:styleLbl>
+  <dgm:styleLbl name="node4">
+    <dgm:scene3d>
+      <a:camera prst="orthographicFront"/>
+      <a:lightRig rig="threePt" dir="t"/>
+    </dgm:scene3d>
+    <dgm:sp3d/>
+    <dgm:txPr/>
+    <dgm:style>
+      <a:lnRef idx="2">
+        <a:scrgbClr r="0" g="0" b="0"/>
+      </a:lnRef>
+      <a:fillRef idx="1">
+        <a:scrgbClr r="0" g="0" b="0"/>
+      </a:fillRef>
+      <a:effectRef idx="0">
+        <a:scrgbClr r="0" g="0" b="0"/>
+      </a:effectRef>
+      <a:fontRef idx="minor">
+        <a:schemeClr val="lt1"/>
+      </a:fontRef>
+    </dgm:style>
+  </dgm:styleLbl>
+  <dgm:styleLbl name="fgImgPlace1">
+    <dgm:scene3d>
+      <a:camera prst="orthographicFront"/>
+      <a:lightRig rig="threePt" dir="t"/>
+    </dgm:scene3d>
+    <dgm:sp3d/>
+    <dgm:txPr/>
+    <dgm:style>
+      <a:lnRef idx="2">
+        <a:scrgbClr r="0" g="0" b="0"/>
+      </a:lnRef>
+      <a:fillRef idx="1">
+        <a:scrgbClr r="0" g="0" b="0"/>
+      </a:fillRef>
+      <a:effectRef idx="0">
+        <a:scrgbClr r="0" g="0" b="0"/>
+      </a:effectRef>
+      <a:fontRef idx="minor"/>
+    </dgm:style>
+  </dgm:styleLbl>
+  <dgm:styleLbl name="alignImgPlace1">
+    <dgm:scene3d>
+      <a:camera prst="orthographicFront"/>
+      <a:lightRig rig="threePt" dir="t"/>
+    </dgm:scene3d>
+    <dgm:sp3d/>
+    <dgm:txPr/>
+    <dgm:style>
+      <a:lnRef idx="2">
+        <a:scrgbClr r="0" g="0" b="0"/>
+      </a:lnRef>
+      <a:fillRef idx="1">
+        <a:scrgbClr r="0" g="0" b="0"/>
+      </a:fillRef>
+      <a:effectRef idx="0">
+        <a:scrgbClr r="0" g="0" b="0"/>
+      </a:effectRef>
+      <a:fontRef idx="minor"/>
+    </dgm:style>
+  </dgm:styleLbl>
+  <dgm:styleLbl name="bgImgPlace1">
+    <dgm:scene3d>
+      <a:camera prst="orthographicFront"/>
+      <a:lightRig rig="threePt" dir="t"/>
+    </dgm:scene3d>
+    <dgm:sp3d/>
+    <dgm:txPr/>
+    <dgm:style>
+      <a:lnRef idx="2">
+        <a:scrgbClr r="0" g="0" b="0"/>
+      </a:lnRef>
+      <a:fillRef idx="1">
+        <a:scrgbClr r="0" g="0" b="0"/>
+      </a:fillRef>
+      <a:effectRef idx="0">
+        <a:scrgbClr r="0" g="0" b="0"/>
+      </a:effectRef>
+      <a:fontRef idx="minor"/>
+    </dgm:style>
+  </dgm:styleLbl>
+  <dgm:styleLbl name="sibTrans2D1">
+    <dgm:scene3d>
+      <a:camera prst="orthographicFront"/>
+      <a:lightRig rig="threePt" dir="t"/>
+    </dgm:scene3d>
+    <dgm:sp3d/>
+    <dgm:txPr/>
+    <dgm:style>
+      <a:lnRef idx="0">
+        <a:scrgbClr r="0" g="0" b="0"/>
+      </a:lnRef>
+      <a:fillRef idx="1">
+        <a:scrgbClr r="0" g="0" b="0"/>
+      </a:fillRef>
+      <a:effectRef idx="0">
+        <a:scrgbClr r="0" g="0" b="0"/>
+      </a:effectRef>
+      <a:fontRef idx="minor">
+        <a:schemeClr val="lt1"/>
+      </a:fontRef>
+    </dgm:style>
+  </dgm:styleLbl>
+  <dgm:styleLbl name="fgSibTrans2D1">
+    <dgm:scene3d>
+      <a:camera prst="orthographicFront"/>
+      <a:lightRig rig="threePt" dir="t"/>
+    </dgm:scene3d>
+    <dgm:sp3d/>
+    <dgm:txPr/>
+    <dgm:style>
+      <a:lnRef idx="0">
+        <a:scrgbClr r="0" g="0" b="0"/>
+      </a:lnRef>
+      <a:fillRef idx="1">
+        <a:scrgbClr r="0" g="0" b="0"/>
+      </a:fillRef>
+      <a:effectRef idx="0">
+        <a:scrgbClr r="0" g="0" b="0"/>
+      </a:effectRef>
+      <a:fontRef idx="minor">
+        <a:schemeClr val="lt1"/>
+      </a:fontRef>
+    </dgm:style>
+  </dgm:styleLbl>
+  <dgm:styleLbl name="bgSibTrans2D1">
+    <dgm:scene3d>
+      <a:camera prst="orthographicFront"/>
+      <a:lightRig rig="threePt" dir="t"/>
+    </dgm:scene3d>
+    <dgm:sp3d/>
+    <dgm:txPr/>
+    <dgm:style>
+      <a:lnRef idx="0">
+        <a:scrgbClr r="0" g="0" b="0"/>
+      </a:lnRef>
+      <a:fillRef idx="1">
+        <a:scrgbClr r="0" g="0" b="0"/>
+      </a:fillRef>
+      <a:effectRef idx="0">
+        <a:scrgbClr r="0" g="0" b="0"/>
+      </a:effectRef>
+      <a:fontRef idx="minor">
+        <a:schemeClr val="lt1"/>
+      </a:fontRef>
+    </dgm:style>
+  </dgm:styleLbl>
+  <dgm:styleLbl name="sibTrans1D1">
+    <dgm:scene3d>
+      <a:camera prst="orthographicFront"/>
+      <a:lightRig rig="threePt" dir="t"/>
+    </dgm:scene3d>
+    <dgm:sp3d/>
+    <dgm:txPr/>
+    <dgm:style>
+      <a:lnRef idx="1">
+        <a:scrgbClr r="0" g="0" b="0"/>
+      </a:lnRef>
+      <a:fillRef idx="0">
+        <a:scrgbClr r="0" g="0" b="0"/>
+      </a:fillRef>
+      <a:effectRef idx="0">
+        <a:scrgbClr r="0" g="0" b="0"/>
+      </a:effectRef>
+      <a:fontRef idx="minor"/>
+    </dgm:style>
+  </dgm:styleLbl>
+  <dgm:styleLbl name="callout">
+    <dgm:scene3d>
+      <a:camera prst="orthographicFront"/>
+      <a:lightRig rig="threePt" dir="t"/>
+    </dgm:scene3d>
+    <dgm:sp3d/>
+    <dgm:txPr/>
+    <dgm:style>
+      <a:lnRef idx="2">
+        <a:scrgbClr r="0" g="0" b="0"/>
+      </a:lnRef>
+      <a:fillRef idx="1">
+        <a:scrgbClr r="0" g="0" b="0"/>
+      </a:fillRef>
+      <a:effectRef idx="0">
+        <a:scrgbClr r="0" g="0" b="0"/>
+      </a:effectRef>
+      <a:fontRef idx="minor"/>
+    </dgm:style>
+  </dgm:styleLbl>
+  <dgm:styleLbl name="asst0">
+    <dgm:scene3d>
+      <a:camera prst="orthographicFront"/>
+      <a:lightRig rig="threePt" dir="t"/>
+    </dgm:scene3d>
+    <dgm:sp3d/>
+    <dgm:txPr/>
+    <dgm:style>
+      <a:lnRef idx="2">
+        <a:scrgbClr r="0" g="0" b="0"/>
+      </a:lnRef>
+      <a:fillRef idx="1">
+        <a:scrgbClr r="0" g="0" b="0"/>
+      </a:fillRef>
+      <a:effectRef idx="0">
+        <a:scrgbClr r="0" g="0" b="0"/>
+      </a:effectRef>
+      <a:fontRef idx="minor">
+        <a:schemeClr val="lt1"/>
+      </a:fontRef>
+    </dgm:style>
+  </dgm:styleLbl>
+  <dgm:styleLbl name="asst1">
+    <dgm:scene3d>
+      <a:camera prst="orthographicFront"/>
+      <a:lightRig rig="threePt" dir="t"/>
+    </dgm:scene3d>
+    <dgm:sp3d/>
+    <dgm:txPr/>
+    <dgm:style>
+      <a:lnRef idx="2">
+        <a:scrgbClr r="0" g="0" b="0"/>
+      </a:lnRef>
+      <a:fillRef idx="1">
+        <a:scrgbClr r="0" g="0" b="0"/>
+      </a:fillRef>
+      <a:effectRef idx="0">
+        <a:scrgbClr r="0" g="0" b="0"/>
+      </a:effectRef>
+      <a:fontRef idx="minor">
+        <a:schemeClr val="lt1"/>
+      </a:fontRef>
+    </dgm:style>
+  </dgm:styleLbl>
+  <dgm:styleLbl name="asst2">
+    <dgm:scene3d>
+      <a:camera prst="orthographicFront"/>
+      <a:lightRig rig="threePt" dir="t"/>
+    </dgm:scene3d>
+    <dgm:sp3d/>
+    <dgm:txPr/>
+    <dgm:style>
+      <a:lnRef idx="2">
+        <a:scrgbClr r="0" g="0" b="0"/>
+      </a:lnRef>
+      <a:fillRef idx="1">
+        <a:scrgbClr r="0" g="0" b="0"/>
+      </a:fillRef>
+      <a:effectRef idx="0">
+        <a:scrgbClr r="0" g="0" b="0"/>
+      </a:effectRef>
+      <a:fontRef idx="minor">
+        <a:schemeClr val="lt1"/>
+      </a:fontRef>
+    </dgm:style>
+  </dgm:styleLbl>
+  <dgm:styleLbl name="asst3">
+    <dgm:scene3d>
+      <a:camera prst="orthographicFront"/>
+      <a:lightRig rig="threePt" dir="t"/>
+    </dgm:scene3d>
+    <dgm:sp3d/>
+    <dgm:txPr/>
+    <dgm:style>
+      <a:lnRef idx="2">
+        <a:scrgbClr r="0" g="0" b="0"/>
+      </a:lnRef>
+      <a:fillRef idx="1">
+        <a:scrgbClr r="0" g="0" b="0"/>
+      </a:fillRef>
+      <a:effectRef idx="0">
+        <a:scrgbClr r="0" g="0" b="0"/>
+      </a:effectRef>
+      <a:fontRef idx="minor">
+        <a:schemeClr val="lt1"/>
+      </a:fontRef>
+    </dgm:style>
+  </dgm:styleLbl>
+  <dgm:styleLbl name="asst4">
+    <dgm:scene3d>
+      <a:camera prst="orthographicFront"/>
+      <a:lightRig rig="threePt" dir="t"/>
+    </dgm:scene3d>
+    <dgm:sp3d/>
+    <dgm:txPr/>
+    <dgm:style>
+      <a:lnRef idx="2">
+        <a:scrgbClr r="0" g="0" b="0"/>
+      </a:lnRef>
+      <a:fillRef idx="1">
+        <a:scrgbClr r="0" g="0" b="0"/>
+      </a:fillRef>
+      <a:effectRef idx="0">
+        <a:scrgbClr r="0" g="0" b="0"/>
+      </a:effectRef>
+      <a:fontRef idx="minor">
+        <a:schemeClr val="lt1"/>
+      </a:fontRef>
+    </dgm:style>
+  </dgm:styleLbl>
+  <dgm:styleLbl name="parChTrans2D1">
+    <dgm:scene3d>
+      <a:camera prst="orthographicFront"/>
+      <a:lightRig rig="threePt" dir="t"/>
+    </dgm:scene3d>
+    <dgm:sp3d/>
+    <dgm:txPr/>
+    <dgm:style>
+      <a:lnRef idx="2">
+        <a:scrgbClr r="0" g="0" b="0"/>
+      </a:lnRef>
+      <a:fillRef idx="1">
+        <a:scrgbClr r="0" g="0" b="0"/>
+      </a:fillRef>
+      <a:effectRef idx="0">
+        <a:scrgbClr r="0" g="0" b="0"/>
+      </a:effectRef>
+      <a:fontRef idx="minor">
+        <a:schemeClr val="lt1"/>
+      </a:fontRef>
+    </dgm:style>
+  </dgm:styleLbl>
+  <dgm:styleLbl name="parChTrans2D2">
+    <dgm:scene3d>
+      <a:camera prst="orthographicFront"/>
+      <a:lightRig rig="threePt" dir="t"/>
+    </dgm:scene3d>
+    <dgm:sp3d/>
+    <dgm:txPr/>
+    <dgm:style>
+      <a:lnRef idx="2">
+        <a:scrgbClr r="0" g="0" b="0"/>
+      </a:lnRef>
+      <a:fillRef idx="1">
+        <a:scrgbClr r="0" g="0" b="0"/>
+      </a:fillRef>
+      <a:effectRef idx="0">
+        <a:scrgbClr r="0" g="0" b="0"/>
+      </a:effectRef>
+      <a:fontRef idx="minor">
+        <a:schemeClr val="lt1"/>
+      </a:fontRef>
+    </dgm:style>
+  </dgm:styleLbl>
+  <dgm:styleLbl name="parChTrans2D3">
+    <dgm:scene3d>
+      <a:camera prst="orthographicFront"/>
+      <a:lightRig rig="threePt" dir="t"/>
+    </dgm:scene3d>
+    <dgm:sp3d/>
+    <dgm:txPr/>
+    <dgm:style>
+      <a:lnRef idx="2">
+        <a:scrgbClr r="0" g="0" b="0"/>
+      </a:lnRef>
+      <a:fillRef idx="1">
+        <a:scrgbClr r="0" g="0" b="0"/>
+      </a:fillRef>
+      <a:effectRef idx="0">
+        <a:scrgbClr r="0" g="0" b="0"/>
+      </a:effectRef>
+      <a:fontRef idx="minor">
+        <a:schemeClr val="lt1"/>
+      </a:fontRef>
+    </dgm:style>
+  </dgm:styleLbl>
+  <dgm:styleLbl name="parChTrans2D4">
+    <dgm:scene3d>
+      <a:camera prst="orthographicFront"/>
+      <a:lightRig rig="threePt" dir="t"/>
+    </dgm:scene3d>
+    <dgm:sp3d/>
+    <dgm:txPr/>
+    <dgm:style>
+      <a:lnRef idx="2">
+        <a:scrgbClr r="0" g="0" b="0"/>
+      </a:lnRef>
+      <a:fillRef idx="1">
+        <a:scrgbClr r="0" g="0" b="0"/>
+      </a:fillRef>
+      <a:effectRef idx="0">
+        <a:scrgbClr r="0" g="0" b="0"/>
+      </a:effectRef>
+      <a:fontRef idx="minor">
+        <a:schemeClr val="lt1"/>
+      </a:fontRef>
+    </dgm:style>
+  </dgm:styleLbl>
+  <dgm:styleLbl name="parChTrans1D1">
+    <dgm:scene3d>
+      <a:camera prst="orthographicFront"/>
+      <a:lightRig rig="threePt" dir="t"/>
+    </dgm:scene3d>
+    <dgm:sp3d/>
+    <dgm:txPr/>
+    <dgm:style>
+      <a:lnRef idx="2">
+        <a:scrgbClr r="0" g="0" b="0"/>
+      </a:lnRef>
+      <a:fillRef idx="0">
+        <a:scrgbClr r="0" g="0" b="0"/>
+      </a:fillRef>
+      <a:effectRef idx="0">
+        <a:scrgbClr r="0" g="0" b="0"/>
+      </a:effectRef>
+      <a:fontRef idx="minor"/>
+    </dgm:style>
+  </dgm:styleLbl>
+  <dgm:styleLbl name="parChTrans1D2">
+    <dgm:scene3d>
+      <a:camera prst="orthographicFront"/>
+      <a:lightRig rig="threePt" dir="t"/>
+    </dgm:scene3d>
+    <dgm:sp3d/>
+    <dgm:txPr/>
+    <dgm:style>
+      <a:lnRef idx="2">
+        <a:scrgbClr r="0" g="0" b="0"/>
+      </a:lnRef>
+      <a:fillRef idx="0">
+        <a:scrgbClr r="0" g="0" b="0"/>
+      </a:fillRef>
+      <a:effectRef idx="0">
+        <a:scrgbClr r="0" g="0" b="0"/>
+      </a:effectRef>
+      <a:fontRef idx="minor"/>
+    </dgm:style>
+  </dgm:styleLbl>
+  <dgm:styleLbl name="parChTrans1D3">
+    <dgm:scene3d>
+      <a:camera prst="orthographicFront"/>
+      <a:lightRig rig="threePt" dir="t"/>
+    </dgm:scene3d>
+    <dgm:sp3d/>
+    <dgm:txPr/>
+    <dgm:style>
+      <a:lnRef idx="2">
+        <a:scrgbClr r="0" g="0" b="0"/>
+      </a:lnRef>
+      <a:fillRef idx="0">
+        <a:scrgbClr r="0" g="0" b="0"/>
+      </a:fillRef>
+      <a:effectRef idx="0">
+        <a:scrgbClr r="0" g="0" b="0"/>
+      </a:effectRef>
+      <a:fontRef idx="minor"/>
+    </dgm:style>
+  </dgm:styleLbl>
+  <dgm:styleLbl name="parChTrans1D4">
+    <dgm:scene3d>
+      <a:camera prst="orthographicFront"/>
+      <a:lightRig rig="threePt" dir="t"/>
+    </dgm:scene3d>
+    <dgm:sp3d/>
+    <dgm:txPr/>
+    <dgm:style>
+      <a:lnRef idx="2">
+        <a:scrgbClr r="0" g="0" b="0"/>
+      </a:lnRef>
+      <a:fillRef idx="0">
+        <a:scrgbClr r="0" g="0" b="0"/>
+      </a:fillRef>
+      <a:effectRef idx="0">
+        <a:scrgbClr r="0" g="0" b="0"/>
+      </a:effectRef>
+      <a:fontRef idx="minor"/>
+    </dgm:style>
+  </dgm:styleLbl>
+  <dgm:styleLbl name="fgAcc1">
+    <dgm:scene3d>
+      <a:camera prst="orthographicFront"/>
+      <a:lightRig rig="threePt" dir="t"/>
+    </dgm:scene3d>
+    <dgm:sp3d/>
+    <dgm:txPr/>
+    <dgm:style>
+      <a:lnRef idx="2">
+        <a:scrgbClr r="0" g="0" b="0"/>
+      </a:lnRef>
+      <a:fillRef idx="1">
+        <a:scrgbClr r="0" g="0" b="0"/>
+      </a:fillRef>
+      <a:effectRef idx="0">
+        <a:scrgbClr r="0" g="0" b="0"/>
+      </a:effectRef>
+      <a:fontRef idx="minor"/>
+    </dgm:style>
+  </dgm:styleLbl>
+  <dgm:styleLbl name="conFgAcc1">
+    <dgm:scene3d>
+      <a:camera prst="orthographicFront"/>
+      <a:lightRig rig="threePt" dir="t"/>
+    </dgm:scene3d>
+    <dgm:sp3d/>
+    <dgm:txPr/>
+    <dgm:style>
+      <a:lnRef idx="2">
+        <a:scrgbClr r="0" g="0" b="0"/>
+      </a:lnRef>
+      <a:fillRef idx="1">
+        <a:scrgbClr r="0" g="0" b="0"/>
+      </a:fillRef>
+      <a:effectRef idx="0">
+        <a:scrgbClr r="0" g="0" b="0"/>
+      </a:effectRef>
+      <a:fontRef idx="minor"/>
+    </dgm:style>
+  </dgm:styleLbl>
+  <dgm:styleLbl name="alignAcc1">
+    <dgm:scene3d>
+      <a:camera prst="orthographicFront"/>
+      <a:lightRig rig="threePt" dir="t"/>
+    </dgm:scene3d>
+    <dgm:sp3d/>
+    <dgm:txPr/>
+    <dgm:style>
+      <a:lnRef idx="2">
+        <a:scrgbClr r="0" g="0" b="0"/>
+      </a:lnRef>
+      <a:fillRef idx="1">
+        <a:scrgbClr r="0" g="0" b="0"/>
+      </a:fillRef>
+      <a:effectRef idx="0">
+        <a:scrgbClr r="0" g="0" b="0"/>
+      </a:effectRef>
+      <a:fontRef idx="minor"/>
+    </dgm:style>
+  </dgm:styleLbl>
+  <dgm:styleLbl name="trAlignAcc1">
+    <dgm:scene3d>
+      <a:camera prst="orthographicFront"/>
+      <a:lightRig rig="threePt" dir="t"/>
+    </dgm:scene3d>
+    <dgm:sp3d/>
+    <dgm:txPr/>
+    <dgm:style>
+      <a:lnRef idx="1">
+        <a:scrgbClr r="0" g="0" b="0"/>
+      </a:lnRef>
+      <a:fillRef idx="1">
+        <a:scrgbClr r="0" g="0" b="0"/>
+      </a:fillRef>
+      <a:effectRef idx="0">
+        <a:scrgbClr r="0" g="0" b="0"/>
+      </a:effectRef>
+      <a:fontRef idx="minor"/>
+    </dgm:style>
+  </dgm:styleLbl>
+  <dgm:styleLbl name="bgAcc1">
+    <dgm:scene3d>
+      <a:camera prst="orthographicFront"/>
+      <a:lightRig rig="threePt" dir="t"/>
+    </dgm:scene3d>
+    <dgm:sp3d/>
+    <dgm:txPr/>
+    <dgm:style>
+      <a:lnRef idx="2">
+        <a:scrgbClr r="0" g="0" b="0"/>
+      </a:lnRef>
+      <a:fillRef idx="1">
+        <a:scrgbClr r="0" g="0" b="0"/>
+      </a:fillRef>
+      <a:effectRef idx="0">
+        <a:scrgbClr r="0" g="0" b="0"/>
+      </a:effectRef>
+      <a:fontRef idx="minor"/>
+    </dgm:style>
+  </dgm:styleLbl>
+  <dgm:styleLbl name="solidFgAcc1">
+    <dgm:scene3d>
+      <a:camera prst="orthographicFront"/>
+      <a:lightRig rig="threePt" dir="t"/>
+    </dgm:scene3d>
+    <dgm:sp3d/>
+    <dgm:txPr/>
+    <dgm:style>
+      <a:lnRef idx="2">
+        <a:scrgbClr r="0" g="0" b="0"/>
+      </a:lnRef>
+      <a:fillRef idx="1">
+        <a:scrgbClr r="0" g="0" b="0"/>
+      </a:fillRef>
+      <a:effectRef idx="0">
+        <a:scrgbClr r="0" g="0" b="0"/>
+      </a:effectRef>
+      <a:fontRef idx="minor"/>
+    </dgm:style>
+  </dgm:styleLbl>
+  <dgm:styleLbl name="solidAlignAcc1">
+    <dgm:scene3d>
+      <a:camera prst="orthographicFront"/>
+      <a:lightRig rig="threePt" dir="t"/>
+    </dgm:scene3d>
+    <dgm:sp3d/>
+    <dgm:txPr/>
+    <dgm:style>
+      <a:lnRef idx="2">
+        <a:scrgbClr r="0" g="0" b="0"/>
+      </a:lnRef>
+      <a:fillRef idx="1">
+        <a:scrgbClr r="0" g="0" b="0"/>
+      </a:fillRef>
+      <a:effectRef idx="0">
+        <a:scrgbClr r="0" g="0" b="0"/>
+      </a:effectRef>
+      <a:fontRef idx="minor"/>
+    </dgm:style>
+  </dgm:styleLbl>
+  <dgm:styleLbl name="solidBgAcc1">
+    <dgm:scene3d>
+      <a:camera prst="orthographicFront"/>
+      <a:lightRig rig="threePt" dir="t"/>
+    </dgm:scene3d>
+    <dgm:sp3d/>
+    <dgm:txPr/>
+    <dgm:style>
+      <a:lnRef idx="2">
+        <a:scrgbClr r="0" g="0" b="0"/>
+      </a:lnRef>
+      <a:fillRef idx="1">
+        <a:scrgbClr r="0" g="0" b="0"/>
+      </a:fillRef>
+      <a:effectRef idx="0">
+        <a:scrgbClr r="0" g="0" b="0"/>
+      </a:effectRef>
+      <a:fontRef idx="minor"/>
+    </dgm:style>
+  </dgm:styleLbl>
+  <dgm:styleLbl name="fgAccFollowNode1">
+    <dgm:scene3d>
+      <a:camera prst="orthographicFront"/>
+      <a:lightRig rig="threePt" dir="t"/>
+    </dgm:scene3d>
+    <dgm:sp3d/>
+    <dgm:txPr/>
+    <dgm:style>
+      <a:lnRef idx="2">
+        <a:scrgbClr r="0" g="0" b="0"/>
+      </a:lnRef>
+      <a:fillRef idx="1">
+        <a:scrgbClr r="0" g="0" b="0"/>
+      </a:fillRef>
+      <a:effectRef idx="0">
+        <a:scrgbClr r="0" g="0" b="0"/>
+      </a:effectRef>
+      <a:fontRef idx="minor"/>
+    </dgm:style>
+  </dgm:styleLbl>
+  <dgm:styleLbl name="alignAccFollowNode1">
+    <dgm:scene3d>
+      <a:camera prst="orthographicFront"/>
+      <a:lightRig rig="threePt" dir="t"/>
+    </dgm:scene3d>
+    <dgm:sp3d/>
+    <dgm:txPr/>
+    <dgm:style>
+      <a:lnRef idx="2">
+        <a:scrgbClr r="0" g="0" b="0"/>
+      </a:lnRef>
+      <a:fillRef idx="1">
+        <a:scrgbClr r="0" g="0" b="0"/>
+      </a:fillRef>
+      <a:effectRef idx="0">
+        <a:scrgbClr r="0" g="0" b="0"/>
+      </a:effectRef>
+      <a:fontRef idx="minor"/>
+    </dgm:style>
+  </dgm:styleLbl>
+  <dgm:styleLbl name="bgAccFollowNode1">
+    <dgm:scene3d>
+      <a:camera prst="orthographicFront"/>
+      <a:lightRig rig="threePt" dir="t"/>
+    </dgm:scene3d>
+    <dgm:sp3d/>
+    <dgm:txPr/>
+    <dgm:style>
+      <a:lnRef idx="2">
+        <a:scrgbClr r="0" g="0" b="0"/>
+      </a:lnRef>
+      <a:fillRef idx="1">
+        <a:scrgbClr r="0" g="0" b="0"/>
+      </a:fillRef>
+      <a:effectRef idx="0">
+        <a:scrgbClr r="0" g="0" b="0"/>
+      </a:effectRef>
+      <a:fontRef idx="minor"/>
+    </dgm:style>
+  </dgm:styleLbl>
+  <dgm:styleLbl name="fgAcc0">
+    <dgm:scene3d>
+      <a:camera prst="orthographicFront"/>
+      <a:lightRig rig="threePt" dir="t"/>
+    </dgm:scene3d>
+    <dgm:sp3d/>
+    <dgm:txPr/>
+    <dgm:style>
+      <a:lnRef idx="2">
+        <a:scrgbClr r="0" g="0" b="0"/>
+      </a:lnRef>
+      <a:fillRef idx="1">
+        <a:scrgbClr r="0" g="0" b="0"/>
+      </a:fillRef>
+      <a:effectRef idx="0">
+        <a:scrgbClr r="0" g="0" b="0"/>
+      </a:effectRef>
+      <a:fontRef idx="minor"/>
+    </dgm:style>
+  </dgm:styleLbl>
+  <dgm:styleLbl name="fgAcc2">
+    <dgm:scene3d>
+      <a:camera prst="orthographicFront"/>
+      <a:lightRig rig="threePt" dir="t"/>
+    </dgm:scene3d>
+    <dgm:sp3d/>
+    <dgm:txPr/>
+    <dgm:style>
+      <a:lnRef idx="2">
+        <a:scrgbClr r="0" g="0" b="0"/>
+      </a:lnRef>
+      <a:fillRef idx="1">
+        <a:scrgbClr r="0" g="0" b="0"/>
+      </a:fillRef>
+      <a:effectRef idx="0">
+        <a:scrgbClr r="0" g="0" b="0"/>
+      </a:effectRef>
+      <a:fontRef idx="minor"/>
+    </dgm:style>
+  </dgm:styleLbl>
+  <dgm:styleLbl name="fgAcc3">
+    <dgm:scene3d>
+      <a:camera prst="orthographicFront"/>
+      <a:lightRig rig="threePt" dir="t"/>
+    </dgm:scene3d>
+    <dgm:sp3d/>
+    <dgm:txPr/>
+    <dgm:style>
+      <a:lnRef idx="2">
+        <a:scrgbClr r="0" g="0" b="0"/>
+      </a:lnRef>
+      <a:fillRef idx="1">
+        <a:scrgbClr r="0" g="0" b="0"/>
+      </a:fillRef>
+      <a:effectRef idx="0">
+        <a:scrgbClr r="0" g="0" b="0"/>
+      </a:effectRef>
+      <a:fontRef idx="minor"/>
+    </dgm:style>
+  </dgm:styleLbl>
+  <dgm:styleLbl name="fgAcc4">
+    <dgm:scene3d>
+      <a:camera prst="orthographicFront"/>
+      <a:lightRig rig="threePt" dir="t"/>
+    </dgm:scene3d>
+    <dgm:sp3d/>
+    <dgm:txPr/>
+    <dgm:style>
+      <a:lnRef idx="2">
+        <a:scrgbClr r="0" g="0" b="0"/>
+      </a:lnRef>
+      <a:fillRef idx="1">
+        <a:scrgbClr r="0" g="0" b="0"/>
+      </a:fillRef>
+      <a:effectRef idx="0">
+        <a:scrgbClr r="0" g="0" b="0"/>
+      </a:effectRef>
+      <a:fontRef idx="minor"/>
+    </dgm:style>
+  </dgm:styleLbl>
+  <dgm:styleLbl name="bgShp">
+    <dgm:scene3d>
+      <a:camera prst="orthographicFront"/>
+      <a:lightRig rig="threePt" dir="t"/>
+    </dgm:scene3d>
+    <dgm:sp3d/>
+    <dgm:txPr/>
+    <dgm:style>
+      <a:lnRef idx="0">
+        <a:scrgbClr r="0" g="0" b="0"/>
+      </a:lnRef>
+      <a:fillRef idx="1">
+        <a:scrgbClr r="0" g="0" b="0"/>
+      </a:fillRef>
+      <a:effectRef idx="0">
+        <a:scrgbClr r="0" g="0" b="0"/>
+      </a:effectRef>
+      <a:fontRef idx="minor"/>
+    </dgm:style>
+  </dgm:styleLbl>
+  <dgm:styleLbl name="dkBgShp">
+    <dgm:scene3d>
+      <a:camera prst="orthographicFront"/>
+      <a:lightRig rig="threePt" dir="t"/>
+    </dgm:scene3d>
+    <dgm:sp3d/>
+    <dgm:txPr/>
+    <dgm:style>
+      <a:lnRef idx="0">
+        <a:scrgbClr r="0" g="0" b="0"/>
+      </a:lnRef>
+      <a:fillRef idx="1">
+        <a:scrgbClr r="0" g="0" b="0"/>
+      </a:fillRef>
+      <a:effectRef idx="0">
+        <a:scrgbClr r="0" g="0" b="0"/>
+      </a:effectRef>
+      <a:fontRef idx="minor"/>
+    </dgm:style>
+  </dgm:styleLbl>
+  <dgm:styleLbl name="trBgShp">
+    <dgm:scene3d>
+      <a:camera prst="orthographicFront"/>
+      <a:lightRig rig="threePt" dir="t"/>
+    </dgm:scene3d>
+    <dgm:sp3d/>
+    <dgm:txPr/>
+    <dgm:style>
+      <a:lnRef idx="0">
+        <a:scrgbClr r="0" g="0" b="0"/>
+      </a:lnRef>
+      <a:fillRef idx="1">
+        <a:scrgbClr r="0" g="0" b="0"/>
+      </a:fillRef>
+      <a:effectRef idx="0">
+        <a:scrgbClr r="0" g="0" b="0"/>
+      </a:effectRef>
+      <a:fontRef idx="minor"/>
+    </dgm:style>
+  </dgm:styleLbl>
+  <dgm:styleLbl name="fgShp">
+    <dgm:scene3d>
+      <a:camera prst="orthographicFront"/>
+      <a:lightRig rig="threePt" dir="t"/>
+    </dgm:scene3d>
+    <dgm:sp3d/>
+    <dgm:txPr/>
+    <dgm:style>
+      <a:lnRef idx="2">
+        <a:scrgbClr r="0" g="0" b="0"/>
+      </a:lnRef>
+      <a:fillRef idx="1">
+        <a:scrgbClr r="0" g="0" b="0"/>
+      </a:fillRef>
+      <a:effectRef idx="0">
+        <a:scrgbClr r="0" g="0" b="0"/>
+      </a:effectRef>
+      <a:fontRef idx="minor"/>
+    </dgm:style>
+  </dgm:styleLbl>
+  <dgm:styleLbl name="revTx">
+    <dgm:scene3d>
+      <a:camera prst="orthographicFront"/>
+      <a:lightRig rig="threePt" dir="t"/>
+    </dgm:scene3d>
+    <dgm:sp3d/>
+    <dgm:txPr/>
+    <dgm:style>
+      <a:lnRef idx="0">
+        <a:scrgbClr r="0" g="0" b="0"/>
+      </a:lnRef>
+      <a:fillRef idx="0">
+        <a:scrgbClr r="0" g="0" b="0"/>
+      </a:fillRef>
+      <a:effectRef idx="0">
+        <a:scrgbClr r="0" g="0" b="0"/>
+      </a:effectRef>
+      <a:fontRef idx="minor"/>
+    </dgm:style>
+  </dgm:styleLbl>
+</dgm:styleDef>
+</file>
+
+<file path=ppt/diagrams/quickStyle14.xml><?xml version="1.0" encoding="utf-8"?>
 <dgm:styleDef xmlns:dgm="http://schemas.openxmlformats.org/drawingml/2006/diagram" xmlns:a="http://schemas.openxmlformats.org/drawingml/2006/main" uniqueId="urn:microsoft.com/office/officeart/2005/8/quickstyle/simple1">
   <dgm:title val=""/>
   <dgm:desc val=""/>
@@ -44015,8 +46138,12 @@
               <a:t>actuators</a:t>
             </a:r>
             <a:r>
-              <a:rPr lang="it-IT" sz="2400"/>
-              <a:t> behaviour</a:t>
+              <a:rPr lang="it-IT" sz="2400" dirty="0"/>
+              <a:t> </a:t>
+            </a:r>
+            <a:r>
+              <a:rPr lang="it-IT" sz="2400" dirty="0" err="1"/>
+              <a:t>behaviour</a:t>
             </a:r>
             <a:endParaRPr lang="it-IT" sz="2400" dirty="0"/>
           </a:p>
@@ -51176,7 +53303,7 @@
             <p:ph sz="half" idx="1"/>
             <p:extLst>
               <p:ext uri="{D42A27DB-BD31-4B8C-83A1-F6EECF244321}">
-                <p14:modId xmlns:p14="http://schemas.microsoft.com/office/powerpoint/2010/main" val="2771825632"/>
+                <p14:modId xmlns:p14="http://schemas.microsoft.com/office/powerpoint/2010/main" val="879389342"/>
               </p:ext>
             </p:extLst>
           </p:nvPr>
@@ -51224,7 +53351,7 @@
         </p:blipFill>
         <p:spPr>
           <a:xfrm>
-            <a:off x="8020570" y="2084269"/>
+            <a:off x="8206923" y="2289859"/>
             <a:ext cx="3135109" cy="3135109"/>
           </a:xfrm>
           <a:prstGeom prst="rect">
@@ -51356,6 +53483,141 @@
 </file>
 
 <file path=ppt/slides/slide37.xml><?xml version="1.0" encoding="utf-8"?>
+<p:sld xmlns:a="http://schemas.openxmlformats.org/drawingml/2006/main" xmlns:r="http://schemas.openxmlformats.org/officeDocument/2006/relationships" xmlns:p="http://schemas.openxmlformats.org/presentationml/2006/main">
+  <p:cSld>
+    <p:spTree>
+      <p:nvGrpSpPr>
+        <p:cNvPr id="1" name=""/>
+        <p:cNvGrpSpPr/>
+        <p:nvPr/>
+      </p:nvGrpSpPr>
+      <p:grpSpPr>
+        <a:xfrm>
+          <a:off x="0" y="0"/>
+          <a:ext cx="0" cy="0"/>
+          <a:chOff x="0" y="0"/>
+          <a:chExt cx="0" cy="0"/>
+        </a:xfrm>
+      </p:grpSpPr>
+      <p:sp>
+        <p:nvSpPr>
+          <p:cNvPr id="2" name="Titolo 1">
+            <a:extLst>
+              <a:ext uri="{FF2B5EF4-FFF2-40B4-BE49-F238E27FC236}">
+                <a16:creationId xmlns:a16="http://schemas.microsoft.com/office/drawing/2014/main" id="{9C7A4807-E25C-BB88-1F22-844D3920DB89}"/>
+              </a:ext>
+            </a:extLst>
+          </p:cNvPr>
+          <p:cNvSpPr>
+            <a:spLocks noGrp="1"/>
+          </p:cNvSpPr>
+          <p:nvPr>
+            <p:ph type="title"/>
+          </p:nvPr>
+        </p:nvSpPr>
+        <p:spPr/>
+        <p:txBody>
+          <a:bodyPr>
+            <a:normAutofit/>
+          </a:bodyPr>
+          <a:lstStyle/>
+          <a:p>
+            <a:r>
+              <a:rPr lang="it-IT" sz="5400" b="1" i="1" dirty="0"/>
+              <a:t>Future </a:t>
+            </a:r>
+            <a:r>
+              <a:rPr lang="it-IT" sz="5400" b="1" i="1" dirty="0" err="1"/>
+              <a:t>evolution</a:t>
+            </a:r>
+            <a:endParaRPr lang="it-IT" sz="5400" b="1" i="1" dirty="0"/>
+          </a:p>
+        </p:txBody>
+      </p:sp>
+      <p:graphicFrame>
+        <p:nvGraphicFramePr>
+          <p:cNvPr id="4" name="Segnaposto contenuto 2">
+            <a:extLst>
+              <a:ext uri="{FF2B5EF4-FFF2-40B4-BE49-F238E27FC236}">
+                <a16:creationId xmlns:a16="http://schemas.microsoft.com/office/drawing/2014/main" id="{51A22E5D-86DB-5225-51BE-35575D0CE1F4}"/>
+              </a:ext>
+            </a:extLst>
+          </p:cNvPr>
+          <p:cNvGraphicFramePr>
+            <a:graphicFrameLocks noGrp="1"/>
+          </p:cNvGraphicFramePr>
+          <p:nvPr>
+            <p:ph idx="1"/>
+            <p:extLst>
+              <p:ext uri="{D42A27DB-BD31-4B8C-83A1-F6EECF244321}">
+                <p14:modId xmlns:p14="http://schemas.microsoft.com/office/powerpoint/2010/main" val="1188081315"/>
+              </p:ext>
+            </p:extLst>
+          </p:nvPr>
+        </p:nvGraphicFramePr>
+        <p:xfrm>
+          <a:off x="1096963" y="1846263"/>
+          <a:ext cx="6440179" cy="4022725"/>
+        </p:xfrm>
+        <a:graphic>
+          <a:graphicData uri="http://schemas.openxmlformats.org/drawingml/2006/diagram">
+            <dgm:relIds xmlns:dgm="http://schemas.openxmlformats.org/drawingml/2006/diagram" xmlns:r="http://schemas.openxmlformats.org/officeDocument/2006/relationships" r:dm="rId2" r:lo="rId3" r:qs="rId4" r:cs="rId5"/>
+          </a:graphicData>
+        </a:graphic>
+      </p:graphicFrame>
+      <p:pic>
+        <p:nvPicPr>
+          <p:cNvPr id="5" name="Segnaposto contenuto 4" descr="Cervello in testa contorno">
+            <a:extLst>
+              <a:ext uri="{FF2B5EF4-FFF2-40B4-BE49-F238E27FC236}">
+                <a16:creationId xmlns:a16="http://schemas.microsoft.com/office/drawing/2014/main" id="{E682B4B4-2A3E-9A93-3855-9996468C456D}"/>
+              </a:ext>
+            </a:extLst>
+          </p:cNvPr>
+          <p:cNvPicPr>
+            <a:picLocks noChangeAspect="1"/>
+          </p:cNvPicPr>
+          <p:nvPr/>
+        </p:nvPicPr>
+        <p:blipFill>
+          <a:blip r:embed="rId7">
+            <a:extLst>
+              <a:ext uri="{28A0092B-C50C-407E-A947-70E740481C1C}">
+                <a14:useLocalDpi xmlns:a14="http://schemas.microsoft.com/office/drawing/2010/main" val="0"/>
+              </a:ext>
+              <a:ext uri="{96DAC541-7B7A-43D3-8B79-37D633B846F1}">
+                <asvg:svgBlip xmlns:asvg="http://schemas.microsoft.com/office/drawing/2016/SVG/main" r:embed="rId8"/>
+              </a:ext>
+            </a:extLst>
+          </a:blip>
+          <a:stretch>
+            <a:fillRect/>
+          </a:stretch>
+        </p:blipFill>
+        <p:spPr>
+          <a:xfrm>
+            <a:off x="8180368" y="2290070"/>
+            <a:ext cx="3135109" cy="3135109"/>
+          </a:xfrm>
+          <a:prstGeom prst="rect">
+            <a:avLst/>
+          </a:prstGeom>
+        </p:spPr>
+      </p:pic>
+    </p:spTree>
+    <p:extLst>
+      <p:ext uri="{BB962C8B-B14F-4D97-AF65-F5344CB8AC3E}">
+        <p14:creationId xmlns:p14="http://schemas.microsoft.com/office/powerpoint/2010/main" val="3873252616"/>
+      </p:ext>
+    </p:extLst>
+  </p:cSld>
+  <p:clrMapOvr>
+    <a:masterClrMapping/>
+  </p:clrMapOvr>
+</p:sld>
+</file>
+
+<file path=ppt/slides/slide38.xml><?xml version="1.0" encoding="utf-8"?>
 <p:sld xmlns:a="http://schemas.openxmlformats.org/drawingml/2006/main" xmlns:r="http://schemas.openxmlformats.org/officeDocument/2006/relationships" xmlns:p="http://schemas.openxmlformats.org/presentationml/2006/main">
   <p:cSld>
     <p:bg>

--- a/SMART STENDINO.pptx
+++ b/SMART STENDINO.pptx
@@ -45632,7 +45632,7 @@
         </p:spPr>
         <p:txBody>
           <a:bodyPr vert="horz" lIns="0" tIns="45720" rIns="0" bIns="45720" rtlCol="0">
-            <a:normAutofit/>
+            <a:normAutofit lnSpcReduction="10000"/>
           </a:bodyPr>
           <a:lstStyle/>
           <a:p>
@@ -45704,7 +45704,29 @@
                   </a:schemeClr>
                 </a:solidFill>
               </a:rPr>
-              <a:t>Communication with the bridge via serial port in order to send and receive data and </a:t>
+              <a:t>Communication with the bridge via serial port or through </a:t>
+            </a:r>
+            <a:r>
+              <a:rPr lang="en-US" sz="2400">
+                <a:solidFill>
+                  <a:schemeClr val="tx1">
+                    <a:lumMod val="75000"/>
+                    <a:lumOff val="25000"/>
+                  </a:schemeClr>
+                </a:solidFill>
+              </a:rPr>
+              <a:t>wireless protocols </a:t>
+            </a:r>
+            <a:r>
+              <a:rPr lang="en-US" sz="2400" dirty="0">
+                <a:solidFill>
+                  <a:schemeClr val="tx1">
+                    <a:lumMod val="75000"/>
+                    <a:lumOff val="25000"/>
+                  </a:schemeClr>
+                </a:solidFill>
+              </a:rPr>
+              <a:t>in order to send and receive data and </a:t>
             </a:r>
             <a:r>
               <a:rPr lang="en-US" sz="2400" dirty="0" err="1">
@@ -56661,14 +56683,6 @@
 </file>
 
 <file path=customXml/item1.xml><?xml version="1.0" encoding="utf-8"?>
-<p:properties xmlns:p="http://schemas.microsoft.com/office/2006/metadata/properties" xmlns:xsi="http://www.w3.org/2001/XMLSchema-instance" xmlns:pc="http://schemas.microsoft.com/office/infopath/2007/PartnerControls">
-  <documentManagement>
-    <_activity xmlns="2f26ae8e-0534-42ae-9904-0fee2bddd958" xsi:nil="true"/>
-  </documentManagement>
-</p:properties>
-</file>
-
-<file path=customXml/item2.xml><?xml version="1.0" encoding="utf-8"?>
 <ct:contentTypeSchema xmlns:ct="http://schemas.microsoft.com/office/2006/metadata/contentType" xmlns:ma="http://schemas.microsoft.com/office/2006/metadata/properties/metaAttributes" ct:_="" ma:_="" ma:contentTypeName="Documento" ma:contentTypeID="0x010100C66C80353CD69A4285BB938310B65AC7" ma:contentTypeVersion="6" ma:contentTypeDescription="Creare un nuovo documento." ma:contentTypeScope="" ma:versionID="21157b6ce57c0b12a119ce4eabf6170c">
   <xsd:schema xmlns:xsd="http://www.w3.org/2001/XMLSchema" xmlns:xs="http://www.w3.org/2001/XMLSchema" xmlns:p="http://schemas.microsoft.com/office/2006/metadata/properties" xmlns:ns3="2f26ae8e-0534-42ae-9904-0fee2bddd958" xmlns:ns4="9c14b697-c5c0-4139-b5ac-a549821d1603" targetNamespace="http://schemas.microsoft.com/office/2006/metadata/properties" ma:root="true" ma:fieldsID="1652c2dfc8e5e4ef90b559c52be89ffd" ns3:_="" ns4:_="">
     <xsd:import namespace="2f26ae8e-0534-42ae-9904-0fee2bddd958"/>
@@ -56845,6 +56859,14 @@
 </ct:contentTypeSchema>
 </file>
 
+<file path=customXml/item2.xml><?xml version="1.0" encoding="utf-8"?>
+<p:properties xmlns:p="http://schemas.microsoft.com/office/2006/metadata/properties" xmlns:xsi="http://www.w3.org/2001/XMLSchema-instance" xmlns:pc="http://schemas.microsoft.com/office/infopath/2007/PartnerControls">
+  <documentManagement>
+    <_activity xmlns="2f26ae8e-0534-42ae-9904-0fee2bddd958" xsi:nil="true"/>
+  </documentManagement>
+</p:properties>
+</file>
+
 <file path=customXml/item3.xml><?xml version="1.0" encoding="utf-8"?>
 <?mso-contentType ?>
 <FormTemplates xmlns="http://schemas.microsoft.com/sharepoint/v3/contenttype/forms">
@@ -56855,23 +56877,6 @@
 </file>
 
 <file path=customXml/itemProps1.xml><?xml version="1.0" encoding="utf-8"?>
-<ds:datastoreItem xmlns:ds="http://schemas.openxmlformats.org/officeDocument/2006/customXml" ds:itemID="{DB604489-32B6-4CBF-814B-50772DBC895D}">
-  <ds:schemaRefs>
-    <ds:schemaRef ds:uri="http://purl.org/dc/terms/"/>
-    <ds:schemaRef ds:uri="http://schemas.microsoft.com/office/2006/documentManagement/types"/>
-    <ds:schemaRef ds:uri="http://purl.org/dc/dcmitype/"/>
-    <ds:schemaRef ds:uri="http://www.w3.org/XML/1998/namespace"/>
-    <ds:schemaRef ds:uri="http://purl.org/dc/elements/1.1/"/>
-    <ds:schemaRef ds:uri="2f26ae8e-0534-42ae-9904-0fee2bddd958"/>
-    <ds:schemaRef ds:uri="http://schemas.microsoft.com/office/infopath/2007/PartnerControls"/>
-    <ds:schemaRef ds:uri="http://schemas.openxmlformats.org/package/2006/metadata/core-properties"/>
-    <ds:schemaRef ds:uri="9c14b697-c5c0-4139-b5ac-a549821d1603"/>
-    <ds:schemaRef ds:uri="http://schemas.microsoft.com/office/2006/metadata/properties"/>
-  </ds:schemaRefs>
-</ds:datastoreItem>
-</file>
-
-<file path=customXml/itemProps2.xml><?xml version="1.0" encoding="utf-8"?>
 <ds:datastoreItem xmlns:ds="http://schemas.openxmlformats.org/officeDocument/2006/customXml" ds:itemID="{E42A27AE-3F80-406E-81BC-13580A87D7A8}">
   <ds:schemaRefs>
     <ds:schemaRef ds:uri="http://schemas.microsoft.com/office/2006/metadata/contentType"/>
@@ -56890,6 +56895,23 @@
 </ds:datastoreItem>
 </file>
 
+<file path=customXml/itemProps2.xml><?xml version="1.0" encoding="utf-8"?>
+<ds:datastoreItem xmlns:ds="http://schemas.openxmlformats.org/officeDocument/2006/customXml" ds:itemID="{DB604489-32B6-4CBF-814B-50772DBC895D}">
+  <ds:schemaRefs>
+    <ds:schemaRef ds:uri="http://purl.org/dc/terms/"/>
+    <ds:schemaRef ds:uri="http://schemas.microsoft.com/office/2006/documentManagement/types"/>
+    <ds:schemaRef ds:uri="http://purl.org/dc/dcmitype/"/>
+    <ds:schemaRef ds:uri="http://www.w3.org/XML/1998/namespace"/>
+    <ds:schemaRef ds:uri="http://purl.org/dc/elements/1.1/"/>
+    <ds:schemaRef ds:uri="2f26ae8e-0534-42ae-9904-0fee2bddd958"/>
+    <ds:schemaRef ds:uri="http://schemas.microsoft.com/office/infopath/2007/PartnerControls"/>
+    <ds:schemaRef ds:uri="http://schemas.openxmlformats.org/package/2006/metadata/core-properties"/>
+    <ds:schemaRef ds:uri="9c14b697-c5c0-4139-b5ac-a549821d1603"/>
+    <ds:schemaRef ds:uri="http://schemas.microsoft.com/office/2006/metadata/properties"/>
+  </ds:schemaRefs>
+</ds:datastoreItem>
+</file>
+
 <file path=customXml/itemProps3.xml><?xml version="1.0" encoding="utf-8"?>
 <ds:datastoreItem xmlns:ds="http://schemas.openxmlformats.org/officeDocument/2006/customXml" ds:itemID="{E67A05D2-EFB4-4662-9AF8-B74022BDC7DE}">
   <ds:schemaRefs>

--- a/SMART STENDINO.pptx
+++ b/SMART STENDINO.pptx
@@ -14569,7 +14569,7 @@
 <dgm:dataModel xmlns:dgm="http://schemas.openxmlformats.org/drawingml/2006/diagram" xmlns:a="http://schemas.openxmlformats.org/drawingml/2006/main">
   <dgm:ptLst>
     <dgm:pt modelId="{954F242D-FAFC-400C-8E27-8FABB5D44F0F}" type="doc">
-      <dgm:prSet loTypeId="urn:microsoft.com/office/officeart/2005/8/layout/vList2" loCatId="list" qsTypeId="urn:microsoft.com/office/officeart/2005/8/quickstyle/simple1" qsCatId="simple" csTypeId="urn:microsoft.com/office/officeart/2005/8/colors/accent1_2" csCatId="accent1"/>
+      <dgm:prSet loTypeId="urn:microsoft.com/office/officeart/2005/8/layout/vList2" loCatId="list" qsTypeId="urn:microsoft.com/office/officeart/2005/8/quickstyle/simple1" qsCatId="simple" csTypeId="urn:microsoft.com/office/officeart/2005/8/colors/accent1_2" csCatId="accent1" phldr="1"/>
       <dgm:spPr/>
       <dgm:t>
         <a:bodyPr/>
@@ -14623,10 +14623,26 @@
         <a:lstStyle/>
         <a:p>
           <a:r>
-            <a:rPr lang="it-IT"/>
-            <a:t>Capacitive Moisture Soil Sensor</a:t>
+            <a:rPr lang="it-IT" dirty="0"/>
+            <a:t>Capacitive </a:t>
           </a:r>
-          <a:endParaRPr lang="en-US"/>
+          <a:r>
+            <a:rPr lang="it-IT" dirty="0" err="1"/>
+            <a:t>Soil</a:t>
+          </a:r>
+          <a:r>
+            <a:rPr lang="it-IT" dirty="0"/>
+            <a:t> </a:t>
+          </a:r>
+          <a:r>
+            <a:rPr lang="it-IT" dirty="0" err="1"/>
+            <a:t>Moisture</a:t>
+          </a:r>
+          <a:r>
+            <a:rPr lang="it-IT" dirty="0"/>
+            <a:t> Sensor</a:t>
+          </a:r>
+          <a:endParaRPr lang="en-US" dirty="0"/>
         </a:p>
       </dgm:t>
     </dgm:pt>
@@ -20157,10 +20173,26 @@
             <a:buNone/>
           </a:pPr>
           <a:r>
-            <a:rPr lang="it-IT" sz="2800" kern="1200"/>
-            <a:t>Capacitive Moisture Soil Sensor</a:t>
+            <a:rPr lang="it-IT" sz="2800" kern="1200" dirty="0"/>
+            <a:t>Capacitive </a:t>
           </a:r>
-          <a:endParaRPr lang="en-US" sz="2800" kern="1200"/>
+          <a:r>
+            <a:rPr lang="it-IT" sz="2800" kern="1200" dirty="0" err="1"/>
+            <a:t>Soil</a:t>
+          </a:r>
+          <a:r>
+            <a:rPr lang="it-IT" sz="2800" kern="1200" dirty="0"/>
+            <a:t> </a:t>
+          </a:r>
+          <a:r>
+            <a:rPr lang="it-IT" sz="2800" kern="1200" dirty="0" err="1"/>
+            <a:t>Moisture</a:t>
+          </a:r>
+          <a:r>
+            <a:rPr lang="it-IT" sz="2800" kern="1200" dirty="0"/>
+            <a:t> Sensor</a:t>
+          </a:r>
+          <a:endParaRPr lang="en-US" sz="2800" kern="1200" dirty="0"/>
         </a:p>
       </dsp:txBody>
       <dsp:txXfrm>
@@ -38798,7 +38830,7 @@
           <a:p>
             <a:fld id="{BD24546A-F5BE-4F9E-948C-25747CB9F415}" type="datetimeFigureOut">
               <a:rPr lang="it-IT" smtClean="0"/>
-              <a:t>17/02/2023</a:t>
+              <a:t>20/02/2023</a:t>
             </a:fld>
             <a:endParaRPr lang="it-IT"/>
           </a:p>
@@ -39006,7 +39038,7 @@
           <a:p>
             <a:fld id="{BD24546A-F5BE-4F9E-948C-25747CB9F415}" type="datetimeFigureOut">
               <a:rPr lang="it-IT" smtClean="0"/>
-              <a:t>17/02/2023</a:t>
+              <a:t>20/02/2023</a:t>
             </a:fld>
             <a:endParaRPr lang="it-IT"/>
           </a:p>
@@ -39262,7 +39294,7 @@
           <a:p>
             <a:fld id="{BD24546A-F5BE-4F9E-948C-25747CB9F415}" type="datetimeFigureOut">
               <a:rPr lang="it-IT" smtClean="0"/>
-              <a:t>17/02/2023</a:t>
+              <a:t>20/02/2023</a:t>
             </a:fld>
             <a:endParaRPr lang="it-IT"/>
           </a:p>
@@ -39432,7 +39464,7 @@
           <a:p>
             <a:fld id="{BD24546A-F5BE-4F9E-948C-25747CB9F415}" type="datetimeFigureOut">
               <a:rPr lang="it-IT" smtClean="0"/>
-              <a:t>17/02/2023</a:t>
+              <a:t>20/02/2023</a:t>
             </a:fld>
             <a:endParaRPr lang="it-IT"/>
           </a:p>
@@ -39775,7 +39807,7 @@
           <a:p>
             <a:fld id="{BD24546A-F5BE-4F9E-948C-25747CB9F415}" type="datetimeFigureOut">
               <a:rPr lang="it-IT" smtClean="0"/>
-              <a:t>17/02/2023</a:t>
+              <a:t>20/02/2023</a:t>
             </a:fld>
             <a:endParaRPr lang="it-IT"/>
           </a:p>
@@ -40050,7 +40082,7 @@
           <a:p>
             <a:fld id="{BD24546A-F5BE-4F9E-948C-25747CB9F415}" type="datetimeFigureOut">
               <a:rPr lang="it-IT" smtClean="0"/>
-              <a:t>17/02/2023</a:t>
+              <a:t>20/02/2023</a:t>
             </a:fld>
             <a:endParaRPr lang="it-IT"/>
           </a:p>
@@ -40429,7 +40461,7 @@
           <a:p>
             <a:fld id="{BD24546A-F5BE-4F9E-948C-25747CB9F415}" type="datetimeFigureOut">
               <a:rPr lang="it-IT" smtClean="0"/>
-              <a:t>17/02/2023</a:t>
+              <a:t>20/02/2023</a:t>
             </a:fld>
             <a:endParaRPr lang="it-IT"/>
           </a:p>
@@ -40547,7 +40579,7 @@
           <a:p>
             <a:fld id="{BD24546A-F5BE-4F9E-948C-25747CB9F415}" type="datetimeFigureOut">
               <a:rPr lang="it-IT" smtClean="0"/>
-              <a:t>17/02/2023</a:t>
+              <a:t>20/02/2023</a:t>
             </a:fld>
             <a:endParaRPr lang="it-IT"/>
           </a:p>
@@ -40718,7 +40750,7 @@
           <a:p>
             <a:fld id="{BD24546A-F5BE-4F9E-948C-25747CB9F415}" type="datetimeFigureOut">
               <a:rPr lang="it-IT" smtClean="0"/>
-              <a:t>17/02/2023</a:t>
+              <a:t>20/02/2023</a:t>
             </a:fld>
             <a:endParaRPr lang="it-IT"/>
           </a:p>
@@ -41072,7 +41104,7 @@
           <a:p>
             <a:fld id="{BD24546A-F5BE-4F9E-948C-25747CB9F415}" type="datetimeFigureOut">
               <a:rPr lang="it-IT" smtClean="0"/>
-              <a:t>17/02/2023</a:t>
+              <a:t>20/02/2023</a:t>
             </a:fld>
             <a:endParaRPr lang="it-IT"/>
           </a:p>
@@ -41449,7 +41481,7 @@
           <a:p>
             <a:fld id="{BD24546A-F5BE-4F9E-948C-25747CB9F415}" type="datetimeFigureOut">
               <a:rPr lang="it-IT" smtClean="0"/>
-              <a:t>17/02/2023</a:t>
+              <a:t>20/02/2023</a:t>
             </a:fld>
             <a:endParaRPr lang="it-IT"/>
           </a:p>
@@ -41736,7 +41768,7 @@
           <a:p>
             <a:fld id="{BD24546A-F5BE-4F9E-948C-25747CB9F415}" type="datetimeFigureOut">
               <a:rPr lang="it-IT" smtClean="0"/>
-              <a:t>17/02/2023</a:t>
+              <a:t>20/02/2023</a:t>
             </a:fld>
             <a:endParaRPr lang="it-IT"/>
           </a:p>
@@ -48726,6 +48758,11 @@
           </p:cNvGraphicFramePr>
           <p:nvPr>
             <p:ph sz="half" idx="1"/>
+            <p:extLst>
+              <p:ext uri="{D42A27DB-BD31-4B8C-83A1-F6EECF244321}">
+                <p14:modId xmlns:p14="http://schemas.microsoft.com/office/powerpoint/2010/main" val="2901944006"/>
+              </p:ext>
+            </p:extLst>
           </p:nvPr>
         </p:nvGraphicFramePr>
         <p:xfrm>
@@ -56683,6 +56720,14 @@
 </file>
 
 <file path=customXml/item1.xml><?xml version="1.0" encoding="utf-8"?>
+<p:properties xmlns:p="http://schemas.microsoft.com/office/2006/metadata/properties" xmlns:xsi="http://www.w3.org/2001/XMLSchema-instance" xmlns:pc="http://schemas.microsoft.com/office/infopath/2007/PartnerControls">
+  <documentManagement>
+    <_activity xmlns="2f26ae8e-0534-42ae-9904-0fee2bddd958" xsi:nil="true"/>
+  </documentManagement>
+</p:properties>
+</file>
+
+<file path=customXml/item2.xml><?xml version="1.0" encoding="utf-8"?>
 <ct:contentTypeSchema xmlns:ct="http://schemas.microsoft.com/office/2006/metadata/contentType" xmlns:ma="http://schemas.microsoft.com/office/2006/metadata/properties/metaAttributes" ct:_="" ma:_="" ma:contentTypeName="Documento" ma:contentTypeID="0x010100C66C80353CD69A4285BB938310B65AC7" ma:contentTypeVersion="6" ma:contentTypeDescription="Creare un nuovo documento." ma:contentTypeScope="" ma:versionID="21157b6ce57c0b12a119ce4eabf6170c">
   <xsd:schema xmlns:xsd="http://www.w3.org/2001/XMLSchema" xmlns:xs="http://www.w3.org/2001/XMLSchema" xmlns:p="http://schemas.microsoft.com/office/2006/metadata/properties" xmlns:ns3="2f26ae8e-0534-42ae-9904-0fee2bddd958" xmlns:ns4="9c14b697-c5c0-4139-b5ac-a549821d1603" targetNamespace="http://schemas.microsoft.com/office/2006/metadata/properties" ma:root="true" ma:fieldsID="1652c2dfc8e5e4ef90b559c52be89ffd" ns3:_="" ns4:_="">
     <xsd:import namespace="2f26ae8e-0534-42ae-9904-0fee2bddd958"/>
@@ -56859,14 +56904,6 @@
 </ct:contentTypeSchema>
 </file>
 
-<file path=customXml/item2.xml><?xml version="1.0" encoding="utf-8"?>
-<p:properties xmlns:p="http://schemas.microsoft.com/office/2006/metadata/properties" xmlns:xsi="http://www.w3.org/2001/XMLSchema-instance" xmlns:pc="http://schemas.microsoft.com/office/infopath/2007/PartnerControls">
-  <documentManagement>
-    <_activity xmlns="2f26ae8e-0534-42ae-9904-0fee2bddd958" xsi:nil="true"/>
-  </documentManagement>
-</p:properties>
-</file>
-
 <file path=customXml/item3.xml><?xml version="1.0" encoding="utf-8"?>
 <?mso-contentType ?>
 <FormTemplates xmlns="http://schemas.microsoft.com/sharepoint/v3/contenttype/forms">
@@ -56877,6 +56914,23 @@
 </file>
 
 <file path=customXml/itemProps1.xml><?xml version="1.0" encoding="utf-8"?>
+<ds:datastoreItem xmlns:ds="http://schemas.openxmlformats.org/officeDocument/2006/customXml" ds:itemID="{DB604489-32B6-4CBF-814B-50772DBC895D}">
+  <ds:schemaRefs>
+    <ds:schemaRef ds:uri="http://purl.org/dc/terms/"/>
+    <ds:schemaRef ds:uri="http://schemas.microsoft.com/office/2006/documentManagement/types"/>
+    <ds:schemaRef ds:uri="http://purl.org/dc/dcmitype/"/>
+    <ds:schemaRef ds:uri="http://www.w3.org/XML/1998/namespace"/>
+    <ds:schemaRef ds:uri="http://purl.org/dc/elements/1.1/"/>
+    <ds:schemaRef ds:uri="2f26ae8e-0534-42ae-9904-0fee2bddd958"/>
+    <ds:schemaRef ds:uri="http://schemas.microsoft.com/office/infopath/2007/PartnerControls"/>
+    <ds:schemaRef ds:uri="http://schemas.openxmlformats.org/package/2006/metadata/core-properties"/>
+    <ds:schemaRef ds:uri="9c14b697-c5c0-4139-b5ac-a549821d1603"/>
+    <ds:schemaRef ds:uri="http://schemas.microsoft.com/office/2006/metadata/properties"/>
+  </ds:schemaRefs>
+</ds:datastoreItem>
+</file>
+
+<file path=customXml/itemProps2.xml><?xml version="1.0" encoding="utf-8"?>
 <ds:datastoreItem xmlns:ds="http://schemas.openxmlformats.org/officeDocument/2006/customXml" ds:itemID="{E42A27AE-3F80-406E-81BC-13580A87D7A8}">
   <ds:schemaRefs>
     <ds:schemaRef ds:uri="http://schemas.microsoft.com/office/2006/metadata/contentType"/>
@@ -56895,23 +56949,6 @@
 </ds:datastoreItem>
 </file>
 
-<file path=customXml/itemProps2.xml><?xml version="1.0" encoding="utf-8"?>
-<ds:datastoreItem xmlns:ds="http://schemas.openxmlformats.org/officeDocument/2006/customXml" ds:itemID="{DB604489-32B6-4CBF-814B-50772DBC895D}">
-  <ds:schemaRefs>
-    <ds:schemaRef ds:uri="http://purl.org/dc/terms/"/>
-    <ds:schemaRef ds:uri="http://schemas.microsoft.com/office/2006/documentManagement/types"/>
-    <ds:schemaRef ds:uri="http://purl.org/dc/dcmitype/"/>
-    <ds:schemaRef ds:uri="http://www.w3.org/XML/1998/namespace"/>
-    <ds:schemaRef ds:uri="http://purl.org/dc/elements/1.1/"/>
-    <ds:schemaRef ds:uri="2f26ae8e-0534-42ae-9904-0fee2bddd958"/>
-    <ds:schemaRef ds:uri="http://schemas.microsoft.com/office/infopath/2007/PartnerControls"/>
-    <ds:schemaRef ds:uri="http://schemas.openxmlformats.org/package/2006/metadata/core-properties"/>
-    <ds:schemaRef ds:uri="9c14b697-c5c0-4139-b5ac-a549821d1603"/>
-    <ds:schemaRef ds:uri="http://schemas.microsoft.com/office/2006/metadata/properties"/>
-  </ds:schemaRefs>
-</ds:datastoreItem>
-</file>
-
 <file path=customXml/itemProps3.xml><?xml version="1.0" encoding="utf-8"?>
 <ds:datastoreItem xmlns:ds="http://schemas.openxmlformats.org/officeDocument/2006/customXml" ds:itemID="{E67A05D2-EFB4-4662-9AF8-B74022BDC7DE}">
   <ds:schemaRefs>
